--- a/Documentation/ProjectDescription/Poster/CS-313TAMS-PosterDraft.pptx
+++ b/Documentation/ProjectDescription/Poster/CS-313TAMS-PosterDraft.pptx
@@ -109,7 +109,7 @@
   </p:defaultTextStyle>
   <p:extLst>
     <p:ext uri="{EFAFB233-063F-42B5-8137-9DF3F51BA10A}">
-      <p15:sldGuideLst xmlns:p15="http://schemas.microsoft.com/office/powerpoint/2012/main">
+      <p15:sldGuideLst xmlns:p15="http://schemas.microsoft.com/office/powerpoint/2012/main" xmlns="">
         <p15:guide id="1" orient="horz" pos="9216" userDrawn="1">
           <p15:clr>
             <a:srgbClr val="A4A3A4"/>
@@ -208,7 +208,8 @@
           <a:p>
             <a:fld id="{B68B959A-7C95-4BA3-9E85-416554B5BF05}" type="datetimeFigureOut">
               <a:rPr lang="en-US" smtClean="0"/>
-              <a:t>3/17/2019</a:t>
+              <a:pPr/>
+              <a:t>3/19/2019</a:t>
             </a:fld>
             <a:endParaRPr lang="en-US"/>
           </a:p>
@@ -368,6 +369,7 @@
           <a:p>
             <a:fld id="{C6D2AD42-6EE7-4098-940E-7349C75B2DF7}" type="slidenum">
               <a:rPr lang="en-US" smtClean="0"/>
+              <a:pPr/>
               <a:t>‹#›</a:t>
             </a:fld>
             <a:endParaRPr lang="en-US"/>
@@ -539,6 +541,7 @@
           <a:p>
             <a:fld id="{C6D2AD42-6EE7-4098-940E-7349C75B2DF7}" type="slidenum">
               <a:rPr lang="en-US" smtClean="0"/>
+              <a:pPr/>
               <a:t>1</a:t>
             </a:fld>
             <a:endParaRPr lang="en-US"/>
@@ -612,7 +615,7 @@
     </p:spTree>
     <p:extLst>
       <p:ext uri="{BB962C8B-B14F-4D97-AF65-F5344CB8AC3E}">
-        <p14:creationId xmlns:p14="http://schemas.microsoft.com/office/powerpoint/2010/main" val="1431167574"/>
+        <p14:creationId xmlns:p14="http://schemas.microsoft.com/office/powerpoint/2010/main" xmlns="" val="1431167574"/>
       </p:ext>
     </p:extLst>
   </p:cSld>
@@ -1064,12 +1067,10 @@
                 <a:latin typeface="Arial"/>
                 <a:cs typeface="Arial"/>
               </a:rPr>
-              <a:t>Technology Stack</a:t>
-            </a:r>
-          </a:p>
-          <a:p>
-            <a:r>
-              <a:rPr lang="en-US" sz="3600" dirty="0">
+              <a:t>Technology </a:t>
+            </a:r>
+            <a:r>
+              <a:rPr lang="en-US" sz="4800" b="1" dirty="0" smtClean="0">
                 <a:ln>
                   <a:noFill/>
                   <a:prstDash val="dot"/>
@@ -1077,8 +1078,33 @@
                 <a:latin typeface="Arial"/>
                 <a:cs typeface="Arial"/>
               </a:rPr>
-              <a:t>Summary</a:t>
-            </a:r>
+              <a:t>Stack</a:t>
+            </a:r>
+          </a:p>
+          <a:p>
+            <a:pPr>
+              <a:buFont typeface="Arial" pitchFamily="34" charset="0"/>
+              <a:buChar char="•"/>
+            </a:pPr>
+            <a:r>
+              <a:rPr lang="en-US" sz="3600" dirty="0" smtClean="0">
+                <a:ln>
+                  <a:noFill/>
+                  <a:prstDash val="dot"/>
+                </a:ln>
+                <a:latin typeface="Arial"/>
+                <a:cs typeface="Arial"/>
+              </a:rPr>
+              <a:t>etc</a:t>
+            </a:r>
+            <a:endParaRPr lang="en-US" sz="3600" dirty="0">
+              <a:ln>
+                <a:noFill/>
+                <a:prstDash val="dot"/>
+              </a:ln>
+              <a:latin typeface="Arial"/>
+              <a:cs typeface="Arial"/>
+            </a:endParaRPr>
           </a:p>
         </p:txBody>
       </p:sp>
@@ -1403,8 +1429,8 @@
         </p:blipFill>
         <p:spPr bwMode="auto">
           <a:xfrm>
-            <a:off x="34812514" y="23755760"/>
-            <a:ext cx="4599037" cy="2813078"/>
+            <a:off x="35445034" y="23428123"/>
+            <a:ext cx="5305410" cy="3245143"/>
           </a:xfrm>
           <a:prstGeom prst="rect">
             <a:avLst/>
@@ -1429,7 +1455,7 @@
         </p:blipFill>
         <p:spPr bwMode="auto">
           <a:xfrm>
-            <a:off x="32132815" y="25162299"/>
+            <a:off x="32050053" y="25050695"/>
             <a:ext cx="4051738" cy="4051738"/>
           </a:xfrm>
           <a:prstGeom prst="rect">
@@ -1455,7 +1481,7 @@
         </p:blipFill>
         <p:spPr bwMode="auto">
           <a:xfrm>
-            <a:off x="36184553" y="23691952"/>
+            <a:off x="36584938" y="24060794"/>
             <a:ext cx="8217379" cy="5697383"/>
           </a:xfrm>
           <a:prstGeom prst="rect">
@@ -1481,7 +1507,7 @@
         </p:blipFill>
         <p:spPr bwMode="auto">
           <a:xfrm>
-            <a:off x="29369619" y="25416518"/>
+            <a:off x="28310224" y="25360178"/>
             <a:ext cx="2784020" cy="3543300"/>
           </a:xfrm>
           <a:prstGeom prst="rect">
@@ -1495,7 +1521,7 @@
           <p:cNvPr id="17" name="Picture 16" descr="A close up of a sign&#10;&#10;Description automatically generated">
             <a:extLst>
               <a:ext uri="{FF2B5EF4-FFF2-40B4-BE49-F238E27FC236}">
-                <a16:creationId xmlns:a16="http://schemas.microsoft.com/office/drawing/2014/main" id="{CC61BD5C-F705-4D70-B710-E6BB3BAFCFD2}"/>
+                <a16:creationId xmlns:a16="http://schemas.microsoft.com/office/drawing/2014/main" xmlns="" id="{CC61BD5C-F705-4D70-B710-E6BB3BAFCFD2}"/>
               </a:ext>
             </a:extLst>
           </p:cNvPr>
@@ -1512,8 +1538,8 @@
         </p:blipFill>
         <p:spPr>
           <a:xfrm>
-            <a:off x="35209776" y="20868755"/>
-            <a:ext cx="7502414" cy="2378266"/>
+            <a:off x="36583272" y="11746982"/>
+            <a:ext cx="6620723" cy="2098770"/>
           </a:xfrm>
           <a:prstGeom prst="rect">
             <a:avLst/>
@@ -1525,7 +1551,7 @@
           <p:cNvPr id="19" name="Picture 18" descr="A close up of a logo&#10;&#10;Description automatically generated">
             <a:extLst>
               <a:ext uri="{FF2B5EF4-FFF2-40B4-BE49-F238E27FC236}">
-                <a16:creationId xmlns:a16="http://schemas.microsoft.com/office/drawing/2014/main" id="{428F8D5A-B772-4124-AEBB-0A5869C3BCBA}"/>
+                <a16:creationId xmlns:a16="http://schemas.microsoft.com/office/drawing/2014/main" xmlns="" id="{428F8D5A-B772-4124-AEBB-0A5869C3BCBA}"/>
               </a:ext>
             </a:extLst>
           </p:cNvPr>
@@ -1542,7 +1568,7 @@
         </p:blipFill>
         <p:spPr>
           <a:xfrm>
-            <a:off x="29222061" y="20954356"/>
+            <a:off x="37382488" y="18600821"/>
             <a:ext cx="5821507" cy="3283330"/>
           </a:xfrm>
           <a:prstGeom prst="rect">
@@ -1555,7 +1581,7 @@
           <p:cNvPr id="23" name="Straight Connector 22">
             <a:extLst>
               <a:ext uri="{FF2B5EF4-FFF2-40B4-BE49-F238E27FC236}">
-                <a16:creationId xmlns:a16="http://schemas.microsoft.com/office/drawing/2014/main" id="{F07ABC8A-B74D-4D01-862B-7356E3713D24}"/>
+                <a16:creationId xmlns:a16="http://schemas.microsoft.com/office/drawing/2014/main" xmlns="" id="{F07ABC8A-B74D-4D01-862B-7356E3713D24}"/>
               </a:ext>
             </a:extLst>
           </p:cNvPr>
@@ -1564,7 +1590,7 @@
         </p:nvCxnSpPr>
         <p:spPr>
           <a:xfrm>
-            <a:off x="2683553" y="10759460"/>
+            <a:off x="2683553" y="10486167"/>
             <a:ext cx="37609689" cy="0"/>
           </a:xfrm>
           <a:prstGeom prst="line">
@@ -1597,7 +1623,7 @@
           <p:cNvPr id="24" name="TextBox 23">
             <a:extLst>
               <a:ext uri="{FF2B5EF4-FFF2-40B4-BE49-F238E27FC236}">
-                <a16:creationId xmlns:a16="http://schemas.microsoft.com/office/drawing/2014/main" id="{1AC03429-986A-4848-98A7-DA061E22BCB8}"/>
+                <a16:creationId xmlns:a16="http://schemas.microsoft.com/office/drawing/2014/main" xmlns="" id="{1AC03429-986A-4848-98A7-DA061E22BCB8}"/>
               </a:ext>
             </a:extLst>
           </p:cNvPr>
@@ -1704,7 +1730,7 @@
           <p:cNvPr id="27" name="TextBox 26">
             <a:extLst>
               <a:ext uri="{FF2B5EF4-FFF2-40B4-BE49-F238E27FC236}">
-                <a16:creationId xmlns:a16="http://schemas.microsoft.com/office/drawing/2014/main" id="{D1A05A63-B317-4B3D-8DCA-D3F579E68D0C}"/>
+                <a16:creationId xmlns:a16="http://schemas.microsoft.com/office/drawing/2014/main" xmlns="" id="{D1A05A63-B317-4B3D-8DCA-D3F579E68D0C}"/>
               </a:ext>
             </a:extLst>
           </p:cNvPr>
@@ -1713,8 +1739,8 @@
         </p:nvSpPr>
         <p:spPr>
           <a:xfrm>
-            <a:off x="2075068" y="11152563"/>
-            <a:ext cx="8457129" cy="830997"/>
+            <a:off x="2075069" y="10759460"/>
+            <a:ext cx="8457129" cy="15050274"/>
           </a:xfrm>
           <a:prstGeom prst="rect">
             <a:avLst/>
@@ -1732,8 +1758,207 @@
                 <a:latin typeface="Arial"/>
                 <a:cs typeface="Arial"/>
               </a:rPr>
-              <a:t>Old Process</a:t>
-            </a:r>
+              <a:t>Old </a:t>
+            </a:r>
+            <a:r>
+              <a:rPr lang="en-US" sz="4800" b="1" dirty="0" smtClean="0">
+                <a:latin typeface="Arial"/>
+                <a:cs typeface="Arial"/>
+              </a:rPr>
+              <a:t>Process</a:t>
+            </a:r>
+          </a:p>
+          <a:p>
+            <a:endParaRPr lang="en-US" sz="3600" b="1" dirty="0" smtClean="0">
+              <a:latin typeface="Arial"/>
+              <a:cs typeface="Arial"/>
+            </a:endParaRPr>
+          </a:p>
+          <a:p>
+            <a:r>
+              <a:rPr lang="en-US" sz="3600" b="1" dirty="0" smtClean="0">
+                <a:latin typeface="Arial"/>
+                <a:cs typeface="Arial"/>
+              </a:rPr>
+              <a:t>TA Recruitment</a:t>
+            </a:r>
+          </a:p>
+          <a:p>
+            <a:pPr>
+              <a:buFont typeface="Arial" pitchFamily="34" charset="0"/>
+              <a:buChar char="•"/>
+            </a:pPr>
+            <a:r>
+              <a:rPr lang="en-US" sz="3600" dirty="0" smtClean="0">
+                <a:latin typeface="Arial"/>
+                <a:cs typeface="Arial"/>
+              </a:rPr>
+              <a:t>No </a:t>
+            </a:r>
+          </a:p>
+          <a:p>
+            <a:pPr>
+              <a:buFont typeface="Arial" pitchFamily="34" charset="0"/>
+              <a:buChar char="•"/>
+            </a:pPr>
+            <a:r>
+              <a:rPr lang="en-US" sz="3600" dirty="0" smtClean="0">
+                <a:latin typeface="Arial"/>
+                <a:cs typeface="Arial"/>
+              </a:rPr>
+              <a:t>Cluttered email chains</a:t>
+            </a:r>
+          </a:p>
+          <a:p>
+            <a:pPr>
+              <a:buFont typeface="Arial" pitchFamily="34" charset="0"/>
+              <a:buChar char="•"/>
+            </a:pPr>
+            <a:r>
+              <a:rPr lang="en-US" sz="3600" dirty="0" smtClean="0">
+                <a:latin typeface="Arial"/>
+                <a:cs typeface="Arial"/>
+              </a:rPr>
+              <a:t>Poor communication</a:t>
+            </a:r>
+          </a:p>
+          <a:p>
+            <a:endParaRPr lang="en-US" sz="3600" dirty="0" smtClean="0">
+              <a:latin typeface="Arial"/>
+              <a:cs typeface="Arial"/>
+            </a:endParaRPr>
+          </a:p>
+          <a:p>
+            <a:r>
+              <a:rPr lang="en-US" sz="3600" b="1" dirty="0" smtClean="0">
+                <a:latin typeface="Arial"/>
+                <a:cs typeface="Arial"/>
+              </a:rPr>
+              <a:t>TA Class Matching</a:t>
+            </a:r>
+          </a:p>
+          <a:p>
+            <a:pPr>
+              <a:buFont typeface="Arial" pitchFamily="34" charset="0"/>
+              <a:buChar char="•"/>
+            </a:pPr>
+            <a:r>
+              <a:rPr lang="en-US" sz="3600" dirty="0" smtClean="0">
+                <a:latin typeface="Arial"/>
+                <a:cs typeface="Arial"/>
+              </a:rPr>
+              <a:t>TAs assigned to classes </a:t>
+            </a:r>
+          </a:p>
+          <a:p>
+            <a:endParaRPr lang="en-US" sz="3600" dirty="0" smtClean="0">
+              <a:latin typeface="Arial"/>
+              <a:cs typeface="Arial"/>
+            </a:endParaRPr>
+          </a:p>
+          <a:p>
+            <a:endParaRPr lang="en-US" sz="3600" dirty="0" smtClean="0">
+              <a:latin typeface="Arial"/>
+              <a:cs typeface="Arial"/>
+            </a:endParaRPr>
+          </a:p>
+          <a:p>
+            <a:endParaRPr lang="en-US" sz="3600" dirty="0" smtClean="0">
+              <a:latin typeface="Arial"/>
+              <a:cs typeface="Arial"/>
+            </a:endParaRPr>
+          </a:p>
+          <a:p>
+            <a:endParaRPr lang="en-US" sz="3600" dirty="0" smtClean="0">
+              <a:latin typeface="Arial"/>
+              <a:cs typeface="Arial"/>
+            </a:endParaRPr>
+          </a:p>
+          <a:p>
+            <a:endParaRPr lang="en-US" sz="3600" dirty="0" smtClean="0">
+              <a:latin typeface="Arial"/>
+              <a:cs typeface="Arial"/>
+            </a:endParaRPr>
+          </a:p>
+          <a:p>
+            <a:r>
+              <a:rPr lang="en-US" sz="3600" b="1" dirty="0" smtClean="0">
+                <a:latin typeface="Arial"/>
+                <a:cs typeface="Arial"/>
+              </a:rPr>
+              <a:t>TA Scheduling Information</a:t>
+            </a:r>
+          </a:p>
+          <a:p>
+            <a:pPr>
+              <a:buFont typeface="Arial" pitchFamily="34" charset="0"/>
+              <a:buChar char="•"/>
+            </a:pPr>
+            <a:endParaRPr lang="en-US" sz="3600" dirty="0" smtClean="0">
+              <a:latin typeface="Arial"/>
+              <a:cs typeface="Arial"/>
+            </a:endParaRPr>
+          </a:p>
+          <a:p>
+            <a:endParaRPr lang="en-US" sz="3600" dirty="0" smtClean="0">
+              <a:latin typeface="Arial"/>
+              <a:cs typeface="Arial"/>
+            </a:endParaRPr>
+          </a:p>
+          <a:p>
+            <a:endParaRPr lang="en-US" sz="3600" dirty="0" smtClean="0">
+              <a:latin typeface="Arial"/>
+              <a:cs typeface="Arial"/>
+            </a:endParaRPr>
+          </a:p>
+          <a:p>
+            <a:endParaRPr lang="en-US" sz="3600" dirty="0" smtClean="0">
+              <a:latin typeface="Arial"/>
+              <a:cs typeface="Arial"/>
+            </a:endParaRPr>
+          </a:p>
+          <a:p>
+            <a:endParaRPr lang="en-US" sz="3600" dirty="0" smtClean="0">
+              <a:latin typeface="Arial"/>
+              <a:cs typeface="Arial"/>
+            </a:endParaRPr>
+          </a:p>
+          <a:p>
+            <a:endParaRPr lang="en-US" sz="3600" dirty="0" smtClean="0">
+              <a:latin typeface="Arial"/>
+              <a:cs typeface="Arial"/>
+            </a:endParaRPr>
+          </a:p>
+          <a:p>
+            <a:r>
+              <a:rPr lang="en-US" sz="3600" b="1" dirty="0" smtClean="0">
+                <a:latin typeface="Arial"/>
+                <a:cs typeface="Arial"/>
+              </a:rPr>
+              <a:t>TA Grading Assignment</a:t>
+            </a:r>
+            <a:endParaRPr lang="en-US" sz="3600" b="1" dirty="0" smtClean="0">
+              <a:latin typeface="Arial"/>
+              <a:cs typeface="Arial"/>
+            </a:endParaRPr>
+          </a:p>
+          <a:p>
+            <a:pPr>
+              <a:buFont typeface="Arial" pitchFamily="34" charset="0"/>
+              <a:buChar char="•"/>
+            </a:pPr>
+            <a:endParaRPr lang="en-US" sz="4800" b="1" dirty="0" smtClean="0">
+              <a:latin typeface="Arial"/>
+              <a:cs typeface="Arial"/>
+            </a:endParaRPr>
+          </a:p>
+          <a:p>
+            <a:endParaRPr lang="en-US" sz="4800" b="1" dirty="0" smtClean="0">
+              <a:latin typeface="Arial"/>
+              <a:cs typeface="Arial"/>
+            </a:endParaRPr>
+          </a:p>
+          <a:p>
             <a:endParaRPr lang="en-US" sz="3600" dirty="0">
               <a:latin typeface="Arial"/>
               <a:cs typeface="Arial"/>
@@ -1746,7 +1971,7 @@
           <p:cNvPr id="31" name="TextBox 30">
             <a:extLst>
               <a:ext uri="{FF2B5EF4-FFF2-40B4-BE49-F238E27FC236}">
-                <a16:creationId xmlns:a16="http://schemas.microsoft.com/office/drawing/2014/main" id="{2A832347-A6F3-4842-9900-DC8106E66B60}"/>
+                <a16:creationId xmlns:a16="http://schemas.microsoft.com/office/drawing/2014/main" xmlns="" id="{2A832347-A6F3-4842-9900-DC8106E66B60}"/>
               </a:ext>
             </a:extLst>
           </p:cNvPr>
@@ -1755,8 +1980,8 @@
         </p:nvSpPr>
         <p:spPr>
           <a:xfrm>
-            <a:off x="13680359" y="11152563"/>
-            <a:ext cx="12576904" cy="830997"/>
+            <a:off x="13680359" y="10788893"/>
+            <a:ext cx="12576904" cy="16342935"/>
           </a:xfrm>
           <a:prstGeom prst="rect">
             <a:avLst/>
@@ -1774,9 +1999,207 @@
                 <a:latin typeface="Arial"/>
                 <a:cs typeface="Arial"/>
               </a:rPr>
-              <a:t>New Process</a:t>
-            </a:r>
-            <a:endParaRPr lang="en-US" sz="3600" dirty="0">
+              <a:t>New </a:t>
+            </a:r>
+            <a:r>
+              <a:rPr lang="en-US" sz="4800" b="1" dirty="0" smtClean="0">
+                <a:latin typeface="Arial"/>
+                <a:cs typeface="Arial"/>
+              </a:rPr>
+              <a:t>Process</a:t>
+            </a:r>
+          </a:p>
+          <a:p>
+            <a:endParaRPr lang="en-US" sz="3600" dirty="0" smtClean="0">
+              <a:latin typeface="Arial"/>
+              <a:cs typeface="Arial"/>
+            </a:endParaRPr>
+          </a:p>
+          <a:p>
+            <a:r>
+              <a:rPr lang="en-US" sz="3600" dirty="0" smtClean="0">
+                <a:latin typeface="Arial"/>
+                <a:cs typeface="Arial"/>
+              </a:rPr>
+              <a:t>[TA email screenshot]</a:t>
+            </a:r>
+          </a:p>
+          <a:p>
+            <a:endParaRPr lang="en-US" sz="3600" dirty="0" smtClean="0">
+              <a:latin typeface="Arial"/>
+              <a:cs typeface="Arial"/>
+            </a:endParaRPr>
+          </a:p>
+          <a:p>
+            <a:endParaRPr lang="en-US" sz="3600" dirty="0" smtClean="0">
+              <a:latin typeface="Arial"/>
+              <a:cs typeface="Arial"/>
+            </a:endParaRPr>
+          </a:p>
+          <a:p>
+            <a:endParaRPr lang="en-US" sz="3600" dirty="0" smtClean="0">
+              <a:latin typeface="Arial"/>
+              <a:cs typeface="Arial"/>
+            </a:endParaRPr>
+          </a:p>
+          <a:p>
+            <a:endParaRPr lang="en-US" sz="3600" dirty="0" smtClean="0">
+              <a:latin typeface="Arial"/>
+              <a:cs typeface="Arial"/>
+            </a:endParaRPr>
+          </a:p>
+          <a:p>
+            <a:endParaRPr lang="en-US" sz="3600" dirty="0" smtClean="0">
+              <a:latin typeface="Arial"/>
+              <a:cs typeface="Arial"/>
+            </a:endParaRPr>
+          </a:p>
+          <a:p>
+            <a:r>
+              <a:rPr lang="en-US" sz="3600" dirty="0" smtClean="0">
+                <a:latin typeface="Arial"/>
+                <a:cs typeface="Arial"/>
+              </a:rPr>
+              <a:t>[</a:t>
+            </a:r>
+            <a:r>
+              <a:rPr lang="en-US" sz="3600" dirty="0" smtClean="0">
+                <a:latin typeface="Arial"/>
+                <a:cs typeface="Arial"/>
+              </a:rPr>
+              <a:t>TA application]</a:t>
+            </a:r>
+            <a:endParaRPr lang="en-US" sz="3600" dirty="0" smtClean="0">
+              <a:latin typeface="Arial"/>
+              <a:cs typeface="Arial"/>
+            </a:endParaRPr>
+          </a:p>
+          <a:p>
+            <a:endParaRPr lang="en-US" sz="3600" dirty="0" smtClean="0">
+              <a:latin typeface="Arial"/>
+              <a:cs typeface="Arial"/>
+            </a:endParaRPr>
+          </a:p>
+          <a:p>
+            <a:endParaRPr lang="en-US" sz="3600" dirty="0" smtClean="0">
+              <a:latin typeface="Arial"/>
+              <a:cs typeface="Arial"/>
+            </a:endParaRPr>
+          </a:p>
+          <a:p>
+            <a:endParaRPr lang="en-US" sz="3600" dirty="0" smtClean="0">
+              <a:latin typeface="Arial"/>
+              <a:cs typeface="Arial"/>
+            </a:endParaRPr>
+          </a:p>
+          <a:p>
+            <a:endParaRPr lang="en-US" sz="3600" dirty="0" smtClean="0">
+              <a:latin typeface="Arial"/>
+              <a:cs typeface="Arial"/>
+            </a:endParaRPr>
+          </a:p>
+          <a:p>
+            <a:endParaRPr lang="en-US" sz="3600" dirty="0" smtClean="0">
+              <a:latin typeface="Arial"/>
+              <a:cs typeface="Arial"/>
+            </a:endParaRPr>
+          </a:p>
+          <a:p>
+            <a:endParaRPr lang="en-US" sz="3600" dirty="0" smtClean="0">
+              <a:latin typeface="Arial"/>
+              <a:cs typeface="Arial"/>
+            </a:endParaRPr>
+          </a:p>
+          <a:p>
+            <a:r>
+              <a:rPr lang="en-US" sz="3600" dirty="0" smtClean="0">
+                <a:latin typeface="Arial"/>
+                <a:cs typeface="Arial"/>
+              </a:rPr>
+              <a:t>[TA schedule]</a:t>
+            </a:r>
+            <a:endParaRPr lang="en-US" sz="3600" dirty="0" smtClean="0">
+              <a:latin typeface="Arial"/>
+              <a:cs typeface="Arial"/>
+            </a:endParaRPr>
+          </a:p>
+          <a:p>
+            <a:endParaRPr lang="en-US" sz="3600" dirty="0" smtClean="0">
+              <a:latin typeface="Arial"/>
+              <a:cs typeface="Arial"/>
+            </a:endParaRPr>
+          </a:p>
+          <a:p>
+            <a:endParaRPr lang="en-US" sz="3600" dirty="0" smtClean="0">
+              <a:latin typeface="Arial"/>
+              <a:cs typeface="Arial"/>
+            </a:endParaRPr>
+          </a:p>
+          <a:p>
+            <a:endParaRPr lang="en-US" sz="3600" dirty="0" smtClean="0">
+              <a:latin typeface="Arial"/>
+              <a:cs typeface="Arial"/>
+            </a:endParaRPr>
+          </a:p>
+          <a:p>
+            <a:endParaRPr lang="en-US" sz="3600" dirty="0" smtClean="0">
+              <a:latin typeface="Arial"/>
+              <a:cs typeface="Arial"/>
+            </a:endParaRPr>
+          </a:p>
+          <a:p>
+            <a:endParaRPr lang="en-US" sz="3600" dirty="0" smtClean="0">
+              <a:latin typeface="Arial"/>
+              <a:cs typeface="Arial"/>
+            </a:endParaRPr>
+          </a:p>
+          <a:p>
+            <a:endParaRPr lang="en-US" sz="3600" dirty="0" smtClean="0">
+              <a:latin typeface="Arial"/>
+              <a:cs typeface="Arial"/>
+            </a:endParaRPr>
+          </a:p>
+          <a:p>
+            <a:r>
+              <a:rPr lang="en-US" sz="3600" dirty="0" smtClean="0">
+                <a:latin typeface="Arial"/>
+                <a:cs typeface="Arial"/>
+              </a:rPr>
+              <a:t>[TA grading section]</a:t>
+            </a:r>
+          </a:p>
+          <a:p>
+            <a:endParaRPr lang="en-US" sz="3600" dirty="0" smtClean="0">
+              <a:latin typeface="Arial"/>
+              <a:cs typeface="Arial"/>
+            </a:endParaRPr>
+          </a:p>
+          <a:p>
+            <a:endParaRPr lang="en-US" sz="3600" dirty="0" smtClean="0">
+              <a:latin typeface="Arial"/>
+              <a:cs typeface="Arial"/>
+            </a:endParaRPr>
+          </a:p>
+          <a:p>
+            <a:endParaRPr lang="en-US" sz="3600" dirty="0" smtClean="0">
+              <a:latin typeface="Arial"/>
+              <a:cs typeface="Arial"/>
+            </a:endParaRPr>
+          </a:p>
+          <a:p>
+            <a:endParaRPr lang="en-US" sz="3600" dirty="0" smtClean="0">
+              <a:latin typeface="Arial"/>
+              <a:cs typeface="Arial"/>
+            </a:endParaRPr>
+          </a:p>
+          <a:p>
+            <a:endParaRPr lang="en-US" sz="3600" dirty="0" smtClean="0">
+              <a:latin typeface="Arial"/>
+              <a:cs typeface="Arial"/>
+            </a:endParaRPr>
+          </a:p>
+          <a:p>
+            <a:endParaRPr lang="en-US" sz="3600" dirty="0" smtClean="0">
               <a:latin typeface="Arial"/>
               <a:cs typeface="Arial"/>
             </a:endParaRPr>
@@ -1788,7 +2211,7 @@
           <p:cNvPr id="32" name="TextBox 31">
             <a:extLst>
               <a:ext uri="{FF2B5EF4-FFF2-40B4-BE49-F238E27FC236}">
-                <a16:creationId xmlns:a16="http://schemas.microsoft.com/office/drawing/2014/main" id="{2BE78A2A-A948-4CF0-822D-A9294A7295A1}"/>
+                <a16:creationId xmlns:a16="http://schemas.microsoft.com/office/drawing/2014/main" xmlns="" id="{2BE78A2A-A948-4CF0-822D-A9294A7295A1}"/>
               </a:ext>
             </a:extLst>
           </p:cNvPr>
@@ -1797,8 +2220,8 @@
         </p:nvSpPr>
         <p:spPr>
           <a:xfrm>
-            <a:off x="27139038" y="11204392"/>
-            <a:ext cx="12576904" cy="830997"/>
+            <a:off x="27139038" y="10788893"/>
+            <a:ext cx="12576904" cy="14126944"/>
           </a:xfrm>
           <a:prstGeom prst="rect">
             <a:avLst/>
@@ -1812,23 +2235,937 @@
           <a:lstStyle/>
           <a:p>
             <a:r>
-              <a:rPr lang="en-US" sz="4800" b="1" dirty="0">
-                <a:latin typeface="Arial"/>
-                <a:cs typeface="Arial"/>
-              </a:rPr>
-              <a:t>How the Process was Improved</a:t>
-            </a:r>
+              <a:rPr lang="en-US" sz="4800" b="1" dirty="0" smtClean="0">
+                <a:latin typeface="Arial"/>
+                <a:cs typeface="Arial"/>
+              </a:rPr>
+              <a:t>Improvements</a:t>
+            </a:r>
+          </a:p>
+          <a:p>
+            <a:pPr>
+              <a:buFont typeface="Arial" pitchFamily="34" charset="0"/>
+              <a:buChar char="•"/>
+            </a:pPr>
+            <a:endParaRPr lang="en-US" sz="3600" dirty="0" smtClean="0">
+              <a:latin typeface="Arial"/>
+              <a:cs typeface="Arial"/>
+            </a:endParaRPr>
+          </a:p>
+          <a:p>
+            <a:pPr>
+              <a:buFont typeface="Arial" pitchFamily="34" charset="0"/>
+              <a:buChar char="•"/>
+            </a:pPr>
+            <a:r>
+              <a:rPr lang="en-US" sz="3600" dirty="0" smtClean="0">
+                <a:latin typeface="Arial"/>
+                <a:cs typeface="Arial"/>
+              </a:rPr>
+              <a:t>Simple process of applying/accepting</a:t>
+            </a:r>
+          </a:p>
+          <a:p>
+            <a:pPr>
+              <a:buFont typeface="Arial" pitchFamily="34" charset="0"/>
+              <a:buChar char="•"/>
+            </a:pPr>
+            <a:r>
+              <a:rPr lang="en-US" sz="3600" dirty="0" smtClean="0">
+                <a:latin typeface="Arial"/>
+                <a:cs typeface="Arial"/>
+              </a:rPr>
+              <a:t>Application allows more possible TAs</a:t>
+            </a:r>
+          </a:p>
+          <a:p>
+            <a:pPr>
+              <a:buFont typeface="Arial" pitchFamily="34" charset="0"/>
+              <a:buChar char="•"/>
+            </a:pPr>
+            <a:endParaRPr lang="en-US" sz="3600" dirty="0" smtClean="0">
+              <a:latin typeface="Arial"/>
+              <a:cs typeface="Arial"/>
+            </a:endParaRPr>
+          </a:p>
+          <a:p>
+            <a:pPr>
+              <a:buFont typeface="Arial" pitchFamily="34" charset="0"/>
+              <a:buChar char="•"/>
+            </a:pPr>
+            <a:endParaRPr lang="en-US" sz="3600" dirty="0" smtClean="0">
+              <a:latin typeface="Arial"/>
+              <a:cs typeface="Arial"/>
+            </a:endParaRPr>
+          </a:p>
+          <a:p>
+            <a:pPr>
+              <a:buFont typeface="Arial" pitchFamily="34" charset="0"/>
+              <a:buChar char="•"/>
+            </a:pPr>
+            <a:endParaRPr lang="en-US" sz="3600" dirty="0" smtClean="0">
+              <a:latin typeface="Arial"/>
+              <a:cs typeface="Arial"/>
+            </a:endParaRPr>
+          </a:p>
+          <a:p>
+            <a:pPr>
+              <a:buFont typeface="Arial" pitchFamily="34" charset="0"/>
+              <a:buChar char="•"/>
+            </a:pPr>
+            <a:endParaRPr lang="en-US" sz="3600" dirty="0" smtClean="0">
+              <a:latin typeface="Arial"/>
+              <a:cs typeface="Arial"/>
+            </a:endParaRPr>
+          </a:p>
+          <a:p>
+            <a:pPr>
+              <a:buFont typeface="Arial" pitchFamily="34" charset="0"/>
+              <a:buChar char="•"/>
+            </a:pPr>
+            <a:r>
+              <a:rPr lang="en-US" sz="3600" dirty="0" smtClean="0">
+                <a:latin typeface="Arial"/>
+                <a:cs typeface="Arial"/>
+              </a:rPr>
+              <a:t>Easy selection of TAs for specific courses</a:t>
+            </a:r>
+            <a:endParaRPr lang="en-US" sz="3600" dirty="0" smtClean="0">
+              <a:latin typeface="Arial"/>
+              <a:cs typeface="Arial"/>
+            </a:endParaRPr>
+          </a:p>
+          <a:p>
+            <a:pPr>
+              <a:buFont typeface="Arial" pitchFamily="34" charset="0"/>
+              <a:buChar char="•"/>
+            </a:pPr>
+            <a:endParaRPr lang="en-US" sz="3600" dirty="0" smtClean="0">
+              <a:latin typeface="Arial"/>
+              <a:cs typeface="Arial"/>
+            </a:endParaRPr>
+          </a:p>
+          <a:p>
+            <a:pPr>
+              <a:buFont typeface="Arial" pitchFamily="34" charset="0"/>
+              <a:buChar char="•"/>
+            </a:pPr>
+            <a:endParaRPr lang="en-US" sz="3600" dirty="0" smtClean="0">
+              <a:latin typeface="Arial"/>
+              <a:cs typeface="Arial"/>
+            </a:endParaRPr>
+          </a:p>
+          <a:p>
+            <a:pPr>
+              <a:buFont typeface="Arial" pitchFamily="34" charset="0"/>
+              <a:buChar char="•"/>
+            </a:pPr>
+            <a:endParaRPr lang="en-US" sz="3600" dirty="0" smtClean="0">
+              <a:latin typeface="Arial"/>
+              <a:cs typeface="Arial"/>
+            </a:endParaRPr>
+          </a:p>
+          <a:p>
+            <a:pPr>
+              <a:buFont typeface="Arial" pitchFamily="34" charset="0"/>
+              <a:buChar char="•"/>
+            </a:pPr>
+            <a:endParaRPr lang="en-US" sz="3600" dirty="0" smtClean="0">
+              <a:latin typeface="Arial"/>
+              <a:cs typeface="Arial"/>
+            </a:endParaRPr>
+          </a:p>
+          <a:p>
+            <a:pPr>
+              <a:buFont typeface="Arial" pitchFamily="34" charset="0"/>
+              <a:buChar char="•"/>
+            </a:pPr>
+            <a:endParaRPr lang="en-US" sz="3600" dirty="0" smtClean="0">
+              <a:latin typeface="Arial"/>
+              <a:cs typeface="Arial"/>
+            </a:endParaRPr>
+          </a:p>
+          <a:p>
+            <a:pPr>
+              <a:buFont typeface="Arial" pitchFamily="34" charset="0"/>
+              <a:buChar char="•"/>
+            </a:pPr>
+            <a:endParaRPr lang="en-US" sz="3600" dirty="0" smtClean="0">
+              <a:latin typeface="Arial"/>
+              <a:cs typeface="Arial"/>
+            </a:endParaRPr>
+          </a:p>
+          <a:p>
+            <a:pPr>
+              <a:buFont typeface="Arial" pitchFamily="34" charset="0"/>
+              <a:buChar char="•"/>
+            </a:pPr>
+            <a:r>
+              <a:rPr lang="en-US" sz="3600" dirty="0" smtClean="0">
+                <a:latin typeface="Arial"/>
+                <a:cs typeface="Arial"/>
+              </a:rPr>
+              <a:t>Handbook outlines expectations of being a TA</a:t>
+            </a:r>
+          </a:p>
+          <a:p>
+            <a:pPr>
+              <a:buFont typeface="Arial" pitchFamily="34" charset="0"/>
+              <a:buChar char="•"/>
+            </a:pPr>
+            <a:r>
+              <a:rPr lang="en-US" sz="3600" dirty="0" smtClean="0">
+                <a:latin typeface="Arial"/>
+                <a:cs typeface="Arial"/>
+              </a:rPr>
+              <a:t>Store course information</a:t>
+            </a:r>
+            <a:endParaRPr lang="en-US" sz="3600" dirty="0" smtClean="0">
+              <a:latin typeface="Arial"/>
+              <a:cs typeface="Arial"/>
+            </a:endParaRPr>
+          </a:p>
+          <a:p>
+            <a:pPr>
+              <a:buFont typeface="Arial" pitchFamily="34" charset="0"/>
+              <a:buChar char="•"/>
+            </a:pPr>
+            <a:endParaRPr lang="en-US" sz="3600" dirty="0" smtClean="0">
+              <a:latin typeface="Arial"/>
+              <a:cs typeface="Arial"/>
+            </a:endParaRPr>
+          </a:p>
+          <a:p>
+            <a:pPr>
+              <a:buFont typeface="Arial" pitchFamily="34" charset="0"/>
+              <a:buChar char="•"/>
+            </a:pPr>
+            <a:endParaRPr lang="en-US" sz="3600" dirty="0" smtClean="0">
+              <a:latin typeface="Arial"/>
+              <a:cs typeface="Arial"/>
+            </a:endParaRPr>
+          </a:p>
+          <a:p>
+            <a:pPr>
+              <a:buFont typeface="Arial" pitchFamily="34" charset="0"/>
+              <a:buChar char="•"/>
+            </a:pPr>
+            <a:endParaRPr lang="en-US" sz="3600" dirty="0" smtClean="0">
+              <a:latin typeface="Arial"/>
+              <a:cs typeface="Arial"/>
+            </a:endParaRPr>
+          </a:p>
+          <a:p>
+            <a:pPr>
+              <a:buFont typeface="Arial" pitchFamily="34" charset="0"/>
+              <a:buChar char="•"/>
+            </a:pPr>
+            <a:endParaRPr lang="en-US" sz="3600" dirty="0" smtClean="0">
+              <a:latin typeface="Arial"/>
+              <a:cs typeface="Arial"/>
+            </a:endParaRPr>
+          </a:p>
+          <a:p>
+            <a:pPr>
+              <a:buFont typeface="Arial" pitchFamily="34" charset="0"/>
+              <a:buChar char="•"/>
+            </a:pPr>
+            <a:endParaRPr lang="en-US" sz="3600" dirty="0" smtClean="0">
+              <a:latin typeface="Arial"/>
+              <a:cs typeface="Arial"/>
+            </a:endParaRPr>
+          </a:p>
+          <a:p>
+            <a:pPr>
+              <a:buFont typeface="Arial" pitchFamily="34" charset="0"/>
+              <a:buChar char="•"/>
+            </a:pPr>
+            <a:r>
+              <a:rPr lang="en-US" sz="3600" dirty="0" smtClean="0">
+                <a:latin typeface="Arial"/>
+                <a:cs typeface="Arial"/>
+              </a:rPr>
+              <a:t>Supervising grading for consistency and reliability</a:t>
+            </a:r>
+          </a:p>
+          <a:p>
+            <a:pPr>
+              <a:buFont typeface="Arial" pitchFamily="34" charset="0"/>
+              <a:buChar char="•"/>
+            </a:pPr>
+            <a:r>
+              <a:rPr lang="en-US" sz="3600" dirty="0" smtClean="0">
+                <a:latin typeface="Arial"/>
+                <a:cs typeface="Arial"/>
+              </a:rPr>
+              <a:t>Clear communication of assigned </a:t>
+            </a:r>
+            <a:r>
+              <a:rPr lang="en-US" sz="3600" dirty="0" smtClean="0">
+                <a:latin typeface="Arial"/>
+                <a:cs typeface="Arial"/>
+              </a:rPr>
+              <a:t>work</a:t>
+            </a:r>
+            <a:endParaRPr lang="en-US" sz="3600" dirty="0" smtClean="0">
+              <a:latin typeface="Arial"/>
+              <a:cs typeface="Arial"/>
+            </a:endParaRPr>
+          </a:p>
+          <a:p>
+            <a:pPr>
+              <a:buFont typeface="Arial" pitchFamily="34" charset="0"/>
+              <a:buChar char="•"/>
+            </a:pPr>
             <a:endParaRPr lang="en-US" sz="3600" dirty="0">
               <a:latin typeface="Arial"/>
               <a:cs typeface="Arial"/>
             </a:endParaRPr>
+          </a:p>
+        </p:txBody>
+      </p:sp>
+      <p:pic>
+        <p:nvPicPr>
+          <p:cNvPr id="22" name="Picture 4" descr="https://cdn4.iconfinder.com/data/icons/dot/256/email_mail_post_letter_stamp.png"/>
+          <p:cNvPicPr>
+            <a:picLocks noChangeAspect="1" noChangeArrowheads="1"/>
+          </p:cNvPicPr>
+          <p:nvPr/>
+        </p:nvPicPr>
+        <p:blipFill>
+          <a:blip r:embed="rId10"/>
+          <a:srcRect/>
+          <a:stretch>
+            <a:fillRect/>
+          </a:stretch>
+        </p:blipFill>
+        <p:spPr bwMode="auto">
+          <a:xfrm>
+            <a:off x="8970464" y="13356241"/>
+            <a:ext cx="776455" cy="776455"/>
+          </a:xfrm>
+          <a:prstGeom prst="rect">
+            <a:avLst/>
+          </a:prstGeom>
+          <a:noFill/>
+        </p:spPr>
+      </p:pic>
+      <p:pic>
+        <p:nvPicPr>
+          <p:cNvPr id="25" name="Picture 4" descr="https://cdn4.iconfinder.com/data/icons/dot/256/email_mail_post_letter_stamp.png"/>
+          <p:cNvPicPr>
+            <a:picLocks noChangeAspect="1" noChangeArrowheads="1"/>
+          </p:cNvPicPr>
+          <p:nvPr/>
+        </p:nvPicPr>
+        <p:blipFill>
+          <a:blip r:embed="rId10"/>
+          <a:srcRect/>
+          <a:stretch>
+            <a:fillRect/>
+          </a:stretch>
+        </p:blipFill>
+        <p:spPr bwMode="auto">
+          <a:xfrm>
+            <a:off x="9841228" y="12403255"/>
+            <a:ext cx="776455" cy="776455"/>
+          </a:xfrm>
+          <a:prstGeom prst="rect">
+            <a:avLst/>
+          </a:prstGeom>
+          <a:noFill/>
+        </p:spPr>
+      </p:pic>
+      <p:sp>
+        <p:nvSpPr>
+          <p:cNvPr id="60" name="Bent Arrow 59"/>
+          <p:cNvSpPr/>
+          <p:nvPr/>
+        </p:nvSpPr>
+        <p:spPr>
+          <a:xfrm>
+            <a:off x="8036104" y="12111436"/>
+            <a:ext cx="2784852" cy="936702"/>
+          </a:xfrm>
+          <a:prstGeom prst="bentArrow">
+            <a:avLst/>
+          </a:prstGeom>
+        </p:spPr>
+        <p:style>
+          <a:lnRef idx="2">
+            <a:schemeClr val="accent1">
+              <a:shade val="50000"/>
+            </a:schemeClr>
+          </a:lnRef>
+          <a:fillRef idx="1">
+            <a:schemeClr val="accent1"/>
+          </a:fillRef>
+          <a:effectRef idx="0">
+            <a:schemeClr val="accent1"/>
+          </a:effectRef>
+          <a:fontRef idx="minor">
+            <a:schemeClr val="lt1"/>
+          </a:fontRef>
+        </p:style>
+        <p:txBody>
+          <a:bodyPr rtlCol="0" anchor="ctr"/>
+          <a:lstStyle/>
+          <a:p>
+            <a:pPr algn="ctr"/>
+            <a:endParaRPr lang="en-US">
+              <a:solidFill>
+                <a:schemeClr val="tx1"/>
+              </a:solidFill>
+            </a:endParaRPr>
+          </a:p>
+        </p:txBody>
+      </p:sp>
+      <p:sp>
+        <p:nvSpPr>
+          <p:cNvPr id="62" name="Bent Arrow 61"/>
+          <p:cNvSpPr/>
+          <p:nvPr/>
+        </p:nvSpPr>
+        <p:spPr>
+          <a:xfrm rot="10800000">
+            <a:off x="8680230" y="13433902"/>
+            <a:ext cx="2832123" cy="936702"/>
+          </a:xfrm>
+          <a:prstGeom prst="bentArrow">
+            <a:avLst/>
+          </a:prstGeom>
+        </p:spPr>
+        <p:style>
+          <a:lnRef idx="2">
+            <a:schemeClr val="accent1">
+              <a:shade val="50000"/>
+            </a:schemeClr>
+          </a:lnRef>
+          <a:fillRef idx="1">
+            <a:schemeClr val="accent1"/>
+          </a:fillRef>
+          <a:effectRef idx="0">
+            <a:schemeClr val="accent1"/>
+          </a:effectRef>
+          <a:fontRef idx="minor">
+            <a:schemeClr val="lt1"/>
+          </a:fontRef>
+        </p:style>
+        <p:txBody>
+          <a:bodyPr rtlCol="0" anchor="ctr"/>
+          <a:lstStyle/>
+          <a:p>
+            <a:pPr algn="ctr"/>
+            <a:endParaRPr lang="en-US">
+              <a:solidFill>
+                <a:schemeClr val="tx1"/>
+              </a:solidFill>
+            </a:endParaRPr>
+          </a:p>
+        </p:txBody>
+      </p:sp>
+      <p:pic>
+        <p:nvPicPr>
+          <p:cNvPr id="2054" name="Picture 6" descr="https://bloximages.newyork1.vip.townnews.com/richmond.com/content/tncms/assets/v3/editorial/c/1a/c1aa3336-62e6-576e-8d1b-c2f309342b29/584b7ab80be21.image.png?resize=400%2C402"/>
+          <p:cNvPicPr>
+            <a:picLocks noChangeAspect="1" noChangeArrowheads="1"/>
+          </p:cNvPicPr>
+          <p:nvPr/>
+        </p:nvPicPr>
+        <p:blipFill>
+          <a:blip r:embed="rId11"/>
+          <a:srcRect/>
+          <a:stretch>
+            <a:fillRect/>
+          </a:stretch>
+        </p:blipFill>
+        <p:spPr bwMode="auto">
+          <a:xfrm>
+            <a:off x="7188556" y="12579787"/>
+            <a:ext cx="1781908" cy="1790818"/>
+          </a:xfrm>
+          <a:prstGeom prst="rect">
+            <a:avLst/>
+          </a:prstGeom>
+          <a:noFill/>
+        </p:spPr>
+      </p:pic>
+      <p:pic>
+        <p:nvPicPr>
+          <p:cNvPr id="2056" name="Picture 8" descr="http://www.henhunt.co.uk/wp-content/uploads/2014/10/Person-Logo-1.png"/>
+          <p:cNvPicPr>
+            <a:picLocks noChangeAspect="1" noChangeArrowheads="1"/>
+          </p:cNvPicPr>
+          <p:nvPr/>
+        </p:nvPicPr>
+        <p:blipFill>
+          <a:blip r:embed="rId12"/>
+          <a:srcRect/>
+          <a:stretch>
+            <a:fillRect/>
+          </a:stretch>
+        </p:blipFill>
+        <p:spPr bwMode="auto">
+          <a:xfrm>
+            <a:off x="10532198" y="12054934"/>
+            <a:ext cx="1790818" cy="1790818"/>
+          </a:xfrm>
+          <a:prstGeom prst="rect">
+            <a:avLst/>
+          </a:prstGeom>
+          <a:noFill/>
+        </p:spPr>
+      </p:pic>
+      <p:cxnSp>
+        <p:nvCxnSpPr>
+          <p:cNvPr id="69" name="Straight Connector 68">
+            <a:extLst>
+              <a:ext uri="{FF2B5EF4-FFF2-40B4-BE49-F238E27FC236}">
+                <a16:creationId xmlns:a16="http://schemas.microsoft.com/office/drawing/2014/main" xmlns="" id="{F07ABC8A-B74D-4D01-862B-7356E3713D24}"/>
+              </a:ext>
+            </a:extLst>
+          </p:cNvPr>
+          <p:cNvCxnSpPr/>
+          <p:nvPr/>
+        </p:nvCxnSpPr>
+        <p:spPr>
+          <a:xfrm>
+            <a:off x="2683553" y="14798842"/>
+            <a:ext cx="37609689" cy="0"/>
+          </a:xfrm>
+          <a:prstGeom prst="line">
+            <a:avLst/>
+          </a:prstGeom>
+          <a:ln>
+            <a:solidFill>
+              <a:srgbClr val="3C3C3B"/>
+            </a:solidFill>
+            <a:prstDash val="dot"/>
+          </a:ln>
+        </p:spPr>
+        <p:style>
+          <a:lnRef idx="2">
+            <a:schemeClr val="accent1"/>
+          </a:lnRef>
+          <a:fillRef idx="0">
+            <a:schemeClr val="accent1"/>
+          </a:fillRef>
+          <a:effectRef idx="1">
+            <a:schemeClr val="accent1"/>
+          </a:effectRef>
+          <a:fontRef idx="minor">
+            <a:schemeClr val="tx1"/>
+          </a:fontRef>
+        </p:style>
+      </p:cxnSp>
+      <p:cxnSp>
+        <p:nvCxnSpPr>
+          <p:cNvPr id="70" name="Straight Connector 69">
+            <a:extLst>
+              <a:ext uri="{FF2B5EF4-FFF2-40B4-BE49-F238E27FC236}">
+                <a16:creationId xmlns:a16="http://schemas.microsoft.com/office/drawing/2014/main" xmlns="" id="{F07ABC8A-B74D-4D01-862B-7356E3713D24}"/>
+              </a:ext>
+            </a:extLst>
+          </p:cNvPr>
+          <p:cNvCxnSpPr/>
+          <p:nvPr/>
+        </p:nvCxnSpPr>
+        <p:spPr>
+          <a:xfrm>
+            <a:off x="2683553" y="18600821"/>
+            <a:ext cx="37609689" cy="0"/>
+          </a:xfrm>
+          <a:prstGeom prst="line">
+            <a:avLst/>
+          </a:prstGeom>
+          <a:ln>
+            <a:solidFill>
+              <a:srgbClr val="3C3C3B"/>
+            </a:solidFill>
+            <a:prstDash val="dot"/>
+          </a:ln>
+        </p:spPr>
+        <p:style>
+          <a:lnRef idx="2">
+            <a:schemeClr val="accent1"/>
+          </a:lnRef>
+          <a:fillRef idx="0">
+            <a:schemeClr val="accent1"/>
+          </a:fillRef>
+          <a:effectRef idx="1">
+            <a:schemeClr val="accent1"/>
+          </a:effectRef>
+          <a:fontRef idx="minor">
+            <a:schemeClr val="tx1"/>
+          </a:fontRef>
+        </p:style>
+      </p:cxnSp>
+      <p:cxnSp>
+        <p:nvCxnSpPr>
+          <p:cNvPr id="71" name="Straight Connector 70">
+            <a:extLst>
+              <a:ext uri="{FF2B5EF4-FFF2-40B4-BE49-F238E27FC236}">
+                <a16:creationId xmlns:a16="http://schemas.microsoft.com/office/drawing/2014/main" xmlns="" id="{F07ABC8A-B74D-4D01-862B-7356E3713D24}"/>
+              </a:ext>
+            </a:extLst>
+          </p:cNvPr>
+          <p:cNvCxnSpPr/>
+          <p:nvPr/>
+        </p:nvCxnSpPr>
+        <p:spPr>
+          <a:xfrm>
+            <a:off x="2683553" y="22434170"/>
+            <a:ext cx="37609689" cy="0"/>
+          </a:xfrm>
+          <a:prstGeom prst="line">
+            <a:avLst/>
+          </a:prstGeom>
+          <a:ln>
+            <a:solidFill>
+              <a:srgbClr val="3C3C3B"/>
+            </a:solidFill>
+            <a:prstDash val="dot"/>
+          </a:ln>
+        </p:spPr>
+        <p:style>
+          <a:lnRef idx="2">
+            <a:schemeClr val="accent1"/>
+          </a:lnRef>
+          <a:fillRef idx="0">
+            <a:schemeClr val="accent1"/>
+          </a:fillRef>
+          <a:effectRef idx="1">
+            <a:schemeClr val="accent1"/>
+          </a:effectRef>
+          <a:fontRef idx="minor">
+            <a:schemeClr val="tx1"/>
+          </a:fontRef>
+        </p:style>
+      </p:cxnSp>
+      <p:sp>
+        <p:nvSpPr>
+          <p:cNvPr id="72" name="Right Arrow 71"/>
+          <p:cNvSpPr/>
+          <p:nvPr/>
+        </p:nvSpPr>
+        <p:spPr>
+          <a:xfrm>
+            <a:off x="12299868" y="12397484"/>
+            <a:ext cx="1357343" cy="1301307"/>
+          </a:xfrm>
+          <a:prstGeom prst="rightArrow">
+            <a:avLst/>
+          </a:prstGeom>
+        </p:spPr>
+        <p:style>
+          <a:lnRef idx="2">
+            <a:schemeClr val="accent1">
+              <a:shade val="50000"/>
+            </a:schemeClr>
+          </a:lnRef>
+          <a:fillRef idx="1">
+            <a:schemeClr val="accent1"/>
+          </a:fillRef>
+          <a:effectRef idx="0">
+            <a:schemeClr val="accent1"/>
+          </a:effectRef>
+          <a:fontRef idx="minor">
+            <a:schemeClr val="lt1"/>
+          </a:fontRef>
+        </p:style>
+        <p:txBody>
+          <a:bodyPr rtlCol="0" anchor="ctr"/>
+          <a:lstStyle/>
+          <a:p>
+            <a:pPr algn="ctr"/>
+            <a:endParaRPr lang="en-US"/>
+          </a:p>
+        </p:txBody>
+      </p:sp>
+      <p:sp>
+        <p:nvSpPr>
+          <p:cNvPr id="73" name="Right Arrow 72"/>
+          <p:cNvSpPr/>
+          <p:nvPr/>
+        </p:nvSpPr>
+        <p:spPr>
+          <a:xfrm>
+            <a:off x="12323016" y="16099659"/>
+            <a:ext cx="1357343" cy="1301307"/>
+          </a:xfrm>
+          <a:prstGeom prst="rightArrow">
+            <a:avLst/>
+          </a:prstGeom>
+        </p:spPr>
+        <p:style>
+          <a:lnRef idx="2">
+            <a:schemeClr val="accent1">
+              <a:shade val="50000"/>
+            </a:schemeClr>
+          </a:lnRef>
+          <a:fillRef idx="1">
+            <a:schemeClr val="accent1"/>
+          </a:fillRef>
+          <a:effectRef idx="0">
+            <a:schemeClr val="accent1"/>
+          </a:effectRef>
+          <a:fontRef idx="minor">
+            <a:schemeClr val="lt1"/>
+          </a:fontRef>
+        </p:style>
+        <p:txBody>
+          <a:bodyPr rtlCol="0" anchor="ctr"/>
+          <a:lstStyle/>
+          <a:p>
+            <a:pPr algn="ctr"/>
+            <a:endParaRPr lang="en-US"/>
+          </a:p>
+        </p:txBody>
+      </p:sp>
+      <p:sp>
+        <p:nvSpPr>
+          <p:cNvPr id="74" name="Right Arrow 73"/>
+          <p:cNvSpPr/>
+          <p:nvPr/>
+        </p:nvSpPr>
+        <p:spPr>
+          <a:xfrm>
+            <a:off x="12323016" y="19853512"/>
+            <a:ext cx="1357343" cy="1301307"/>
+          </a:xfrm>
+          <a:prstGeom prst="rightArrow">
+            <a:avLst/>
+          </a:prstGeom>
+        </p:spPr>
+        <p:style>
+          <a:lnRef idx="2">
+            <a:schemeClr val="accent1">
+              <a:shade val="50000"/>
+            </a:schemeClr>
+          </a:lnRef>
+          <a:fillRef idx="1">
+            <a:schemeClr val="accent1"/>
+          </a:fillRef>
+          <a:effectRef idx="0">
+            <a:schemeClr val="accent1"/>
+          </a:effectRef>
+          <a:fontRef idx="minor">
+            <a:schemeClr val="lt1"/>
+          </a:fontRef>
+        </p:style>
+        <p:txBody>
+          <a:bodyPr rtlCol="0" anchor="ctr"/>
+          <a:lstStyle/>
+          <a:p>
+            <a:pPr algn="ctr"/>
+            <a:endParaRPr lang="en-US"/>
+          </a:p>
+        </p:txBody>
+      </p:sp>
+      <p:sp>
+        <p:nvSpPr>
+          <p:cNvPr id="75" name="Right Arrow 74"/>
+          <p:cNvSpPr/>
+          <p:nvPr/>
+        </p:nvSpPr>
+        <p:spPr>
+          <a:xfrm>
+            <a:off x="12323016" y="23749388"/>
+            <a:ext cx="1357343" cy="1301307"/>
+          </a:xfrm>
+          <a:prstGeom prst="rightArrow">
+            <a:avLst/>
+          </a:prstGeom>
+        </p:spPr>
+        <p:style>
+          <a:lnRef idx="2">
+            <a:schemeClr val="accent1">
+              <a:shade val="50000"/>
+            </a:schemeClr>
+          </a:lnRef>
+          <a:fillRef idx="1">
+            <a:schemeClr val="accent1"/>
+          </a:fillRef>
+          <a:effectRef idx="0">
+            <a:schemeClr val="accent1"/>
+          </a:effectRef>
+          <a:fontRef idx="minor">
+            <a:schemeClr val="lt1"/>
+          </a:fontRef>
+        </p:style>
+        <p:txBody>
+          <a:bodyPr rtlCol="0" anchor="ctr"/>
+          <a:lstStyle/>
+          <a:p>
+            <a:pPr algn="ctr"/>
+            <a:endParaRPr lang="en-US"/>
+          </a:p>
+        </p:txBody>
+      </p:sp>
+      <p:sp>
+        <p:nvSpPr>
+          <p:cNvPr id="76" name="Right Arrow 75"/>
+          <p:cNvSpPr/>
+          <p:nvPr/>
+        </p:nvSpPr>
+        <p:spPr>
+          <a:xfrm>
+            <a:off x="25578591" y="12403255"/>
+            <a:ext cx="1357343" cy="1301307"/>
+          </a:xfrm>
+          <a:prstGeom prst="rightArrow">
+            <a:avLst/>
+          </a:prstGeom>
+        </p:spPr>
+        <p:style>
+          <a:lnRef idx="2">
+            <a:schemeClr val="accent1">
+              <a:shade val="50000"/>
+            </a:schemeClr>
+          </a:lnRef>
+          <a:fillRef idx="1">
+            <a:schemeClr val="accent1"/>
+          </a:fillRef>
+          <a:effectRef idx="0">
+            <a:schemeClr val="accent1"/>
+          </a:effectRef>
+          <a:fontRef idx="minor">
+            <a:schemeClr val="lt1"/>
+          </a:fontRef>
+        </p:style>
+        <p:txBody>
+          <a:bodyPr rtlCol="0" anchor="ctr"/>
+          <a:lstStyle/>
+          <a:p>
+            <a:pPr algn="ctr"/>
+            <a:endParaRPr lang="en-US"/>
+          </a:p>
+        </p:txBody>
+      </p:sp>
+      <p:sp>
+        <p:nvSpPr>
+          <p:cNvPr id="77" name="Right Arrow 76"/>
+          <p:cNvSpPr/>
+          <p:nvPr/>
+        </p:nvSpPr>
+        <p:spPr>
+          <a:xfrm>
+            <a:off x="25578591" y="15973858"/>
+            <a:ext cx="1357343" cy="1301307"/>
+          </a:xfrm>
+          <a:prstGeom prst="rightArrow">
+            <a:avLst/>
+          </a:prstGeom>
+        </p:spPr>
+        <p:style>
+          <a:lnRef idx="2">
+            <a:schemeClr val="accent1">
+              <a:shade val="50000"/>
+            </a:schemeClr>
+          </a:lnRef>
+          <a:fillRef idx="1">
+            <a:schemeClr val="accent1"/>
+          </a:fillRef>
+          <a:effectRef idx="0">
+            <a:schemeClr val="accent1"/>
+          </a:effectRef>
+          <a:fontRef idx="minor">
+            <a:schemeClr val="lt1"/>
+          </a:fontRef>
+        </p:style>
+        <p:txBody>
+          <a:bodyPr rtlCol="0" anchor="ctr"/>
+          <a:lstStyle/>
+          <a:p>
+            <a:pPr algn="ctr"/>
+            <a:endParaRPr lang="en-US"/>
+          </a:p>
+        </p:txBody>
+      </p:sp>
+      <p:sp>
+        <p:nvSpPr>
+          <p:cNvPr id="78" name="Right Arrow 77"/>
+          <p:cNvSpPr/>
+          <p:nvPr/>
+        </p:nvSpPr>
+        <p:spPr>
+          <a:xfrm>
+            <a:off x="25578591" y="19727711"/>
+            <a:ext cx="1357343" cy="1301307"/>
+          </a:xfrm>
+          <a:prstGeom prst="rightArrow">
+            <a:avLst/>
+          </a:prstGeom>
+        </p:spPr>
+        <p:style>
+          <a:lnRef idx="2">
+            <a:schemeClr val="accent1">
+              <a:shade val="50000"/>
+            </a:schemeClr>
+          </a:lnRef>
+          <a:fillRef idx="1">
+            <a:schemeClr val="accent1"/>
+          </a:fillRef>
+          <a:effectRef idx="0">
+            <a:schemeClr val="accent1"/>
+          </a:effectRef>
+          <a:fontRef idx="minor">
+            <a:schemeClr val="lt1"/>
+          </a:fontRef>
+        </p:style>
+        <p:txBody>
+          <a:bodyPr rtlCol="0" anchor="ctr"/>
+          <a:lstStyle/>
+          <a:p>
+            <a:pPr algn="ctr"/>
+            <a:endParaRPr lang="en-US"/>
+          </a:p>
+        </p:txBody>
+      </p:sp>
+      <p:sp>
+        <p:nvSpPr>
+          <p:cNvPr id="79" name="Right Arrow 78"/>
+          <p:cNvSpPr/>
+          <p:nvPr/>
+        </p:nvSpPr>
+        <p:spPr>
+          <a:xfrm>
+            <a:off x="25578591" y="23623587"/>
+            <a:ext cx="1357343" cy="1301307"/>
+          </a:xfrm>
+          <a:prstGeom prst="rightArrow">
+            <a:avLst/>
+          </a:prstGeom>
+        </p:spPr>
+        <p:style>
+          <a:lnRef idx="2">
+            <a:schemeClr val="accent1">
+              <a:shade val="50000"/>
+            </a:schemeClr>
+          </a:lnRef>
+          <a:fillRef idx="1">
+            <a:schemeClr val="accent1"/>
+          </a:fillRef>
+          <a:effectRef idx="0">
+            <a:schemeClr val="accent1"/>
+          </a:effectRef>
+          <a:fontRef idx="minor">
+            <a:schemeClr val="lt1"/>
+          </a:fontRef>
+        </p:style>
+        <p:txBody>
+          <a:bodyPr rtlCol="0" anchor="ctr"/>
+          <a:lstStyle/>
+          <a:p>
+            <a:pPr algn="ctr"/>
+            <a:endParaRPr lang="en-US"/>
           </a:p>
         </p:txBody>
       </p:sp>
     </p:spTree>
     <p:extLst>
       <p:ext uri="{BB962C8B-B14F-4D97-AF65-F5344CB8AC3E}">
-        <p14:creationId xmlns:p14="http://schemas.microsoft.com/office/powerpoint/2010/main" val="11819390"/>
+        <p14:creationId xmlns:p14="http://schemas.microsoft.com/office/powerpoint/2010/main" xmlns="" val="11819390"/>
       </p:ext>
     </p:extLst>
   </p:cSld>
@@ -2093,7 +3430,7 @@
   <a:extraClrSchemeLst/>
   <a:extLst>
     <a:ext uri="{05A4C25C-085E-4340-85A3-A5531E510DB2}">
-      <thm15:themeFamily xmlns:thm15="http://schemas.microsoft.com/office/thememl/2012/main" name="Office Theme" id="{62F939B6-93AF-4DB8-9C6B-D6C7DFDC589F}" vid="{4A3C46E8-61CC-4603-A589-7422A47A8E4A}"/>
+      <thm15:themeFamily xmlns:thm15="http://schemas.microsoft.com/office/thememl/2012/main" xmlns="" name="Office Theme" id="{62F939B6-93AF-4DB8-9C6B-D6C7DFDC589F}" vid="{4A3C46E8-61CC-4603-A589-7422A47A8E4A}"/>
     </a:ext>
   </a:extLst>
 </a:theme>

--- a/Documentation/ProjectDescription/Poster/CS-313TAMS-PosterDraft.pptx
+++ b/Documentation/ProjectDescription/Poster/CS-313TAMS-PosterDraft.pptx
@@ -109,7 +109,7 @@
   </p:defaultTextStyle>
   <p:extLst>
     <p:ext uri="{EFAFB233-063F-42B5-8137-9DF3F51BA10A}">
-      <p15:sldGuideLst xmlns:p15="http://schemas.microsoft.com/office/powerpoint/2012/main" xmlns="">
+      <p15:sldGuideLst xmlns:p15="http://schemas.microsoft.com/office/powerpoint/2012/main">
         <p15:guide id="1" orient="horz" pos="9216" userDrawn="1">
           <p15:clr>
             <a:srgbClr val="A4A3A4"/>
@@ -209,7 +209,7 @@
             <a:fld id="{B68B959A-7C95-4BA3-9E85-416554B5BF05}" type="datetimeFigureOut">
               <a:rPr lang="en-US" smtClean="0"/>
               <a:pPr/>
-              <a:t>3/19/2019</a:t>
+              <a:t>3/20/2019</a:t>
             </a:fld>
             <a:endParaRPr lang="en-US"/>
           </a:p>
@@ -615,7 +615,7 @@
     </p:spTree>
     <p:extLst>
       <p:ext uri="{BB962C8B-B14F-4D97-AF65-F5344CB8AC3E}">
-        <p14:creationId xmlns:p14="http://schemas.microsoft.com/office/powerpoint/2010/main" xmlns="" val="1431167574"/>
+        <p14:creationId xmlns:p14="http://schemas.microsoft.com/office/powerpoint/2010/main" val="1431167574"/>
       </p:ext>
     </p:extLst>
   </p:cSld>
@@ -1045,7 +1045,7 @@
         <p:spPr>
           <a:xfrm>
             <a:off x="27196555" y="6371175"/>
-            <a:ext cx="8457129" cy="1384995"/>
+            <a:ext cx="13553885" cy="3600986"/>
           </a:xfrm>
           <a:prstGeom prst="rect">
             <a:avLst/>
@@ -1067,10 +1067,16 @@
                 <a:latin typeface="Arial"/>
                 <a:cs typeface="Arial"/>
               </a:rPr>
-              <a:t>Technology </a:t>
-            </a:r>
-            <a:r>
-              <a:rPr lang="en-US" sz="4800" b="1" dirty="0" smtClean="0">
+              <a:t>Technology Stack</a:t>
+            </a:r>
+          </a:p>
+          <a:p>
+            <a:pPr>
+              <a:buFont typeface="Arial" pitchFamily="34" charset="0"/>
+              <a:buChar char="•"/>
+            </a:pPr>
+            <a:r>
+              <a:rPr lang="en-US" sz="3600" dirty="0">
                 <a:ln>
                   <a:noFill/>
                   <a:prstDash val="dot"/>
@@ -1078,16 +1084,16 @@
                 <a:latin typeface="Arial"/>
                 <a:cs typeface="Arial"/>
               </a:rPr>
-              <a:t>Stack</a:t>
-            </a:r>
-          </a:p>
-          <a:p>
-            <a:pPr>
-              <a:buFont typeface="Arial" pitchFamily="34" charset="0"/>
-              <a:buChar char="•"/>
-            </a:pPr>
-            <a:r>
-              <a:rPr lang="en-US" sz="3600" dirty="0" smtClean="0">
+              <a:t>MySQL Database: Stores course and TA information</a:t>
+            </a:r>
+          </a:p>
+          <a:p>
+            <a:pPr>
+              <a:buFont typeface="Arial" pitchFamily="34" charset="0"/>
+              <a:buChar char="•"/>
+            </a:pPr>
+            <a:r>
+              <a:rPr lang="en-US" sz="3600" dirty="0">
                 <a:ln>
                   <a:noFill/>
                   <a:prstDash val="dot"/>
@@ -1095,16 +1101,81 @@
                 <a:latin typeface="Arial"/>
                 <a:cs typeface="Arial"/>
               </a:rPr>
-              <a:t>etc</a:t>
-            </a:r>
-            <a:endParaRPr lang="en-US" sz="3600" dirty="0">
-              <a:ln>
-                <a:noFill/>
-                <a:prstDash val="dot"/>
-              </a:ln>
-              <a:latin typeface="Arial"/>
-              <a:cs typeface="Arial"/>
-            </a:endParaRPr>
+              <a:t>Angular: backend</a:t>
+            </a:r>
+          </a:p>
+          <a:p>
+            <a:pPr>
+              <a:buFont typeface="Arial" pitchFamily="34" charset="0"/>
+              <a:buChar char="•"/>
+            </a:pPr>
+            <a:r>
+              <a:rPr lang="en-US" sz="3600" dirty="0" err="1">
+                <a:ln>
+                  <a:noFill/>
+                  <a:prstDash val="dot"/>
+                </a:ln>
+                <a:latin typeface="Arial"/>
+                <a:cs typeface="Arial"/>
+              </a:rPr>
+              <a:t>Jhispter</a:t>
+            </a:r>
+            <a:r>
+              <a:rPr lang="en-US" sz="3600" dirty="0">
+                <a:ln>
+                  <a:noFill/>
+                  <a:prstDash val="dot"/>
+                </a:ln>
+                <a:latin typeface="Arial"/>
+                <a:cs typeface="Arial"/>
+              </a:rPr>
+              <a:t>:</a:t>
+            </a:r>
+          </a:p>
+          <a:p>
+            <a:pPr>
+              <a:buFont typeface="Arial" pitchFamily="34" charset="0"/>
+              <a:buChar char="•"/>
+            </a:pPr>
+            <a:r>
+              <a:rPr lang="en-US" sz="3600" dirty="0">
+                <a:ln>
+                  <a:noFill/>
+                  <a:prstDash val="dot"/>
+                </a:ln>
+                <a:latin typeface="Arial"/>
+                <a:cs typeface="Arial"/>
+              </a:rPr>
+              <a:t>NodeJS: Packages</a:t>
+            </a:r>
+          </a:p>
+          <a:p>
+            <a:pPr>
+              <a:buFont typeface="Arial" pitchFamily="34" charset="0"/>
+              <a:buChar char="•"/>
+            </a:pPr>
+            <a:r>
+              <a:rPr lang="en-US" sz="3600" dirty="0" err="1">
+                <a:ln>
+                  <a:noFill/>
+                  <a:prstDash val="dot"/>
+                </a:ln>
+                <a:latin typeface="Arial"/>
+                <a:cs typeface="Arial"/>
+              </a:rPr>
+              <a:t>Mailgun</a:t>
+            </a:r>
+            <a:r>
+              <a:rPr lang="en-US" sz="3600" dirty="0">
+                <a:ln>
+                  <a:noFill/>
+                  <a:prstDash val="dot"/>
+                </a:ln>
+                <a:latin typeface="Arial"/>
+                <a:cs typeface="Arial"/>
+              </a:rPr>
+              <a:t>: </a:t>
+            </a:r>
           </a:p>
         </p:txBody>
       </p:sp>
@@ -1521,7 +1592,7 @@
           <p:cNvPr id="17" name="Picture 16" descr="A close up of a sign&#10;&#10;Description automatically generated">
             <a:extLst>
               <a:ext uri="{FF2B5EF4-FFF2-40B4-BE49-F238E27FC236}">
-                <a16:creationId xmlns:a16="http://schemas.microsoft.com/office/drawing/2014/main" xmlns="" id="{CC61BD5C-F705-4D70-B710-E6BB3BAFCFD2}"/>
+                <a16:creationId xmlns:a16="http://schemas.microsoft.com/office/drawing/2014/main" id="{CC61BD5C-F705-4D70-B710-E6BB3BAFCFD2}"/>
               </a:ext>
             </a:extLst>
           </p:cNvPr>
@@ -1551,7 +1622,7 @@
           <p:cNvPr id="19" name="Picture 18" descr="A close up of a logo&#10;&#10;Description automatically generated">
             <a:extLst>
               <a:ext uri="{FF2B5EF4-FFF2-40B4-BE49-F238E27FC236}">
-                <a16:creationId xmlns:a16="http://schemas.microsoft.com/office/drawing/2014/main" xmlns="" id="{428F8D5A-B772-4124-AEBB-0A5869C3BCBA}"/>
+                <a16:creationId xmlns:a16="http://schemas.microsoft.com/office/drawing/2014/main" id="{428F8D5A-B772-4124-AEBB-0A5869C3BCBA}"/>
               </a:ext>
             </a:extLst>
           </p:cNvPr>
@@ -1581,7 +1652,7 @@
           <p:cNvPr id="23" name="Straight Connector 22">
             <a:extLst>
               <a:ext uri="{FF2B5EF4-FFF2-40B4-BE49-F238E27FC236}">
-                <a16:creationId xmlns:a16="http://schemas.microsoft.com/office/drawing/2014/main" xmlns="" id="{F07ABC8A-B74D-4D01-862B-7356E3713D24}"/>
+                <a16:creationId xmlns:a16="http://schemas.microsoft.com/office/drawing/2014/main" id="{F07ABC8A-B74D-4D01-862B-7356E3713D24}"/>
               </a:ext>
             </a:extLst>
           </p:cNvPr>
@@ -1623,7 +1694,7 @@
           <p:cNvPr id="24" name="TextBox 23">
             <a:extLst>
               <a:ext uri="{FF2B5EF4-FFF2-40B4-BE49-F238E27FC236}">
-                <a16:creationId xmlns:a16="http://schemas.microsoft.com/office/drawing/2014/main" xmlns="" id="{1AC03429-986A-4848-98A7-DA061E22BCB8}"/>
+                <a16:creationId xmlns:a16="http://schemas.microsoft.com/office/drawing/2014/main" id="{1AC03429-986A-4848-98A7-DA061E22BCB8}"/>
               </a:ext>
             </a:extLst>
           </p:cNvPr>
@@ -1730,7 +1801,7 @@
           <p:cNvPr id="27" name="TextBox 26">
             <a:extLst>
               <a:ext uri="{FF2B5EF4-FFF2-40B4-BE49-F238E27FC236}">
-                <a16:creationId xmlns:a16="http://schemas.microsoft.com/office/drawing/2014/main" xmlns="" id="{D1A05A63-B317-4B3D-8DCA-D3F579E68D0C}"/>
+                <a16:creationId xmlns:a16="http://schemas.microsoft.com/office/drawing/2014/main" id="{D1A05A63-B317-4B3D-8DCA-D3F579E68D0C}"/>
               </a:ext>
             </a:extLst>
           </p:cNvPr>
@@ -1740,7 +1811,7 @@
         <p:spPr>
           <a:xfrm>
             <a:off x="2075069" y="10759460"/>
-            <a:ext cx="8457129" cy="15050274"/>
+            <a:ext cx="8457129" cy="15234940"/>
           </a:xfrm>
           <a:prstGeom prst="rect">
             <a:avLst/>
@@ -1758,25 +1829,18 @@
                 <a:latin typeface="Arial"/>
                 <a:cs typeface="Arial"/>
               </a:rPr>
-              <a:t>Old </a:t>
-            </a:r>
-            <a:r>
-              <a:rPr lang="en-US" sz="4800" b="1" dirty="0" smtClean="0">
-                <a:latin typeface="Arial"/>
-                <a:cs typeface="Arial"/>
-              </a:rPr>
-              <a:t>Process</a:t>
-            </a:r>
-          </a:p>
-          <a:p>
-            <a:endParaRPr lang="en-US" sz="3600" b="1" dirty="0" smtClean="0">
-              <a:latin typeface="Arial"/>
-              <a:cs typeface="Arial"/>
-            </a:endParaRPr>
-          </a:p>
-          <a:p>
-            <a:r>
-              <a:rPr lang="en-US" sz="3600" b="1" dirty="0" smtClean="0">
+              <a:t>Old Process</a:t>
+            </a:r>
+          </a:p>
+          <a:p>
+            <a:endParaRPr lang="en-US" sz="3600" b="1" dirty="0">
+              <a:latin typeface="Arial"/>
+              <a:cs typeface="Arial"/>
+            </a:endParaRPr>
+          </a:p>
+          <a:p>
+            <a:r>
+              <a:rPr lang="en-US" sz="3600" b="1" dirty="0">
                 <a:latin typeface="Arial"/>
                 <a:cs typeface="Arial"/>
               </a:rPr>
@@ -1789,20 +1853,20 @@
               <a:buChar char="•"/>
             </a:pPr>
             <a:r>
-              <a:rPr lang="en-US" sz="3600" dirty="0" smtClean="0">
-                <a:latin typeface="Arial"/>
-                <a:cs typeface="Arial"/>
-              </a:rPr>
-              <a:t>No </a:t>
-            </a:r>
-          </a:p>
-          <a:p>
-            <a:pPr>
-              <a:buFont typeface="Arial" pitchFamily="34" charset="0"/>
-              <a:buChar char="•"/>
-            </a:pPr>
-            <a:r>
-              <a:rPr lang="en-US" sz="3600" dirty="0" smtClean="0">
+              <a:rPr lang="en-US" sz="3600" dirty="0">
+                <a:latin typeface="Arial"/>
+                <a:cs typeface="Arial"/>
+              </a:rPr>
+              <a:t>TA to student ratio low</a:t>
+            </a:r>
+          </a:p>
+          <a:p>
+            <a:pPr>
+              <a:buFont typeface="Arial" pitchFamily="34" charset="0"/>
+              <a:buChar char="•"/>
+            </a:pPr>
+            <a:r>
+              <a:rPr lang="en-US" sz="3600" dirty="0">
                 <a:latin typeface="Arial"/>
                 <a:cs typeface="Arial"/>
               </a:rPr>
@@ -1815,7 +1879,7 @@
               <a:buChar char="•"/>
             </a:pPr>
             <a:r>
-              <a:rPr lang="en-US" sz="3600" dirty="0" smtClean="0">
+              <a:rPr lang="en-US" sz="3600" dirty="0">
                 <a:latin typeface="Arial"/>
                 <a:cs typeface="Arial"/>
               </a:rPr>
@@ -1823,14 +1887,14 @@
             </a:r>
           </a:p>
           <a:p>
-            <a:endParaRPr lang="en-US" sz="3600" dirty="0" smtClean="0">
-              <a:latin typeface="Arial"/>
-              <a:cs typeface="Arial"/>
-            </a:endParaRPr>
-          </a:p>
-          <a:p>
-            <a:r>
-              <a:rPr lang="en-US" sz="3600" b="1" dirty="0" smtClean="0">
+            <a:endParaRPr lang="en-US" sz="3600" dirty="0">
+              <a:latin typeface="Arial"/>
+              <a:cs typeface="Arial"/>
+            </a:endParaRPr>
+          </a:p>
+          <a:p>
+            <a:r>
+              <a:rPr lang="en-US" sz="3600" b="1" dirty="0">
                 <a:latin typeface="Arial"/>
                 <a:cs typeface="Arial"/>
               </a:rPr>
@@ -1843,46 +1907,50 @@
               <a:buChar char="•"/>
             </a:pPr>
             <a:r>
-              <a:rPr lang="en-US" sz="3600" dirty="0" smtClean="0">
-                <a:latin typeface="Arial"/>
-                <a:cs typeface="Arial"/>
-              </a:rPr>
-              <a:t>TAs assigned to classes </a:t>
-            </a:r>
-          </a:p>
-          <a:p>
-            <a:endParaRPr lang="en-US" sz="3600" dirty="0" smtClean="0">
-              <a:latin typeface="Arial"/>
-              <a:cs typeface="Arial"/>
-            </a:endParaRPr>
-          </a:p>
-          <a:p>
-            <a:endParaRPr lang="en-US" sz="3600" dirty="0" smtClean="0">
-              <a:latin typeface="Arial"/>
-              <a:cs typeface="Arial"/>
-            </a:endParaRPr>
-          </a:p>
-          <a:p>
-            <a:endParaRPr lang="en-US" sz="3600" dirty="0" smtClean="0">
-              <a:latin typeface="Arial"/>
-              <a:cs typeface="Arial"/>
-            </a:endParaRPr>
-          </a:p>
-          <a:p>
-            <a:endParaRPr lang="en-US" sz="3600" dirty="0" smtClean="0">
-              <a:latin typeface="Arial"/>
-              <a:cs typeface="Arial"/>
-            </a:endParaRPr>
-          </a:p>
-          <a:p>
-            <a:endParaRPr lang="en-US" sz="3600" dirty="0" smtClean="0">
-              <a:latin typeface="Arial"/>
-              <a:cs typeface="Arial"/>
-            </a:endParaRPr>
-          </a:p>
-          <a:p>
-            <a:r>
-              <a:rPr lang="en-US" sz="3600" b="1" dirty="0" smtClean="0">
+              <a:rPr lang="en-US" sz="3600" dirty="0">
+                <a:latin typeface="Arial"/>
+                <a:cs typeface="Arial"/>
+              </a:rPr>
+              <a:t>TAs assigned to classes that they are not suitable in assisting</a:t>
+            </a:r>
+          </a:p>
+          <a:p>
+            <a:pPr marL="571500" indent="-571500">
+              <a:buFont typeface="Arial" panose="020B0604020202020204" pitchFamily="34" charset="0"/>
+              <a:buChar char="•"/>
+            </a:pPr>
+            <a:endParaRPr lang="en-US" sz="3600" dirty="0">
+              <a:latin typeface="Arial"/>
+              <a:cs typeface="Arial"/>
+            </a:endParaRPr>
+          </a:p>
+          <a:p>
+            <a:endParaRPr lang="en-US" sz="3600" dirty="0">
+              <a:latin typeface="Arial"/>
+              <a:cs typeface="Arial"/>
+            </a:endParaRPr>
+          </a:p>
+          <a:p>
+            <a:endParaRPr lang="en-US" sz="3600" dirty="0">
+              <a:latin typeface="Arial"/>
+              <a:cs typeface="Arial"/>
+            </a:endParaRPr>
+          </a:p>
+          <a:p>
+            <a:endParaRPr lang="en-US" sz="3600" dirty="0">
+              <a:latin typeface="Arial"/>
+              <a:cs typeface="Arial"/>
+            </a:endParaRPr>
+          </a:p>
+          <a:p>
+            <a:endParaRPr lang="en-US" sz="3600" dirty="0">
+              <a:latin typeface="Arial"/>
+              <a:cs typeface="Arial"/>
+            </a:endParaRPr>
+          </a:p>
+          <a:p>
+            <a:r>
+              <a:rPr lang="en-US" sz="3600" b="1" dirty="0">
                 <a:latin typeface="Arial"/>
                 <a:cs typeface="Arial"/>
               </a:rPr>
@@ -1894,66 +1962,76 @@
               <a:buFont typeface="Arial" pitchFamily="34" charset="0"/>
               <a:buChar char="•"/>
             </a:pPr>
-            <a:endParaRPr lang="en-US" sz="3600" dirty="0" smtClean="0">
-              <a:latin typeface="Arial"/>
-              <a:cs typeface="Arial"/>
-            </a:endParaRPr>
-          </a:p>
-          <a:p>
-            <a:endParaRPr lang="en-US" sz="3600" dirty="0" smtClean="0">
-              <a:latin typeface="Arial"/>
-              <a:cs typeface="Arial"/>
-            </a:endParaRPr>
-          </a:p>
-          <a:p>
-            <a:endParaRPr lang="en-US" sz="3600" dirty="0" smtClean="0">
-              <a:latin typeface="Arial"/>
-              <a:cs typeface="Arial"/>
-            </a:endParaRPr>
-          </a:p>
-          <a:p>
-            <a:endParaRPr lang="en-US" sz="3600" dirty="0" smtClean="0">
-              <a:latin typeface="Arial"/>
-              <a:cs typeface="Arial"/>
-            </a:endParaRPr>
-          </a:p>
-          <a:p>
-            <a:endParaRPr lang="en-US" sz="3600" dirty="0" smtClean="0">
-              <a:latin typeface="Arial"/>
-              <a:cs typeface="Arial"/>
-            </a:endParaRPr>
-          </a:p>
-          <a:p>
-            <a:endParaRPr lang="en-US" sz="3600" dirty="0" smtClean="0">
-              <a:latin typeface="Arial"/>
-              <a:cs typeface="Arial"/>
-            </a:endParaRPr>
-          </a:p>
-          <a:p>
-            <a:r>
-              <a:rPr lang="en-US" sz="3600" b="1" dirty="0" smtClean="0">
+            <a:r>
+              <a:rPr lang="en-US" sz="3600" dirty="0">
+                <a:latin typeface="Arial"/>
+                <a:cs typeface="Arial"/>
+              </a:rPr>
+              <a:t>No stored records of TAs information</a:t>
+            </a:r>
+          </a:p>
+          <a:p>
+            <a:pPr marL="571500" indent="-571500">
+              <a:buFont typeface="Arial" panose="020B0604020202020204" pitchFamily="34" charset="0"/>
+              <a:buChar char="•"/>
+            </a:pPr>
+            <a:endParaRPr lang="en-US" sz="3600" dirty="0">
+              <a:latin typeface="Arial"/>
+              <a:cs typeface="Arial"/>
+            </a:endParaRPr>
+          </a:p>
+          <a:p>
+            <a:endParaRPr lang="en-US" sz="3600" dirty="0">
+              <a:latin typeface="Arial"/>
+              <a:cs typeface="Arial"/>
+            </a:endParaRPr>
+          </a:p>
+          <a:p>
+            <a:endParaRPr lang="en-US" sz="3600" dirty="0">
+              <a:latin typeface="Arial"/>
+              <a:cs typeface="Arial"/>
+            </a:endParaRPr>
+          </a:p>
+          <a:p>
+            <a:endParaRPr lang="en-US" sz="3600" dirty="0">
+              <a:latin typeface="Arial"/>
+              <a:cs typeface="Arial"/>
+            </a:endParaRPr>
+          </a:p>
+          <a:p>
+            <a:endParaRPr lang="en-US" sz="3600" dirty="0">
+              <a:latin typeface="Arial"/>
+              <a:cs typeface="Arial"/>
+            </a:endParaRPr>
+          </a:p>
+          <a:p>
+            <a:r>
+              <a:rPr lang="en-US" sz="3600" b="1" dirty="0">
                 <a:latin typeface="Arial"/>
                 <a:cs typeface="Arial"/>
               </a:rPr>
               <a:t>TA Grading Assignment</a:t>
             </a:r>
-            <a:endParaRPr lang="en-US" sz="3600" b="1" dirty="0" smtClean="0">
-              <a:latin typeface="Arial"/>
-              <a:cs typeface="Arial"/>
-            </a:endParaRPr>
-          </a:p>
-          <a:p>
-            <a:pPr>
-              <a:buFont typeface="Arial" pitchFamily="34" charset="0"/>
-              <a:buChar char="•"/>
-            </a:pPr>
-            <a:endParaRPr lang="en-US" sz="4800" b="1" dirty="0" smtClean="0">
-              <a:latin typeface="Arial"/>
-              <a:cs typeface="Arial"/>
-            </a:endParaRPr>
-          </a:p>
-          <a:p>
-            <a:endParaRPr lang="en-US" sz="4800" b="1" dirty="0" smtClean="0">
+          </a:p>
+          <a:p>
+            <a:pPr>
+              <a:buFont typeface="Arial" pitchFamily="34" charset="0"/>
+              <a:buChar char="•"/>
+            </a:pPr>
+            <a:r>
+              <a:rPr lang="en-US" sz="3600" dirty="0">
+                <a:latin typeface="Arial"/>
+                <a:cs typeface="Arial"/>
+              </a:rPr>
+              <a:t>Assignments sent with no confirmation</a:t>
+            </a:r>
+          </a:p>
+          <a:p>
+            <a:pPr marL="685800" indent="-685800">
+              <a:buFont typeface="Arial" panose="020B0604020202020204" pitchFamily="34" charset="0"/>
+              <a:buChar char="•"/>
+            </a:pPr>
+            <a:endParaRPr lang="en-US" sz="3600" dirty="0">
               <a:latin typeface="Arial"/>
               <a:cs typeface="Arial"/>
             </a:endParaRPr>
@@ -1971,7 +2049,7 @@
           <p:cNvPr id="31" name="TextBox 30">
             <a:extLst>
               <a:ext uri="{FF2B5EF4-FFF2-40B4-BE49-F238E27FC236}">
-                <a16:creationId xmlns:a16="http://schemas.microsoft.com/office/drawing/2014/main" xmlns="" id="{2A832347-A6F3-4842-9900-DC8106E66B60}"/>
+                <a16:creationId xmlns:a16="http://schemas.microsoft.com/office/drawing/2014/main" id="{2A832347-A6F3-4842-9900-DC8106E66B60}"/>
               </a:ext>
             </a:extLst>
           </p:cNvPr>
@@ -1999,25 +2077,18 @@
                 <a:latin typeface="Arial"/>
                 <a:cs typeface="Arial"/>
               </a:rPr>
-              <a:t>New </a:t>
-            </a:r>
-            <a:r>
-              <a:rPr lang="en-US" sz="4800" b="1" dirty="0" smtClean="0">
-                <a:latin typeface="Arial"/>
-                <a:cs typeface="Arial"/>
-              </a:rPr>
-              <a:t>Process</a:t>
-            </a:r>
-          </a:p>
-          <a:p>
-            <a:endParaRPr lang="en-US" sz="3600" dirty="0" smtClean="0">
-              <a:latin typeface="Arial"/>
-              <a:cs typeface="Arial"/>
-            </a:endParaRPr>
-          </a:p>
-          <a:p>
-            <a:r>
-              <a:rPr lang="en-US" sz="3600" dirty="0" smtClean="0">
+              <a:t>New Process</a:t>
+            </a:r>
+          </a:p>
+          <a:p>
+            <a:endParaRPr lang="en-US" sz="3600" dirty="0">
+              <a:latin typeface="Arial"/>
+              <a:cs typeface="Arial"/>
+            </a:endParaRPr>
+          </a:p>
+          <a:p>
+            <a:r>
+              <a:rPr lang="en-US" sz="3600" dirty="0">
                 <a:latin typeface="Arial"/>
                 <a:cs typeface="Arial"/>
               </a:rPr>
@@ -2025,143 +2096,128 @@
             </a:r>
           </a:p>
           <a:p>
-            <a:endParaRPr lang="en-US" sz="3600" dirty="0" smtClean="0">
-              <a:latin typeface="Arial"/>
-              <a:cs typeface="Arial"/>
-            </a:endParaRPr>
-          </a:p>
-          <a:p>
-            <a:endParaRPr lang="en-US" sz="3600" dirty="0" smtClean="0">
-              <a:latin typeface="Arial"/>
-              <a:cs typeface="Arial"/>
-            </a:endParaRPr>
-          </a:p>
-          <a:p>
-            <a:endParaRPr lang="en-US" sz="3600" dirty="0" smtClean="0">
-              <a:latin typeface="Arial"/>
-              <a:cs typeface="Arial"/>
-            </a:endParaRPr>
-          </a:p>
-          <a:p>
-            <a:endParaRPr lang="en-US" sz="3600" dirty="0" smtClean="0">
-              <a:latin typeface="Arial"/>
-              <a:cs typeface="Arial"/>
-            </a:endParaRPr>
-          </a:p>
-          <a:p>
-            <a:endParaRPr lang="en-US" sz="3600" dirty="0" smtClean="0">
-              <a:latin typeface="Arial"/>
-              <a:cs typeface="Arial"/>
-            </a:endParaRPr>
-          </a:p>
-          <a:p>
-            <a:r>
-              <a:rPr lang="en-US" sz="3600" dirty="0" smtClean="0">
-                <a:latin typeface="Arial"/>
-                <a:cs typeface="Arial"/>
-              </a:rPr>
-              <a:t>[</a:t>
-            </a:r>
-            <a:r>
-              <a:rPr lang="en-US" sz="3600" dirty="0" smtClean="0">
-                <a:latin typeface="Arial"/>
-                <a:cs typeface="Arial"/>
-              </a:rPr>
-              <a:t>TA application]</a:t>
-            </a:r>
-            <a:endParaRPr lang="en-US" sz="3600" dirty="0" smtClean="0">
-              <a:latin typeface="Arial"/>
-              <a:cs typeface="Arial"/>
-            </a:endParaRPr>
-          </a:p>
-          <a:p>
-            <a:endParaRPr lang="en-US" sz="3600" dirty="0" smtClean="0">
-              <a:latin typeface="Arial"/>
-              <a:cs typeface="Arial"/>
-            </a:endParaRPr>
-          </a:p>
-          <a:p>
-            <a:endParaRPr lang="en-US" sz="3600" dirty="0" smtClean="0">
-              <a:latin typeface="Arial"/>
-              <a:cs typeface="Arial"/>
-            </a:endParaRPr>
-          </a:p>
-          <a:p>
-            <a:endParaRPr lang="en-US" sz="3600" dirty="0" smtClean="0">
-              <a:latin typeface="Arial"/>
-              <a:cs typeface="Arial"/>
-            </a:endParaRPr>
-          </a:p>
-          <a:p>
-            <a:endParaRPr lang="en-US" sz="3600" dirty="0" smtClean="0">
-              <a:latin typeface="Arial"/>
-              <a:cs typeface="Arial"/>
-            </a:endParaRPr>
-          </a:p>
-          <a:p>
-            <a:endParaRPr lang="en-US" sz="3600" dirty="0" smtClean="0">
-              <a:latin typeface="Arial"/>
-              <a:cs typeface="Arial"/>
-            </a:endParaRPr>
-          </a:p>
-          <a:p>
-            <a:endParaRPr lang="en-US" sz="3600" dirty="0" smtClean="0">
-              <a:latin typeface="Arial"/>
-              <a:cs typeface="Arial"/>
-            </a:endParaRPr>
-          </a:p>
-          <a:p>
-            <a:r>
-              <a:rPr lang="en-US" sz="3600" dirty="0" smtClean="0">
+            <a:endParaRPr lang="en-US" sz="3600" dirty="0">
+              <a:latin typeface="Arial"/>
+              <a:cs typeface="Arial"/>
+            </a:endParaRPr>
+          </a:p>
+          <a:p>
+            <a:endParaRPr lang="en-US" sz="3600" dirty="0">
+              <a:latin typeface="Arial"/>
+              <a:cs typeface="Arial"/>
+            </a:endParaRPr>
+          </a:p>
+          <a:p>
+            <a:endParaRPr lang="en-US" sz="3600" dirty="0">
+              <a:latin typeface="Arial"/>
+              <a:cs typeface="Arial"/>
+            </a:endParaRPr>
+          </a:p>
+          <a:p>
+            <a:endParaRPr lang="en-US" sz="3600" dirty="0">
+              <a:latin typeface="Arial"/>
+              <a:cs typeface="Arial"/>
+            </a:endParaRPr>
+          </a:p>
+          <a:p>
+            <a:endParaRPr lang="en-US" sz="3600" dirty="0">
+              <a:latin typeface="Arial"/>
+              <a:cs typeface="Arial"/>
+            </a:endParaRPr>
+          </a:p>
+          <a:p>
+            <a:r>
+              <a:rPr lang="en-US" sz="3600" dirty="0">
+                <a:latin typeface="Arial"/>
+                <a:cs typeface="Arial"/>
+              </a:rPr>
+              <a:t>[TA application]</a:t>
+            </a:r>
+          </a:p>
+          <a:p>
+            <a:endParaRPr lang="en-US" sz="3600" dirty="0">
+              <a:latin typeface="Arial"/>
+              <a:cs typeface="Arial"/>
+            </a:endParaRPr>
+          </a:p>
+          <a:p>
+            <a:endParaRPr lang="en-US" sz="3600" dirty="0">
+              <a:latin typeface="Arial"/>
+              <a:cs typeface="Arial"/>
+            </a:endParaRPr>
+          </a:p>
+          <a:p>
+            <a:endParaRPr lang="en-US" sz="3600" dirty="0">
+              <a:latin typeface="Arial"/>
+              <a:cs typeface="Arial"/>
+            </a:endParaRPr>
+          </a:p>
+          <a:p>
+            <a:endParaRPr lang="en-US" sz="3600" dirty="0">
+              <a:latin typeface="Arial"/>
+              <a:cs typeface="Arial"/>
+            </a:endParaRPr>
+          </a:p>
+          <a:p>
+            <a:endParaRPr lang="en-US" sz="3600" dirty="0">
+              <a:latin typeface="Arial"/>
+              <a:cs typeface="Arial"/>
+            </a:endParaRPr>
+          </a:p>
+          <a:p>
+            <a:endParaRPr lang="en-US" sz="3600" dirty="0">
+              <a:latin typeface="Arial"/>
+              <a:cs typeface="Arial"/>
+            </a:endParaRPr>
+          </a:p>
+          <a:p>
+            <a:r>
+              <a:rPr lang="en-US" sz="3600" dirty="0">
                 <a:latin typeface="Arial"/>
                 <a:cs typeface="Arial"/>
               </a:rPr>
               <a:t>[TA schedule]</a:t>
             </a:r>
-            <a:endParaRPr lang="en-US" sz="3600" dirty="0" smtClean="0">
-              <a:latin typeface="Arial"/>
-              <a:cs typeface="Arial"/>
-            </a:endParaRPr>
-          </a:p>
-          <a:p>
-            <a:endParaRPr lang="en-US" sz="3600" dirty="0" smtClean="0">
-              <a:latin typeface="Arial"/>
-              <a:cs typeface="Arial"/>
-            </a:endParaRPr>
-          </a:p>
-          <a:p>
-            <a:endParaRPr lang="en-US" sz="3600" dirty="0" smtClean="0">
-              <a:latin typeface="Arial"/>
-              <a:cs typeface="Arial"/>
-            </a:endParaRPr>
-          </a:p>
-          <a:p>
-            <a:endParaRPr lang="en-US" sz="3600" dirty="0" smtClean="0">
-              <a:latin typeface="Arial"/>
-              <a:cs typeface="Arial"/>
-            </a:endParaRPr>
-          </a:p>
-          <a:p>
-            <a:endParaRPr lang="en-US" sz="3600" dirty="0" smtClean="0">
-              <a:latin typeface="Arial"/>
-              <a:cs typeface="Arial"/>
-            </a:endParaRPr>
-          </a:p>
-          <a:p>
-            <a:endParaRPr lang="en-US" sz="3600" dirty="0" smtClean="0">
-              <a:latin typeface="Arial"/>
-              <a:cs typeface="Arial"/>
-            </a:endParaRPr>
-          </a:p>
-          <a:p>
-            <a:endParaRPr lang="en-US" sz="3600" dirty="0" smtClean="0">
-              <a:latin typeface="Arial"/>
-              <a:cs typeface="Arial"/>
-            </a:endParaRPr>
-          </a:p>
-          <a:p>
-            <a:r>
-              <a:rPr lang="en-US" sz="3600" dirty="0" smtClean="0">
+          </a:p>
+          <a:p>
+            <a:endParaRPr lang="en-US" sz="3600" dirty="0">
+              <a:latin typeface="Arial"/>
+              <a:cs typeface="Arial"/>
+            </a:endParaRPr>
+          </a:p>
+          <a:p>
+            <a:endParaRPr lang="en-US" sz="3600" dirty="0">
+              <a:latin typeface="Arial"/>
+              <a:cs typeface="Arial"/>
+            </a:endParaRPr>
+          </a:p>
+          <a:p>
+            <a:endParaRPr lang="en-US" sz="3600" dirty="0">
+              <a:latin typeface="Arial"/>
+              <a:cs typeface="Arial"/>
+            </a:endParaRPr>
+          </a:p>
+          <a:p>
+            <a:endParaRPr lang="en-US" sz="3600" dirty="0">
+              <a:latin typeface="Arial"/>
+              <a:cs typeface="Arial"/>
+            </a:endParaRPr>
+          </a:p>
+          <a:p>
+            <a:endParaRPr lang="en-US" sz="3600" dirty="0">
+              <a:latin typeface="Arial"/>
+              <a:cs typeface="Arial"/>
+            </a:endParaRPr>
+          </a:p>
+          <a:p>
+            <a:endParaRPr lang="en-US" sz="3600" dirty="0">
+              <a:latin typeface="Arial"/>
+              <a:cs typeface="Arial"/>
+            </a:endParaRPr>
+          </a:p>
+          <a:p>
+            <a:r>
+              <a:rPr lang="en-US" sz="3600" dirty="0">
                 <a:latin typeface="Arial"/>
                 <a:cs typeface="Arial"/>
               </a:rPr>
@@ -2169,37 +2225,37 @@
             </a:r>
           </a:p>
           <a:p>
-            <a:endParaRPr lang="en-US" sz="3600" dirty="0" smtClean="0">
-              <a:latin typeface="Arial"/>
-              <a:cs typeface="Arial"/>
-            </a:endParaRPr>
-          </a:p>
-          <a:p>
-            <a:endParaRPr lang="en-US" sz="3600" dirty="0" smtClean="0">
-              <a:latin typeface="Arial"/>
-              <a:cs typeface="Arial"/>
-            </a:endParaRPr>
-          </a:p>
-          <a:p>
-            <a:endParaRPr lang="en-US" sz="3600" dirty="0" smtClean="0">
-              <a:latin typeface="Arial"/>
-              <a:cs typeface="Arial"/>
-            </a:endParaRPr>
-          </a:p>
-          <a:p>
-            <a:endParaRPr lang="en-US" sz="3600" dirty="0" smtClean="0">
-              <a:latin typeface="Arial"/>
-              <a:cs typeface="Arial"/>
-            </a:endParaRPr>
-          </a:p>
-          <a:p>
-            <a:endParaRPr lang="en-US" sz="3600" dirty="0" smtClean="0">
-              <a:latin typeface="Arial"/>
-              <a:cs typeface="Arial"/>
-            </a:endParaRPr>
-          </a:p>
-          <a:p>
-            <a:endParaRPr lang="en-US" sz="3600" dirty="0" smtClean="0">
+            <a:endParaRPr lang="en-US" sz="3600" dirty="0">
+              <a:latin typeface="Arial"/>
+              <a:cs typeface="Arial"/>
+            </a:endParaRPr>
+          </a:p>
+          <a:p>
+            <a:endParaRPr lang="en-US" sz="3600" dirty="0">
+              <a:latin typeface="Arial"/>
+              <a:cs typeface="Arial"/>
+            </a:endParaRPr>
+          </a:p>
+          <a:p>
+            <a:endParaRPr lang="en-US" sz="3600" dirty="0">
+              <a:latin typeface="Arial"/>
+              <a:cs typeface="Arial"/>
+            </a:endParaRPr>
+          </a:p>
+          <a:p>
+            <a:endParaRPr lang="en-US" sz="3600" dirty="0">
+              <a:latin typeface="Arial"/>
+              <a:cs typeface="Arial"/>
+            </a:endParaRPr>
+          </a:p>
+          <a:p>
+            <a:endParaRPr lang="en-US" sz="3600" dirty="0">
+              <a:latin typeface="Arial"/>
+              <a:cs typeface="Arial"/>
+            </a:endParaRPr>
+          </a:p>
+          <a:p>
+            <a:endParaRPr lang="en-US" sz="3600" dirty="0">
               <a:latin typeface="Arial"/>
               <a:cs typeface="Arial"/>
             </a:endParaRPr>
@@ -2211,7 +2267,7 @@
           <p:cNvPr id="32" name="TextBox 31">
             <a:extLst>
               <a:ext uri="{FF2B5EF4-FFF2-40B4-BE49-F238E27FC236}">
-                <a16:creationId xmlns:a16="http://schemas.microsoft.com/office/drawing/2014/main" xmlns="" id="{2BE78A2A-A948-4CF0-822D-A9294A7295A1}"/>
+                <a16:creationId xmlns:a16="http://schemas.microsoft.com/office/drawing/2014/main" id="{2BE78A2A-A948-4CF0-822D-A9294A7295A1}"/>
               </a:ext>
             </a:extLst>
           </p:cNvPr>
@@ -2235,7 +2291,7 @@
           <a:lstStyle/>
           <a:p>
             <a:r>
-              <a:rPr lang="en-US" sz="4800" b="1" dirty="0" smtClean="0">
+              <a:rPr lang="en-US" sz="4800" b="1" dirty="0">
                 <a:latin typeface="Arial"/>
                 <a:cs typeface="Arial"/>
               </a:rPr>
@@ -2247,18 +2303,18 @@
               <a:buFont typeface="Arial" pitchFamily="34" charset="0"/>
               <a:buChar char="•"/>
             </a:pPr>
-            <a:endParaRPr lang="en-US" sz="3600" dirty="0" smtClean="0">
-              <a:latin typeface="Arial"/>
-              <a:cs typeface="Arial"/>
-            </a:endParaRPr>
-          </a:p>
-          <a:p>
-            <a:pPr>
-              <a:buFont typeface="Arial" pitchFamily="34" charset="0"/>
-              <a:buChar char="•"/>
-            </a:pPr>
-            <a:r>
-              <a:rPr lang="en-US" sz="3600" dirty="0" smtClean="0">
+            <a:endParaRPr lang="en-US" sz="3600" dirty="0">
+              <a:latin typeface="Arial"/>
+              <a:cs typeface="Arial"/>
+            </a:endParaRPr>
+          </a:p>
+          <a:p>
+            <a:pPr>
+              <a:buFont typeface="Arial" pitchFamily="34" charset="0"/>
+              <a:buChar char="•"/>
+            </a:pPr>
+            <a:r>
+              <a:rPr lang="en-US" sz="3600" dirty="0">
                 <a:latin typeface="Arial"/>
                 <a:cs typeface="Arial"/>
               </a:rPr>
@@ -2271,7 +2327,7 @@
               <a:buChar char="•"/>
             </a:pPr>
             <a:r>
-              <a:rPr lang="en-US" sz="3600" dirty="0" smtClean="0">
+              <a:rPr lang="en-US" sz="3600" dirty="0">
                 <a:latin typeface="Arial"/>
                 <a:cs typeface="Arial"/>
               </a:rPr>
@@ -2283,125 +2339,121 @@
               <a:buFont typeface="Arial" pitchFamily="34" charset="0"/>
               <a:buChar char="•"/>
             </a:pPr>
-            <a:endParaRPr lang="en-US" sz="3600" dirty="0" smtClean="0">
-              <a:latin typeface="Arial"/>
-              <a:cs typeface="Arial"/>
-            </a:endParaRPr>
-          </a:p>
-          <a:p>
-            <a:pPr>
-              <a:buFont typeface="Arial" pitchFamily="34" charset="0"/>
-              <a:buChar char="•"/>
-            </a:pPr>
-            <a:endParaRPr lang="en-US" sz="3600" dirty="0" smtClean="0">
-              <a:latin typeface="Arial"/>
-              <a:cs typeface="Arial"/>
-            </a:endParaRPr>
-          </a:p>
-          <a:p>
-            <a:pPr>
-              <a:buFont typeface="Arial" pitchFamily="34" charset="0"/>
-              <a:buChar char="•"/>
-            </a:pPr>
-            <a:endParaRPr lang="en-US" sz="3600" dirty="0" smtClean="0">
-              <a:latin typeface="Arial"/>
-              <a:cs typeface="Arial"/>
-            </a:endParaRPr>
-          </a:p>
-          <a:p>
-            <a:pPr>
-              <a:buFont typeface="Arial" pitchFamily="34" charset="0"/>
-              <a:buChar char="•"/>
-            </a:pPr>
-            <a:endParaRPr lang="en-US" sz="3600" dirty="0" smtClean="0">
-              <a:latin typeface="Arial"/>
-              <a:cs typeface="Arial"/>
-            </a:endParaRPr>
-          </a:p>
-          <a:p>
-            <a:pPr>
-              <a:buFont typeface="Arial" pitchFamily="34" charset="0"/>
-              <a:buChar char="•"/>
-            </a:pPr>
-            <a:r>
-              <a:rPr lang="en-US" sz="3600" dirty="0" smtClean="0">
+            <a:endParaRPr lang="en-US" sz="3600" dirty="0">
+              <a:latin typeface="Arial"/>
+              <a:cs typeface="Arial"/>
+            </a:endParaRPr>
+          </a:p>
+          <a:p>
+            <a:pPr>
+              <a:buFont typeface="Arial" pitchFamily="34" charset="0"/>
+              <a:buChar char="•"/>
+            </a:pPr>
+            <a:endParaRPr lang="en-US" sz="3600" dirty="0">
+              <a:latin typeface="Arial"/>
+              <a:cs typeface="Arial"/>
+            </a:endParaRPr>
+          </a:p>
+          <a:p>
+            <a:pPr>
+              <a:buFont typeface="Arial" pitchFamily="34" charset="0"/>
+              <a:buChar char="•"/>
+            </a:pPr>
+            <a:endParaRPr lang="en-US" sz="3600" dirty="0">
+              <a:latin typeface="Arial"/>
+              <a:cs typeface="Arial"/>
+            </a:endParaRPr>
+          </a:p>
+          <a:p>
+            <a:pPr>
+              <a:buFont typeface="Arial" pitchFamily="34" charset="0"/>
+              <a:buChar char="•"/>
+            </a:pPr>
+            <a:endParaRPr lang="en-US" sz="3600" dirty="0">
+              <a:latin typeface="Arial"/>
+              <a:cs typeface="Arial"/>
+            </a:endParaRPr>
+          </a:p>
+          <a:p>
+            <a:pPr>
+              <a:buFont typeface="Arial" pitchFamily="34" charset="0"/>
+              <a:buChar char="•"/>
+            </a:pPr>
+            <a:r>
+              <a:rPr lang="en-US" sz="3600" dirty="0">
                 <a:latin typeface="Arial"/>
                 <a:cs typeface="Arial"/>
               </a:rPr>
               <a:t>Easy selection of TAs for specific courses</a:t>
             </a:r>
-            <a:endParaRPr lang="en-US" sz="3600" dirty="0" smtClean="0">
-              <a:latin typeface="Arial"/>
-              <a:cs typeface="Arial"/>
-            </a:endParaRPr>
-          </a:p>
-          <a:p>
-            <a:pPr>
-              <a:buFont typeface="Arial" pitchFamily="34" charset="0"/>
-              <a:buChar char="•"/>
-            </a:pPr>
-            <a:endParaRPr lang="en-US" sz="3600" dirty="0" smtClean="0">
-              <a:latin typeface="Arial"/>
-              <a:cs typeface="Arial"/>
-            </a:endParaRPr>
-          </a:p>
-          <a:p>
-            <a:pPr>
-              <a:buFont typeface="Arial" pitchFamily="34" charset="0"/>
-              <a:buChar char="•"/>
-            </a:pPr>
-            <a:endParaRPr lang="en-US" sz="3600" dirty="0" smtClean="0">
-              <a:latin typeface="Arial"/>
-              <a:cs typeface="Arial"/>
-            </a:endParaRPr>
-          </a:p>
-          <a:p>
-            <a:pPr>
-              <a:buFont typeface="Arial" pitchFamily="34" charset="0"/>
-              <a:buChar char="•"/>
-            </a:pPr>
-            <a:endParaRPr lang="en-US" sz="3600" dirty="0" smtClean="0">
-              <a:latin typeface="Arial"/>
-              <a:cs typeface="Arial"/>
-            </a:endParaRPr>
-          </a:p>
-          <a:p>
-            <a:pPr>
-              <a:buFont typeface="Arial" pitchFamily="34" charset="0"/>
-              <a:buChar char="•"/>
-            </a:pPr>
-            <a:endParaRPr lang="en-US" sz="3600" dirty="0" smtClean="0">
-              <a:latin typeface="Arial"/>
-              <a:cs typeface="Arial"/>
-            </a:endParaRPr>
-          </a:p>
-          <a:p>
-            <a:pPr>
-              <a:buFont typeface="Arial" pitchFamily="34" charset="0"/>
-              <a:buChar char="•"/>
-            </a:pPr>
-            <a:endParaRPr lang="en-US" sz="3600" dirty="0" smtClean="0">
-              <a:latin typeface="Arial"/>
-              <a:cs typeface="Arial"/>
-            </a:endParaRPr>
-          </a:p>
-          <a:p>
-            <a:pPr>
-              <a:buFont typeface="Arial" pitchFamily="34" charset="0"/>
-              <a:buChar char="•"/>
-            </a:pPr>
-            <a:endParaRPr lang="en-US" sz="3600" dirty="0" smtClean="0">
-              <a:latin typeface="Arial"/>
-              <a:cs typeface="Arial"/>
-            </a:endParaRPr>
-          </a:p>
-          <a:p>
-            <a:pPr>
-              <a:buFont typeface="Arial" pitchFamily="34" charset="0"/>
-              <a:buChar char="•"/>
-            </a:pPr>
-            <a:r>
-              <a:rPr lang="en-US" sz="3600" dirty="0" smtClean="0">
+          </a:p>
+          <a:p>
+            <a:pPr>
+              <a:buFont typeface="Arial" pitchFamily="34" charset="0"/>
+              <a:buChar char="•"/>
+            </a:pPr>
+            <a:endParaRPr lang="en-US" sz="3600" dirty="0">
+              <a:latin typeface="Arial"/>
+              <a:cs typeface="Arial"/>
+            </a:endParaRPr>
+          </a:p>
+          <a:p>
+            <a:pPr>
+              <a:buFont typeface="Arial" pitchFamily="34" charset="0"/>
+              <a:buChar char="•"/>
+            </a:pPr>
+            <a:endParaRPr lang="en-US" sz="3600" dirty="0">
+              <a:latin typeface="Arial"/>
+              <a:cs typeface="Arial"/>
+            </a:endParaRPr>
+          </a:p>
+          <a:p>
+            <a:pPr>
+              <a:buFont typeface="Arial" pitchFamily="34" charset="0"/>
+              <a:buChar char="•"/>
+            </a:pPr>
+            <a:endParaRPr lang="en-US" sz="3600" dirty="0">
+              <a:latin typeface="Arial"/>
+              <a:cs typeface="Arial"/>
+            </a:endParaRPr>
+          </a:p>
+          <a:p>
+            <a:pPr>
+              <a:buFont typeface="Arial" pitchFamily="34" charset="0"/>
+              <a:buChar char="•"/>
+            </a:pPr>
+            <a:endParaRPr lang="en-US" sz="3600" dirty="0">
+              <a:latin typeface="Arial"/>
+              <a:cs typeface="Arial"/>
+            </a:endParaRPr>
+          </a:p>
+          <a:p>
+            <a:pPr>
+              <a:buFont typeface="Arial" pitchFamily="34" charset="0"/>
+              <a:buChar char="•"/>
+            </a:pPr>
+            <a:endParaRPr lang="en-US" sz="3600" dirty="0">
+              <a:latin typeface="Arial"/>
+              <a:cs typeface="Arial"/>
+            </a:endParaRPr>
+          </a:p>
+          <a:p>
+            <a:pPr>
+              <a:buFont typeface="Arial" pitchFamily="34" charset="0"/>
+              <a:buChar char="•"/>
+            </a:pPr>
+            <a:endParaRPr lang="en-US" sz="3600" dirty="0">
+              <a:latin typeface="Arial"/>
+              <a:cs typeface="Arial"/>
+            </a:endParaRPr>
+          </a:p>
+          <a:p>
+            <a:pPr>
+              <a:buFont typeface="Arial" pitchFamily="34" charset="0"/>
+              <a:buChar char="•"/>
+            </a:pPr>
+            <a:r>
+              <a:rPr lang="en-US" sz="3600" dirty="0">
                 <a:latin typeface="Arial"/>
                 <a:cs typeface="Arial"/>
               </a:rPr>
@@ -2414,74 +2466,70 @@
               <a:buChar char="•"/>
             </a:pPr>
             <a:r>
-              <a:rPr lang="en-US" sz="3600" dirty="0" smtClean="0">
+              <a:rPr lang="en-US" sz="3600" dirty="0">
                 <a:latin typeface="Arial"/>
                 <a:cs typeface="Arial"/>
               </a:rPr>
               <a:t>Store course information</a:t>
             </a:r>
-            <a:endParaRPr lang="en-US" sz="3600" dirty="0" smtClean="0">
-              <a:latin typeface="Arial"/>
-              <a:cs typeface="Arial"/>
-            </a:endParaRPr>
-          </a:p>
-          <a:p>
-            <a:pPr>
-              <a:buFont typeface="Arial" pitchFamily="34" charset="0"/>
-              <a:buChar char="•"/>
-            </a:pPr>
-            <a:endParaRPr lang="en-US" sz="3600" dirty="0" smtClean="0">
-              <a:latin typeface="Arial"/>
-              <a:cs typeface="Arial"/>
-            </a:endParaRPr>
-          </a:p>
-          <a:p>
-            <a:pPr>
-              <a:buFont typeface="Arial" pitchFamily="34" charset="0"/>
-              <a:buChar char="•"/>
-            </a:pPr>
-            <a:endParaRPr lang="en-US" sz="3600" dirty="0" smtClean="0">
-              <a:latin typeface="Arial"/>
-              <a:cs typeface="Arial"/>
-            </a:endParaRPr>
-          </a:p>
-          <a:p>
-            <a:pPr>
-              <a:buFont typeface="Arial" pitchFamily="34" charset="0"/>
-              <a:buChar char="•"/>
-            </a:pPr>
-            <a:endParaRPr lang="en-US" sz="3600" dirty="0" smtClean="0">
-              <a:latin typeface="Arial"/>
-              <a:cs typeface="Arial"/>
-            </a:endParaRPr>
-          </a:p>
-          <a:p>
-            <a:pPr>
-              <a:buFont typeface="Arial" pitchFamily="34" charset="0"/>
-              <a:buChar char="•"/>
-            </a:pPr>
-            <a:endParaRPr lang="en-US" sz="3600" dirty="0" smtClean="0">
-              <a:latin typeface="Arial"/>
-              <a:cs typeface="Arial"/>
-            </a:endParaRPr>
-          </a:p>
-          <a:p>
-            <a:pPr>
-              <a:buFont typeface="Arial" pitchFamily="34" charset="0"/>
-              <a:buChar char="•"/>
-            </a:pPr>
-            <a:endParaRPr lang="en-US" sz="3600" dirty="0" smtClean="0">
-              <a:latin typeface="Arial"/>
-              <a:cs typeface="Arial"/>
-            </a:endParaRPr>
-          </a:p>
-          <a:p>
-            <a:pPr>
-              <a:buFont typeface="Arial" pitchFamily="34" charset="0"/>
-              <a:buChar char="•"/>
-            </a:pPr>
-            <a:r>
-              <a:rPr lang="en-US" sz="3600" dirty="0" smtClean="0">
+          </a:p>
+          <a:p>
+            <a:pPr>
+              <a:buFont typeface="Arial" pitchFamily="34" charset="0"/>
+              <a:buChar char="•"/>
+            </a:pPr>
+            <a:endParaRPr lang="en-US" sz="3600" dirty="0">
+              <a:latin typeface="Arial"/>
+              <a:cs typeface="Arial"/>
+            </a:endParaRPr>
+          </a:p>
+          <a:p>
+            <a:pPr>
+              <a:buFont typeface="Arial" pitchFamily="34" charset="0"/>
+              <a:buChar char="•"/>
+            </a:pPr>
+            <a:endParaRPr lang="en-US" sz="3600" dirty="0">
+              <a:latin typeface="Arial"/>
+              <a:cs typeface="Arial"/>
+            </a:endParaRPr>
+          </a:p>
+          <a:p>
+            <a:pPr>
+              <a:buFont typeface="Arial" pitchFamily="34" charset="0"/>
+              <a:buChar char="•"/>
+            </a:pPr>
+            <a:endParaRPr lang="en-US" sz="3600" dirty="0">
+              <a:latin typeface="Arial"/>
+              <a:cs typeface="Arial"/>
+            </a:endParaRPr>
+          </a:p>
+          <a:p>
+            <a:pPr>
+              <a:buFont typeface="Arial" pitchFamily="34" charset="0"/>
+              <a:buChar char="•"/>
+            </a:pPr>
+            <a:endParaRPr lang="en-US" sz="3600" dirty="0">
+              <a:latin typeface="Arial"/>
+              <a:cs typeface="Arial"/>
+            </a:endParaRPr>
+          </a:p>
+          <a:p>
+            <a:pPr>
+              <a:buFont typeface="Arial" pitchFamily="34" charset="0"/>
+              <a:buChar char="•"/>
+            </a:pPr>
+            <a:endParaRPr lang="en-US" sz="3600" dirty="0">
+              <a:latin typeface="Arial"/>
+              <a:cs typeface="Arial"/>
+            </a:endParaRPr>
+          </a:p>
+          <a:p>
+            <a:pPr>
+              <a:buFont typeface="Arial" pitchFamily="34" charset="0"/>
+              <a:buChar char="•"/>
+            </a:pPr>
+            <a:r>
+              <a:rPr lang="en-US" sz="3600" dirty="0">
                 <a:latin typeface="Arial"/>
                 <a:cs typeface="Arial"/>
               </a:rPr>
@@ -2494,23 +2542,12 @@
               <a:buChar char="•"/>
             </a:pPr>
             <a:r>
-              <a:rPr lang="en-US" sz="3600" dirty="0" smtClean="0">
-                <a:latin typeface="Arial"/>
-                <a:cs typeface="Arial"/>
-              </a:rPr>
-              <a:t>Clear communication of assigned </a:t>
-            </a:r>
-            <a:r>
-              <a:rPr lang="en-US" sz="3600" dirty="0" smtClean="0">
-                <a:latin typeface="Arial"/>
-                <a:cs typeface="Arial"/>
-              </a:rPr>
-              <a:t>work</a:t>
-            </a:r>
-            <a:endParaRPr lang="en-US" sz="3600" dirty="0" smtClean="0">
-              <a:latin typeface="Arial"/>
-              <a:cs typeface="Arial"/>
-            </a:endParaRPr>
+              <a:rPr lang="en-US" sz="3600" dirty="0">
+                <a:latin typeface="Arial"/>
+                <a:cs typeface="Arial"/>
+              </a:rPr>
+              <a:t>Clear communication of assigned work</a:t>
+            </a:r>
           </a:p>
           <a:p>
             <a:pPr>
@@ -2721,7 +2758,7 @@
           <p:cNvPr id="69" name="Straight Connector 68">
             <a:extLst>
               <a:ext uri="{FF2B5EF4-FFF2-40B4-BE49-F238E27FC236}">
-                <a16:creationId xmlns:a16="http://schemas.microsoft.com/office/drawing/2014/main" xmlns="" id="{F07ABC8A-B74D-4D01-862B-7356E3713D24}"/>
+                <a16:creationId xmlns:a16="http://schemas.microsoft.com/office/drawing/2014/main" id="{F07ABC8A-B74D-4D01-862B-7356E3713D24}"/>
               </a:ext>
             </a:extLst>
           </p:cNvPr>
@@ -2763,7 +2800,7 @@
           <p:cNvPr id="70" name="Straight Connector 69">
             <a:extLst>
               <a:ext uri="{FF2B5EF4-FFF2-40B4-BE49-F238E27FC236}">
-                <a16:creationId xmlns:a16="http://schemas.microsoft.com/office/drawing/2014/main" xmlns="" id="{F07ABC8A-B74D-4D01-862B-7356E3713D24}"/>
+                <a16:creationId xmlns:a16="http://schemas.microsoft.com/office/drawing/2014/main" id="{F07ABC8A-B74D-4D01-862B-7356E3713D24}"/>
               </a:ext>
             </a:extLst>
           </p:cNvPr>
@@ -2805,7 +2842,7 @@
           <p:cNvPr id="71" name="Straight Connector 70">
             <a:extLst>
               <a:ext uri="{FF2B5EF4-FFF2-40B4-BE49-F238E27FC236}">
-                <a16:creationId xmlns:a16="http://schemas.microsoft.com/office/drawing/2014/main" xmlns="" id="{F07ABC8A-B74D-4D01-862B-7356E3713D24}"/>
+                <a16:creationId xmlns:a16="http://schemas.microsoft.com/office/drawing/2014/main" id="{F07ABC8A-B74D-4D01-862B-7356E3713D24}"/>
               </a:ext>
             </a:extLst>
           </p:cNvPr>
@@ -3165,7 +3202,7 @@
     </p:spTree>
     <p:extLst>
       <p:ext uri="{BB962C8B-B14F-4D97-AF65-F5344CB8AC3E}">
-        <p14:creationId xmlns:p14="http://schemas.microsoft.com/office/powerpoint/2010/main" xmlns="" val="11819390"/>
+        <p14:creationId xmlns:p14="http://schemas.microsoft.com/office/powerpoint/2010/main" val="11819390"/>
       </p:ext>
     </p:extLst>
   </p:cSld>
@@ -3430,7 +3467,7 @@
   <a:extraClrSchemeLst/>
   <a:extLst>
     <a:ext uri="{05A4C25C-085E-4340-85A3-A5531E510DB2}">
-      <thm15:themeFamily xmlns:thm15="http://schemas.microsoft.com/office/thememl/2012/main" xmlns="" name="Office Theme" id="{62F939B6-93AF-4DB8-9C6B-D6C7DFDC589F}" vid="{4A3C46E8-61CC-4603-A589-7422A47A8E4A}"/>
+      <thm15:themeFamily xmlns:thm15="http://schemas.microsoft.com/office/thememl/2012/main" name="Office Theme" id="{62F939B6-93AF-4DB8-9C6B-D6C7DFDC589F}" vid="{4A3C46E8-61CC-4603-A589-7422A47A8E4A}"/>
     </a:ext>
   </a:extLst>
 </a:theme>

--- a/Documentation/ProjectDescription/Poster/CS-313TAMS-PosterDraft.pptx
+++ b/Documentation/ProjectDescription/Poster/CS-313TAMS-PosterDraft.pptx
@@ -943,8 +943,8 @@
         </p:nvSpPr>
         <p:spPr>
           <a:xfrm>
-            <a:off x="13932457" y="6454907"/>
-            <a:ext cx="12576904" cy="3600986"/>
+            <a:off x="1419594" y="12377243"/>
+            <a:ext cx="11946213" cy="3600986"/>
           </a:xfrm>
           <a:prstGeom prst="rect">
             <a:avLst/>
@@ -1038,14 +1038,14 @@
       </p:sp>
       <p:sp>
         <p:nvSpPr>
-          <p:cNvPr id="9" name="TextBox 8"/>
+          <p:cNvPr id="13" name="TextBox 12"/>
           <p:cNvSpPr txBox="1"/>
           <p:nvPr/>
         </p:nvSpPr>
         <p:spPr>
           <a:xfrm>
-            <a:off x="27196555" y="6371175"/>
-            <a:ext cx="13553885" cy="3600986"/>
+            <a:off x="3140755" y="2691962"/>
+            <a:ext cx="37609689" cy="3447098"/>
           </a:xfrm>
           <a:prstGeom prst="rect">
             <a:avLst/>
@@ -1059,225 +1059,6 @@
           <a:lstStyle/>
           <a:p>
             <a:r>
-              <a:rPr lang="en-US" sz="4800" b="1" dirty="0">
-                <a:ln>
-                  <a:noFill/>
-                  <a:prstDash val="dot"/>
-                </a:ln>
-                <a:latin typeface="Arial"/>
-                <a:cs typeface="Arial"/>
-              </a:rPr>
-              <a:t>Technology Stack</a:t>
-            </a:r>
-          </a:p>
-          <a:p>
-            <a:pPr>
-              <a:buFont typeface="Arial" pitchFamily="34" charset="0"/>
-              <a:buChar char="•"/>
-            </a:pPr>
-            <a:r>
-              <a:rPr lang="en-US" sz="3600" dirty="0">
-                <a:ln>
-                  <a:noFill/>
-                  <a:prstDash val="dot"/>
-                </a:ln>
-                <a:latin typeface="Arial"/>
-                <a:cs typeface="Arial"/>
-              </a:rPr>
-              <a:t>MySQL Database: Stores course and TA information</a:t>
-            </a:r>
-          </a:p>
-          <a:p>
-            <a:pPr>
-              <a:buFont typeface="Arial" pitchFamily="34" charset="0"/>
-              <a:buChar char="•"/>
-            </a:pPr>
-            <a:r>
-              <a:rPr lang="en-US" sz="3600" dirty="0">
-                <a:ln>
-                  <a:noFill/>
-                  <a:prstDash val="dot"/>
-                </a:ln>
-                <a:latin typeface="Arial"/>
-                <a:cs typeface="Arial"/>
-              </a:rPr>
-              <a:t>Angular: backend</a:t>
-            </a:r>
-          </a:p>
-          <a:p>
-            <a:pPr>
-              <a:buFont typeface="Arial" pitchFamily="34" charset="0"/>
-              <a:buChar char="•"/>
-            </a:pPr>
-            <a:r>
-              <a:rPr lang="en-US" sz="3600" dirty="0" err="1">
-                <a:ln>
-                  <a:noFill/>
-                  <a:prstDash val="dot"/>
-                </a:ln>
-                <a:latin typeface="Arial"/>
-                <a:cs typeface="Arial"/>
-              </a:rPr>
-              <a:t>Jhispter</a:t>
-            </a:r>
-            <a:r>
-              <a:rPr lang="en-US" sz="3600" dirty="0">
-                <a:ln>
-                  <a:noFill/>
-                  <a:prstDash val="dot"/>
-                </a:ln>
-                <a:latin typeface="Arial"/>
-                <a:cs typeface="Arial"/>
-              </a:rPr>
-              <a:t>:</a:t>
-            </a:r>
-          </a:p>
-          <a:p>
-            <a:pPr>
-              <a:buFont typeface="Arial" pitchFamily="34" charset="0"/>
-              <a:buChar char="•"/>
-            </a:pPr>
-            <a:r>
-              <a:rPr lang="en-US" sz="3600" dirty="0">
-                <a:ln>
-                  <a:noFill/>
-                  <a:prstDash val="dot"/>
-                </a:ln>
-                <a:latin typeface="Arial"/>
-                <a:cs typeface="Arial"/>
-              </a:rPr>
-              <a:t>NodeJS: Packages</a:t>
-            </a:r>
-          </a:p>
-          <a:p>
-            <a:pPr>
-              <a:buFont typeface="Arial" pitchFamily="34" charset="0"/>
-              <a:buChar char="•"/>
-            </a:pPr>
-            <a:r>
-              <a:rPr lang="en-US" sz="3600" dirty="0" err="1">
-                <a:ln>
-                  <a:noFill/>
-                  <a:prstDash val="dot"/>
-                </a:ln>
-                <a:latin typeface="Arial"/>
-                <a:cs typeface="Arial"/>
-              </a:rPr>
-              <a:t>Mailgun</a:t>
-            </a:r>
-            <a:r>
-              <a:rPr lang="en-US" sz="3600" dirty="0">
-                <a:ln>
-                  <a:noFill/>
-                  <a:prstDash val="dot"/>
-                </a:ln>
-                <a:latin typeface="Arial"/>
-                <a:cs typeface="Arial"/>
-              </a:rPr>
-              <a:t>: </a:t>
-            </a:r>
-          </a:p>
-        </p:txBody>
-      </p:sp>
-      <p:cxnSp>
-        <p:nvCxnSpPr>
-          <p:cNvPr id="10" name="Straight Connector 9"/>
-          <p:cNvCxnSpPr>
-            <a:cxnSpLocks/>
-          </p:cNvCxnSpPr>
-          <p:nvPr/>
-        </p:nvCxnSpPr>
-        <p:spPr>
-          <a:xfrm>
-            <a:off x="13245262" y="6139060"/>
-            <a:ext cx="0" cy="20770426"/>
-          </a:xfrm>
-          <a:prstGeom prst="line">
-            <a:avLst/>
-          </a:prstGeom>
-          <a:ln>
-            <a:solidFill>
-              <a:srgbClr val="000000"/>
-            </a:solidFill>
-            <a:prstDash val="dot"/>
-          </a:ln>
-        </p:spPr>
-        <p:style>
-          <a:lnRef idx="2">
-            <a:schemeClr val="accent1"/>
-          </a:lnRef>
-          <a:fillRef idx="0">
-            <a:schemeClr val="accent1"/>
-          </a:fillRef>
-          <a:effectRef idx="1">
-            <a:schemeClr val="accent1"/>
-          </a:effectRef>
-          <a:fontRef idx="minor">
-            <a:schemeClr val="tx1"/>
-          </a:fontRef>
-        </p:style>
-      </p:cxnSp>
-      <p:cxnSp>
-        <p:nvCxnSpPr>
-          <p:cNvPr id="11" name="Straight Connector 10"/>
-          <p:cNvCxnSpPr>
-            <a:cxnSpLocks/>
-          </p:cNvCxnSpPr>
-          <p:nvPr/>
-        </p:nvCxnSpPr>
-        <p:spPr>
-          <a:xfrm>
-            <a:off x="26561737" y="6139060"/>
-            <a:ext cx="0" cy="22820758"/>
-          </a:xfrm>
-          <a:prstGeom prst="line">
-            <a:avLst/>
-          </a:prstGeom>
-          <a:ln>
-            <a:solidFill>
-              <a:srgbClr val="000000"/>
-            </a:solidFill>
-            <a:prstDash val="dot"/>
-          </a:ln>
-        </p:spPr>
-        <p:style>
-          <a:lnRef idx="2">
-            <a:schemeClr val="accent1"/>
-          </a:lnRef>
-          <a:fillRef idx="0">
-            <a:schemeClr val="accent1"/>
-          </a:fillRef>
-          <a:effectRef idx="1">
-            <a:schemeClr val="accent1"/>
-          </a:effectRef>
-          <a:fontRef idx="minor">
-            <a:schemeClr val="tx1"/>
-          </a:fontRef>
-        </p:style>
-      </p:cxnSp>
-      <p:sp>
-        <p:nvSpPr>
-          <p:cNvPr id="13" name="TextBox 12"/>
-          <p:cNvSpPr txBox="1"/>
-          <p:nvPr/>
-        </p:nvSpPr>
-        <p:spPr>
-          <a:xfrm>
-            <a:off x="3140755" y="2691962"/>
-            <a:ext cx="37609689" cy="3447098"/>
-          </a:xfrm>
-          <a:prstGeom prst="rect">
-            <a:avLst/>
-          </a:prstGeom>
-          <a:noFill/>
-        </p:spPr>
-        <p:txBody>
-          <a:bodyPr wrap="square" rtlCol="0">
-            <a:spAutoFit/>
-          </a:bodyPr>
-          <a:lstStyle/>
-          <a:p>
-            <a:r>
               <a:rPr lang="en-US" sz="11000" b="1" dirty="0">
                 <a:latin typeface="Arial"/>
                 <a:cs typeface="Arial"/>
@@ -1411,42 +1192,6 @@
           </a:p>
         </p:txBody>
       </p:sp>
-      <p:cxnSp>
-        <p:nvCxnSpPr>
-          <p:cNvPr id="14" name="Straight Connector 13"/>
-          <p:cNvCxnSpPr/>
-          <p:nvPr/>
-        </p:nvCxnSpPr>
-        <p:spPr>
-          <a:xfrm>
-            <a:off x="3140755" y="6139060"/>
-            <a:ext cx="37609689" cy="0"/>
-          </a:xfrm>
-          <a:prstGeom prst="line">
-            <a:avLst/>
-          </a:prstGeom>
-          <a:ln>
-            <a:solidFill>
-              <a:srgbClr val="3C3C3B"/>
-            </a:solidFill>
-            <a:prstDash val="dot"/>
-          </a:ln>
-        </p:spPr>
-        <p:style>
-          <a:lnRef idx="2">
-            <a:schemeClr val="accent1"/>
-          </a:lnRef>
-          <a:fillRef idx="0">
-            <a:schemeClr val="accent1"/>
-          </a:fillRef>
-          <a:effectRef idx="1">
-            <a:schemeClr val="accent1"/>
-          </a:effectRef>
-          <a:fontRef idx="minor">
-            <a:schemeClr val="tx1"/>
-          </a:fontRef>
-        </p:style>
-      </p:cxnSp>
       <p:sp>
         <p:nvSpPr>
           <p:cNvPr id="15" name="TextBox 14"/>
@@ -1485,7 +1230,7 @@
       </p:sp>
       <p:pic>
         <p:nvPicPr>
-          <p:cNvPr id="1026" name="Picture 2" descr="https://upload.wikimedia.org/wikipedia/commons/thumb/d/d9/Node.js_logo.svg/1200px-Node.js_logo.svg.png"/>
+          <p:cNvPr id="1028" name="Picture 4" descr="https://upload.wikimedia.org/wikipedia/commons/thumb/c/cf/Angular_full_color_logo.svg/1200px-Angular_full_color_logo.svg.png"/>
           <p:cNvPicPr>
             <a:picLocks noChangeAspect="1" noChangeArrowheads="1"/>
           </p:cNvPicPr>
@@ -1500,8 +1245,8 @@
         </p:blipFill>
         <p:spPr bwMode="auto">
           <a:xfrm>
-            <a:off x="35445034" y="23428123"/>
-            <a:ext cx="5305410" cy="3245143"/>
+            <a:off x="31071634" y="26291657"/>
+            <a:ext cx="2798455" cy="2798455"/>
           </a:xfrm>
           <a:prstGeom prst="rect">
             <a:avLst/>
@@ -1511,7 +1256,7 @@
       </p:pic>
       <p:pic>
         <p:nvPicPr>
-          <p:cNvPr id="1028" name="Picture 4" descr="https://upload.wikimedia.org/wikipedia/commons/thumb/c/cf/Angular_full_color_logo.svg/1200px-Angular_full_color_logo.svg.png"/>
+          <p:cNvPr id="2" name="Picture 2" descr="https://cdn.freebiesupply.com/logos/large/2x/mysql-logo-png-transparent.png"/>
           <p:cNvPicPr>
             <a:picLocks noChangeAspect="1" noChangeArrowheads="1"/>
           </p:cNvPicPr>
@@ -1526,8 +1271,8 @@
         </p:blipFill>
         <p:spPr bwMode="auto">
           <a:xfrm>
-            <a:off x="32050053" y="25050695"/>
-            <a:ext cx="4051738" cy="4051738"/>
+            <a:off x="38911692" y="25773741"/>
+            <a:ext cx="4971778" cy="3447099"/>
           </a:xfrm>
           <a:prstGeom prst="rect">
             <a:avLst/>
@@ -1537,7 +1282,7 @@
       </p:pic>
       <p:pic>
         <p:nvPicPr>
-          <p:cNvPr id="2" name="Picture 2" descr="https://cdn.freebiesupply.com/logos/large/2x/mysql-logo-png-transparent.png"/>
+          <p:cNvPr id="3" name="Picture 4" descr="https://upload.wikimedia.org/wikipedia/commons/5/56/JHipster-logo.png"/>
           <p:cNvPicPr>
             <a:picLocks noChangeAspect="1" noChangeArrowheads="1"/>
           </p:cNvPicPr>
@@ -1552,34 +1297,8 @@
         </p:blipFill>
         <p:spPr bwMode="auto">
           <a:xfrm>
-            <a:off x="36584938" y="24060794"/>
-            <a:ext cx="8217379" cy="5697383"/>
-          </a:xfrm>
-          <a:prstGeom prst="rect">
-            <a:avLst/>
-          </a:prstGeom>
-          <a:noFill/>
-        </p:spPr>
-      </p:pic>
-      <p:pic>
-        <p:nvPicPr>
-          <p:cNvPr id="3" name="Picture 4" descr="https://upload.wikimedia.org/wikipedia/commons/5/56/JHipster-logo.png"/>
-          <p:cNvPicPr>
-            <a:picLocks noChangeAspect="1" noChangeArrowheads="1"/>
-          </p:cNvPicPr>
-          <p:nvPr/>
-        </p:nvPicPr>
-        <p:blipFill>
-          <a:blip r:embed="rId7"/>
-          <a:srcRect/>
-          <a:stretch>
-            <a:fillRect/>
-          </a:stretch>
-        </p:blipFill>
-        <p:spPr bwMode="auto">
-          <a:xfrm>
-            <a:off x="28310224" y="25360178"/>
-            <a:ext cx="2784020" cy="3543300"/>
+            <a:off x="29029789" y="26489995"/>
+            <a:ext cx="1955548" cy="2488881"/>
           </a:xfrm>
           <a:prstGeom prst="rect">
             <a:avLst/>
@@ -1602,45 +1321,15 @@
           <p:nvPr/>
         </p:nvPicPr>
         <p:blipFill>
-          <a:blip r:embed="rId8"/>
+          <a:blip r:embed="rId7"/>
           <a:stretch>
             <a:fillRect/>
           </a:stretch>
         </p:blipFill>
         <p:spPr>
           <a:xfrm>
-            <a:off x="36583272" y="11746982"/>
-            <a:ext cx="6620723" cy="2098770"/>
-          </a:xfrm>
-          <a:prstGeom prst="rect">
-            <a:avLst/>
-          </a:prstGeom>
-        </p:spPr>
-      </p:pic>
-      <p:pic>
-        <p:nvPicPr>
-          <p:cNvPr id="19" name="Picture 18" descr="A close up of a logo&#10;&#10;Description automatically generated">
-            <a:extLst>
-              <a:ext uri="{FF2B5EF4-FFF2-40B4-BE49-F238E27FC236}">
-                <a16:creationId xmlns:a16="http://schemas.microsoft.com/office/drawing/2014/main" id="{428F8D5A-B772-4124-AEBB-0A5869C3BCBA}"/>
-              </a:ext>
-            </a:extLst>
-          </p:cNvPr>
-          <p:cNvPicPr>
-            <a:picLocks noChangeAspect="1"/>
-          </p:cNvPicPr>
-          <p:nvPr/>
-        </p:nvPicPr>
-        <p:blipFill>
-          <a:blip r:embed="rId9"/>
-          <a:stretch>
-            <a:fillRect/>
-          </a:stretch>
-        </p:blipFill>
-        <p:spPr>
-          <a:xfrm>
-            <a:off x="37382488" y="18600821"/>
-            <a:ext cx="5821507" cy="3283330"/>
+            <a:off x="24321902" y="26992363"/>
+            <a:ext cx="4479669" cy="1759363"/>
           </a:xfrm>
           <a:prstGeom prst="rect">
             <a:avLst/>
@@ -1656,13 +1345,15 @@
               </a:ext>
             </a:extLst>
           </p:cNvPr>
-          <p:cNvCxnSpPr/>
+          <p:cNvCxnSpPr>
+            <a:cxnSpLocks/>
+          </p:cNvCxnSpPr>
           <p:nvPr/>
         </p:nvCxnSpPr>
         <p:spPr>
           <a:xfrm>
-            <a:off x="2683553" y="10486167"/>
-            <a:ext cx="37609689" cy="0"/>
+            <a:off x="14153322" y="7106863"/>
+            <a:ext cx="27312730" cy="0"/>
           </a:xfrm>
           <a:prstGeom prst="line">
             <a:avLst/>
@@ -1703,8 +1394,8 @@
         </p:nvSpPr>
         <p:spPr>
           <a:xfrm>
-            <a:off x="2075069" y="6454907"/>
-            <a:ext cx="10903471" cy="3600986"/>
+            <a:off x="1419594" y="7106863"/>
+            <a:ext cx="11946214" cy="3600986"/>
           </a:xfrm>
           <a:prstGeom prst="rect">
             <a:avLst/>
@@ -1796,835 +1487,231 @@
           </a:p>
         </p:txBody>
       </p:sp>
-      <p:sp>
-        <p:nvSpPr>
-          <p:cNvPr id="27" name="TextBox 26">
+      <p:grpSp>
+        <p:nvGrpSpPr>
+          <p:cNvPr id="12" name="Group 11">
             <a:extLst>
               <a:ext uri="{FF2B5EF4-FFF2-40B4-BE49-F238E27FC236}">
-                <a16:creationId xmlns:a16="http://schemas.microsoft.com/office/drawing/2014/main" id="{D1A05A63-B317-4B3D-8DCA-D3F579E68D0C}"/>
+                <a16:creationId xmlns:a16="http://schemas.microsoft.com/office/drawing/2014/main" id="{B5233F4A-78BF-4405-9AE7-17ACBA80F132}"/>
               </a:ext>
             </a:extLst>
           </p:cNvPr>
-          <p:cNvSpPr txBox="1"/>
-          <p:nvPr/>
-        </p:nvSpPr>
-        <p:spPr>
-          <a:xfrm>
-            <a:off x="2075069" y="10759460"/>
-            <a:ext cx="8457129" cy="15234940"/>
-          </a:xfrm>
-          <a:prstGeom prst="rect">
-            <a:avLst/>
-          </a:prstGeom>
-          <a:noFill/>
-        </p:spPr>
-        <p:txBody>
-          <a:bodyPr wrap="square" rtlCol="0">
-            <a:spAutoFit/>
-          </a:bodyPr>
-          <a:lstStyle/>
-          <a:p>
-            <a:r>
-              <a:rPr lang="en-US" sz="4800" b="1" dirty="0">
-                <a:latin typeface="Arial"/>
-                <a:cs typeface="Arial"/>
-              </a:rPr>
-              <a:t>Old Process</a:t>
-            </a:r>
-          </a:p>
-          <a:p>
-            <a:endParaRPr lang="en-US" sz="3600" b="1" dirty="0">
-              <a:latin typeface="Arial"/>
-              <a:cs typeface="Arial"/>
-            </a:endParaRPr>
-          </a:p>
-          <a:p>
-            <a:r>
-              <a:rPr lang="en-US" sz="3600" b="1" dirty="0">
-                <a:latin typeface="Arial"/>
-                <a:cs typeface="Arial"/>
-              </a:rPr>
-              <a:t>TA Recruitment</a:t>
-            </a:r>
-          </a:p>
-          <a:p>
-            <a:pPr>
-              <a:buFont typeface="Arial" pitchFamily="34" charset="0"/>
-              <a:buChar char="•"/>
-            </a:pPr>
-            <a:r>
-              <a:rPr lang="en-US" sz="3600" dirty="0">
-                <a:latin typeface="Arial"/>
-                <a:cs typeface="Arial"/>
-              </a:rPr>
-              <a:t>TA to student ratio low</a:t>
-            </a:r>
-          </a:p>
-          <a:p>
-            <a:pPr>
-              <a:buFont typeface="Arial" pitchFamily="34" charset="0"/>
-              <a:buChar char="•"/>
-            </a:pPr>
-            <a:r>
-              <a:rPr lang="en-US" sz="3600" dirty="0">
-                <a:latin typeface="Arial"/>
-                <a:cs typeface="Arial"/>
-              </a:rPr>
-              <a:t>Cluttered email chains</a:t>
-            </a:r>
-          </a:p>
-          <a:p>
-            <a:pPr>
-              <a:buFont typeface="Arial" pitchFamily="34" charset="0"/>
-              <a:buChar char="•"/>
-            </a:pPr>
-            <a:r>
-              <a:rPr lang="en-US" sz="3600" dirty="0">
-                <a:latin typeface="Arial"/>
-                <a:cs typeface="Arial"/>
-              </a:rPr>
-              <a:t>Poor communication</a:t>
-            </a:r>
-          </a:p>
-          <a:p>
-            <a:endParaRPr lang="en-US" sz="3600" dirty="0">
-              <a:latin typeface="Arial"/>
-              <a:cs typeface="Arial"/>
-            </a:endParaRPr>
-          </a:p>
-          <a:p>
-            <a:r>
-              <a:rPr lang="en-US" sz="3600" b="1" dirty="0">
-                <a:latin typeface="Arial"/>
-                <a:cs typeface="Arial"/>
-              </a:rPr>
-              <a:t>TA Class Matching</a:t>
-            </a:r>
-          </a:p>
-          <a:p>
-            <a:pPr>
-              <a:buFont typeface="Arial" pitchFamily="34" charset="0"/>
-              <a:buChar char="•"/>
-            </a:pPr>
-            <a:r>
-              <a:rPr lang="en-US" sz="3600" dirty="0">
-                <a:latin typeface="Arial"/>
-                <a:cs typeface="Arial"/>
-              </a:rPr>
-              <a:t>TAs assigned to classes that they are not suitable in assisting</a:t>
-            </a:r>
-          </a:p>
-          <a:p>
-            <a:pPr marL="571500" indent="-571500">
-              <a:buFont typeface="Arial" panose="020B0604020202020204" pitchFamily="34" charset="0"/>
-              <a:buChar char="•"/>
-            </a:pPr>
-            <a:endParaRPr lang="en-US" sz="3600" dirty="0">
-              <a:latin typeface="Arial"/>
-              <a:cs typeface="Arial"/>
-            </a:endParaRPr>
-          </a:p>
-          <a:p>
-            <a:endParaRPr lang="en-US" sz="3600" dirty="0">
-              <a:latin typeface="Arial"/>
-              <a:cs typeface="Arial"/>
-            </a:endParaRPr>
-          </a:p>
-          <a:p>
-            <a:endParaRPr lang="en-US" sz="3600" dirty="0">
-              <a:latin typeface="Arial"/>
-              <a:cs typeface="Arial"/>
-            </a:endParaRPr>
-          </a:p>
-          <a:p>
-            <a:endParaRPr lang="en-US" sz="3600" dirty="0">
-              <a:latin typeface="Arial"/>
-              <a:cs typeface="Arial"/>
-            </a:endParaRPr>
-          </a:p>
-          <a:p>
-            <a:endParaRPr lang="en-US" sz="3600" dirty="0">
-              <a:latin typeface="Arial"/>
-              <a:cs typeface="Arial"/>
-            </a:endParaRPr>
-          </a:p>
-          <a:p>
-            <a:r>
-              <a:rPr lang="en-US" sz="3600" b="1" dirty="0">
-                <a:latin typeface="Arial"/>
-                <a:cs typeface="Arial"/>
-              </a:rPr>
-              <a:t>TA Scheduling Information</a:t>
-            </a:r>
-          </a:p>
-          <a:p>
-            <a:pPr>
-              <a:buFont typeface="Arial" pitchFamily="34" charset="0"/>
-              <a:buChar char="•"/>
-            </a:pPr>
-            <a:r>
-              <a:rPr lang="en-US" sz="3600" dirty="0">
-                <a:latin typeface="Arial"/>
-                <a:cs typeface="Arial"/>
-              </a:rPr>
-              <a:t>No stored records of TAs information</a:t>
-            </a:r>
-          </a:p>
-          <a:p>
-            <a:pPr marL="571500" indent="-571500">
-              <a:buFont typeface="Arial" panose="020B0604020202020204" pitchFamily="34" charset="0"/>
-              <a:buChar char="•"/>
-            </a:pPr>
-            <a:endParaRPr lang="en-US" sz="3600" dirty="0">
-              <a:latin typeface="Arial"/>
-              <a:cs typeface="Arial"/>
-            </a:endParaRPr>
-          </a:p>
-          <a:p>
-            <a:endParaRPr lang="en-US" sz="3600" dirty="0">
-              <a:latin typeface="Arial"/>
-              <a:cs typeface="Arial"/>
-            </a:endParaRPr>
-          </a:p>
-          <a:p>
-            <a:endParaRPr lang="en-US" sz="3600" dirty="0">
-              <a:latin typeface="Arial"/>
-              <a:cs typeface="Arial"/>
-            </a:endParaRPr>
-          </a:p>
-          <a:p>
-            <a:endParaRPr lang="en-US" sz="3600" dirty="0">
-              <a:latin typeface="Arial"/>
-              <a:cs typeface="Arial"/>
-            </a:endParaRPr>
-          </a:p>
-          <a:p>
-            <a:endParaRPr lang="en-US" sz="3600" dirty="0">
-              <a:latin typeface="Arial"/>
-              <a:cs typeface="Arial"/>
-            </a:endParaRPr>
-          </a:p>
-          <a:p>
-            <a:r>
-              <a:rPr lang="en-US" sz="3600" b="1" dirty="0">
-                <a:latin typeface="Arial"/>
-                <a:cs typeface="Arial"/>
-              </a:rPr>
-              <a:t>TA Grading Assignment</a:t>
-            </a:r>
-          </a:p>
-          <a:p>
-            <a:pPr>
-              <a:buFont typeface="Arial" pitchFamily="34" charset="0"/>
-              <a:buChar char="•"/>
-            </a:pPr>
-            <a:r>
-              <a:rPr lang="en-US" sz="3600" dirty="0">
-                <a:latin typeface="Arial"/>
-                <a:cs typeface="Arial"/>
-              </a:rPr>
-              <a:t>Assignments sent with no confirmation</a:t>
-            </a:r>
-          </a:p>
-          <a:p>
-            <a:pPr marL="685800" indent="-685800">
-              <a:buFont typeface="Arial" panose="020B0604020202020204" pitchFamily="34" charset="0"/>
-              <a:buChar char="•"/>
-            </a:pPr>
-            <a:endParaRPr lang="en-US" sz="3600" dirty="0">
-              <a:latin typeface="Arial"/>
-              <a:cs typeface="Arial"/>
-            </a:endParaRPr>
-          </a:p>
-          <a:p>
-            <a:endParaRPr lang="en-US" sz="3600" dirty="0">
-              <a:latin typeface="Arial"/>
-              <a:cs typeface="Arial"/>
-            </a:endParaRPr>
-          </a:p>
-        </p:txBody>
-      </p:sp>
+          <p:cNvGrpSpPr/>
+          <p:nvPr/>
+        </p:nvGrpSpPr>
+        <p:grpSpPr>
+          <a:xfrm>
+            <a:off x="21640668" y="12781824"/>
+            <a:ext cx="5136696" cy="2315671"/>
+            <a:chOff x="7188556" y="12054934"/>
+            <a:chExt cx="5136696" cy="2315671"/>
+          </a:xfrm>
+        </p:grpSpPr>
+        <p:pic>
+          <p:nvPicPr>
+            <p:cNvPr id="22" name="Picture 4" descr="https://cdn4.iconfinder.com/data/icons/dot/256/email_mail_post_letter_stamp.png"/>
+            <p:cNvPicPr>
+              <a:picLocks noChangeAspect="1" noChangeArrowheads="1"/>
+            </p:cNvPicPr>
+            <p:nvPr/>
+          </p:nvPicPr>
+          <p:blipFill>
+            <a:blip r:embed="rId8"/>
+            <a:srcRect/>
+            <a:stretch>
+              <a:fillRect/>
+            </a:stretch>
+          </p:blipFill>
+          <p:spPr bwMode="auto">
+            <a:xfrm>
+              <a:off x="8970464" y="13356241"/>
+              <a:ext cx="776455" cy="776455"/>
+            </a:xfrm>
+            <a:prstGeom prst="rect">
+              <a:avLst/>
+            </a:prstGeom>
+            <a:noFill/>
+          </p:spPr>
+        </p:pic>
+        <p:pic>
+          <p:nvPicPr>
+            <p:cNvPr id="25" name="Picture 4" descr="https://cdn4.iconfinder.com/data/icons/dot/256/email_mail_post_letter_stamp.png"/>
+            <p:cNvPicPr>
+              <a:picLocks noChangeAspect="1" noChangeArrowheads="1"/>
+            </p:cNvPicPr>
+            <p:nvPr/>
+          </p:nvPicPr>
+          <p:blipFill>
+            <a:blip r:embed="rId8"/>
+            <a:srcRect/>
+            <a:stretch>
+              <a:fillRect/>
+            </a:stretch>
+          </p:blipFill>
+          <p:spPr bwMode="auto">
+            <a:xfrm>
+              <a:off x="9841228" y="12403255"/>
+              <a:ext cx="776455" cy="776455"/>
+            </a:xfrm>
+            <a:prstGeom prst="rect">
+              <a:avLst/>
+            </a:prstGeom>
+            <a:noFill/>
+          </p:spPr>
+        </p:pic>
+        <p:sp>
+          <p:nvSpPr>
+            <p:cNvPr id="60" name="Bent Arrow 59"/>
+            <p:cNvSpPr/>
+            <p:nvPr/>
+          </p:nvSpPr>
+          <p:spPr>
+            <a:xfrm>
+              <a:off x="8036104" y="12111436"/>
+              <a:ext cx="2784852" cy="936702"/>
+            </a:xfrm>
+            <a:prstGeom prst="bentArrow">
+              <a:avLst/>
+            </a:prstGeom>
+          </p:spPr>
+          <p:style>
+            <a:lnRef idx="2">
+              <a:schemeClr val="accent1">
+                <a:shade val="50000"/>
+              </a:schemeClr>
+            </a:lnRef>
+            <a:fillRef idx="1">
+              <a:schemeClr val="accent1"/>
+            </a:fillRef>
+            <a:effectRef idx="0">
+              <a:schemeClr val="accent1"/>
+            </a:effectRef>
+            <a:fontRef idx="minor">
+              <a:schemeClr val="lt1"/>
+            </a:fontRef>
+          </p:style>
+          <p:txBody>
+            <a:bodyPr rtlCol="0" anchor="ctr"/>
+            <a:lstStyle/>
+            <a:p>
+              <a:pPr algn="ctr"/>
+              <a:endParaRPr lang="en-US">
+                <a:solidFill>
+                  <a:schemeClr val="tx1"/>
+                </a:solidFill>
+              </a:endParaRPr>
+            </a:p>
+          </p:txBody>
+        </p:sp>
+        <p:sp>
+          <p:nvSpPr>
+            <p:cNvPr id="62" name="Bent Arrow 61"/>
+            <p:cNvSpPr/>
+            <p:nvPr/>
+          </p:nvSpPr>
+          <p:spPr>
+            <a:xfrm rot="10800000">
+              <a:off x="8680230" y="13433902"/>
+              <a:ext cx="2832123" cy="936702"/>
+            </a:xfrm>
+            <a:prstGeom prst="bentArrow">
+              <a:avLst/>
+            </a:prstGeom>
+          </p:spPr>
+          <p:style>
+            <a:lnRef idx="2">
+              <a:schemeClr val="accent1">
+                <a:shade val="50000"/>
+              </a:schemeClr>
+            </a:lnRef>
+            <a:fillRef idx="1">
+              <a:schemeClr val="accent1"/>
+            </a:fillRef>
+            <a:effectRef idx="0">
+              <a:schemeClr val="accent1"/>
+            </a:effectRef>
+            <a:fontRef idx="minor">
+              <a:schemeClr val="lt1"/>
+            </a:fontRef>
+          </p:style>
+          <p:txBody>
+            <a:bodyPr rtlCol="0" anchor="ctr"/>
+            <a:lstStyle/>
+            <a:p>
+              <a:pPr algn="ctr"/>
+              <a:endParaRPr lang="en-US">
+                <a:solidFill>
+                  <a:schemeClr val="tx1"/>
+                </a:solidFill>
+              </a:endParaRPr>
+            </a:p>
+          </p:txBody>
+        </p:sp>
+        <p:pic>
+          <p:nvPicPr>
+            <p:cNvPr id="2054" name="Picture 6" descr="https://bloximages.newyork1.vip.townnews.com/richmond.com/content/tncms/assets/v3/editorial/c/1a/c1aa3336-62e6-576e-8d1b-c2f309342b29/584b7ab80be21.image.png?resize=400%2C402"/>
+            <p:cNvPicPr>
+              <a:picLocks noChangeAspect="1" noChangeArrowheads="1"/>
+            </p:cNvPicPr>
+            <p:nvPr/>
+          </p:nvPicPr>
+          <p:blipFill>
+            <a:blip r:embed="rId9"/>
+            <a:srcRect/>
+            <a:stretch>
+              <a:fillRect/>
+            </a:stretch>
+          </p:blipFill>
+          <p:spPr bwMode="auto">
+            <a:xfrm>
+              <a:off x="7188556" y="12579787"/>
+              <a:ext cx="1781908" cy="1790818"/>
+            </a:xfrm>
+            <a:prstGeom prst="rect">
+              <a:avLst/>
+            </a:prstGeom>
+            <a:noFill/>
+          </p:spPr>
+        </p:pic>
+        <p:pic>
+          <p:nvPicPr>
+            <p:cNvPr id="2056" name="Picture 8" descr="http://www.henhunt.co.uk/wp-content/uploads/2014/10/Person-Logo-1.png"/>
+            <p:cNvPicPr>
+              <a:picLocks noChangeAspect="1" noChangeArrowheads="1"/>
+            </p:cNvPicPr>
+            <p:nvPr/>
+          </p:nvPicPr>
+          <p:blipFill>
+            <a:blip r:embed="rId10"/>
+            <a:srcRect/>
+            <a:stretch>
+              <a:fillRect/>
+            </a:stretch>
+          </p:blipFill>
+          <p:spPr bwMode="auto">
+            <a:xfrm>
+              <a:off x="10534434" y="12054934"/>
+              <a:ext cx="1790818" cy="1790818"/>
+            </a:xfrm>
+            <a:prstGeom prst="rect">
+              <a:avLst/>
+            </a:prstGeom>
+            <a:noFill/>
+          </p:spPr>
+        </p:pic>
+      </p:grpSp>
       <p:sp>
         <p:nvSpPr>
-          <p:cNvPr id="31" name="TextBox 30">
-            <a:extLst>
-              <a:ext uri="{FF2B5EF4-FFF2-40B4-BE49-F238E27FC236}">
-                <a16:creationId xmlns:a16="http://schemas.microsoft.com/office/drawing/2014/main" id="{2A832347-A6F3-4842-9900-DC8106E66B60}"/>
-              </a:ext>
-            </a:extLst>
-          </p:cNvPr>
-          <p:cNvSpPr txBox="1"/>
+          <p:cNvPr id="72" name="Right Arrow 71"/>
+          <p:cNvSpPr/>
           <p:nvPr/>
         </p:nvSpPr>
         <p:spPr>
           <a:xfrm>
-            <a:off x="13680359" y="10788893"/>
-            <a:ext cx="12576904" cy="16342935"/>
-          </a:xfrm>
-          <a:prstGeom prst="rect">
-            <a:avLst/>
-          </a:prstGeom>
-          <a:noFill/>
-        </p:spPr>
-        <p:txBody>
-          <a:bodyPr wrap="square" rtlCol="0">
-            <a:spAutoFit/>
-          </a:bodyPr>
-          <a:lstStyle/>
-          <a:p>
-            <a:r>
-              <a:rPr lang="en-US" sz="4800" b="1" dirty="0">
-                <a:latin typeface="Arial"/>
-                <a:cs typeface="Arial"/>
-              </a:rPr>
-              <a:t>New Process</a:t>
-            </a:r>
-          </a:p>
-          <a:p>
-            <a:endParaRPr lang="en-US" sz="3600" dirty="0">
-              <a:latin typeface="Arial"/>
-              <a:cs typeface="Arial"/>
-            </a:endParaRPr>
-          </a:p>
-          <a:p>
-            <a:r>
-              <a:rPr lang="en-US" sz="3600" dirty="0">
-                <a:latin typeface="Arial"/>
-                <a:cs typeface="Arial"/>
-              </a:rPr>
-              <a:t>[TA email screenshot]</a:t>
-            </a:r>
-          </a:p>
-          <a:p>
-            <a:endParaRPr lang="en-US" sz="3600" dirty="0">
-              <a:latin typeface="Arial"/>
-              <a:cs typeface="Arial"/>
-            </a:endParaRPr>
-          </a:p>
-          <a:p>
-            <a:endParaRPr lang="en-US" sz="3600" dirty="0">
-              <a:latin typeface="Arial"/>
-              <a:cs typeface="Arial"/>
-            </a:endParaRPr>
-          </a:p>
-          <a:p>
-            <a:endParaRPr lang="en-US" sz="3600" dirty="0">
-              <a:latin typeface="Arial"/>
-              <a:cs typeface="Arial"/>
-            </a:endParaRPr>
-          </a:p>
-          <a:p>
-            <a:endParaRPr lang="en-US" sz="3600" dirty="0">
-              <a:latin typeface="Arial"/>
-              <a:cs typeface="Arial"/>
-            </a:endParaRPr>
-          </a:p>
-          <a:p>
-            <a:endParaRPr lang="en-US" sz="3600" dirty="0">
-              <a:latin typeface="Arial"/>
-              <a:cs typeface="Arial"/>
-            </a:endParaRPr>
-          </a:p>
-          <a:p>
-            <a:r>
-              <a:rPr lang="en-US" sz="3600" dirty="0">
-                <a:latin typeface="Arial"/>
-                <a:cs typeface="Arial"/>
-              </a:rPr>
-              <a:t>[TA application]</a:t>
-            </a:r>
-          </a:p>
-          <a:p>
-            <a:endParaRPr lang="en-US" sz="3600" dirty="0">
-              <a:latin typeface="Arial"/>
-              <a:cs typeface="Arial"/>
-            </a:endParaRPr>
-          </a:p>
-          <a:p>
-            <a:endParaRPr lang="en-US" sz="3600" dirty="0">
-              <a:latin typeface="Arial"/>
-              <a:cs typeface="Arial"/>
-            </a:endParaRPr>
-          </a:p>
-          <a:p>
-            <a:endParaRPr lang="en-US" sz="3600" dirty="0">
-              <a:latin typeface="Arial"/>
-              <a:cs typeface="Arial"/>
-            </a:endParaRPr>
-          </a:p>
-          <a:p>
-            <a:endParaRPr lang="en-US" sz="3600" dirty="0">
-              <a:latin typeface="Arial"/>
-              <a:cs typeface="Arial"/>
-            </a:endParaRPr>
-          </a:p>
-          <a:p>
-            <a:endParaRPr lang="en-US" sz="3600" dirty="0">
-              <a:latin typeface="Arial"/>
-              <a:cs typeface="Arial"/>
-            </a:endParaRPr>
-          </a:p>
-          <a:p>
-            <a:endParaRPr lang="en-US" sz="3600" dirty="0">
-              <a:latin typeface="Arial"/>
-              <a:cs typeface="Arial"/>
-            </a:endParaRPr>
-          </a:p>
-          <a:p>
-            <a:r>
-              <a:rPr lang="en-US" sz="3600" dirty="0">
-                <a:latin typeface="Arial"/>
-                <a:cs typeface="Arial"/>
-              </a:rPr>
-              <a:t>[TA schedule]</a:t>
-            </a:r>
-          </a:p>
-          <a:p>
-            <a:endParaRPr lang="en-US" sz="3600" dirty="0">
-              <a:latin typeface="Arial"/>
-              <a:cs typeface="Arial"/>
-            </a:endParaRPr>
-          </a:p>
-          <a:p>
-            <a:endParaRPr lang="en-US" sz="3600" dirty="0">
-              <a:latin typeface="Arial"/>
-              <a:cs typeface="Arial"/>
-            </a:endParaRPr>
-          </a:p>
-          <a:p>
-            <a:endParaRPr lang="en-US" sz="3600" dirty="0">
-              <a:latin typeface="Arial"/>
-              <a:cs typeface="Arial"/>
-            </a:endParaRPr>
-          </a:p>
-          <a:p>
-            <a:endParaRPr lang="en-US" sz="3600" dirty="0">
-              <a:latin typeface="Arial"/>
-              <a:cs typeface="Arial"/>
-            </a:endParaRPr>
-          </a:p>
-          <a:p>
-            <a:endParaRPr lang="en-US" sz="3600" dirty="0">
-              <a:latin typeface="Arial"/>
-              <a:cs typeface="Arial"/>
-            </a:endParaRPr>
-          </a:p>
-          <a:p>
-            <a:endParaRPr lang="en-US" sz="3600" dirty="0">
-              <a:latin typeface="Arial"/>
-              <a:cs typeface="Arial"/>
-            </a:endParaRPr>
-          </a:p>
-          <a:p>
-            <a:r>
-              <a:rPr lang="en-US" sz="3600" dirty="0">
-                <a:latin typeface="Arial"/>
-                <a:cs typeface="Arial"/>
-              </a:rPr>
-              <a:t>[TA grading section]</a:t>
-            </a:r>
-          </a:p>
-          <a:p>
-            <a:endParaRPr lang="en-US" sz="3600" dirty="0">
-              <a:latin typeface="Arial"/>
-              <a:cs typeface="Arial"/>
-            </a:endParaRPr>
-          </a:p>
-          <a:p>
-            <a:endParaRPr lang="en-US" sz="3600" dirty="0">
-              <a:latin typeface="Arial"/>
-              <a:cs typeface="Arial"/>
-            </a:endParaRPr>
-          </a:p>
-          <a:p>
-            <a:endParaRPr lang="en-US" sz="3600" dirty="0">
-              <a:latin typeface="Arial"/>
-              <a:cs typeface="Arial"/>
-            </a:endParaRPr>
-          </a:p>
-          <a:p>
-            <a:endParaRPr lang="en-US" sz="3600" dirty="0">
-              <a:latin typeface="Arial"/>
-              <a:cs typeface="Arial"/>
-            </a:endParaRPr>
-          </a:p>
-          <a:p>
-            <a:endParaRPr lang="en-US" sz="3600" dirty="0">
-              <a:latin typeface="Arial"/>
-              <a:cs typeface="Arial"/>
-            </a:endParaRPr>
-          </a:p>
-          <a:p>
-            <a:endParaRPr lang="en-US" sz="3600" dirty="0">
-              <a:latin typeface="Arial"/>
-              <a:cs typeface="Arial"/>
-            </a:endParaRPr>
-          </a:p>
-        </p:txBody>
-      </p:sp>
-      <p:sp>
-        <p:nvSpPr>
-          <p:cNvPr id="32" name="TextBox 31">
-            <a:extLst>
-              <a:ext uri="{FF2B5EF4-FFF2-40B4-BE49-F238E27FC236}">
-                <a16:creationId xmlns:a16="http://schemas.microsoft.com/office/drawing/2014/main" id="{2BE78A2A-A948-4CF0-822D-A9294A7295A1}"/>
-              </a:ext>
-            </a:extLst>
-          </p:cNvPr>
-          <p:cNvSpPr txBox="1"/>
-          <p:nvPr/>
-        </p:nvSpPr>
-        <p:spPr>
-          <a:xfrm>
-            <a:off x="27139038" y="10788893"/>
-            <a:ext cx="12576904" cy="14126944"/>
-          </a:xfrm>
-          <a:prstGeom prst="rect">
-            <a:avLst/>
-          </a:prstGeom>
-          <a:noFill/>
-        </p:spPr>
-        <p:txBody>
-          <a:bodyPr wrap="square" rtlCol="0">
-            <a:spAutoFit/>
-          </a:bodyPr>
-          <a:lstStyle/>
-          <a:p>
-            <a:r>
-              <a:rPr lang="en-US" sz="4800" b="1" dirty="0">
-                <a:latin typeface="Arial"/>
-                <a:cs typeface="Arial"/>
-              </a:rPr>
-              <a:t>Improvements</a:t>
-            </a:r>
-          </a:p>
-          <a:p>
-            <a:pPr>
-              <a:buFont typeface="Arial" pitchFamily="34" charset="0"/>
-              <a:buChar char="•"/>
-            </a:pPr>
-            <a:endParaRPr lang="en-US" sz="3600" dirty="0">
-              <a:latin typeface="Arial"/>
-              <a:cs typeface="Arial"/>
-            </a:endParaRPr>
-          </a:p>
-          <a:p>
-            <a:pPr>
-              <a:buFont typeface="Arial" pitchFamily="34" charset="0"/>
-              <a:buChar char="•"/>
-            </a:pPr>
-            <a:r>
-              <a:rPr lang="en-US" sz="3600" dirty="0">
-                <a:latin typeface="Arial"/>
-                <a:cs typeface="Arial"/>
-              </a:rPr>
-              <a:t>Simple process of applying/accepting</a:t>
-            </a:r>
-          </a:p>
-          <a:p>
-            <a:pPr>
-              <a:buFont typeface="Arial" pitchFamily="34" charset="0"/>
-              <a:buChar char="•"/>
-            </a:pPr>
-            <a:r>
-              <a:rPr lang="en-US" sz="3600" dirty="0">
-                <a:latin typeface="Arial"/>
-                <a:cs typeface="Arial"/>
-              </a:rPr>
-              <a:t>Application allows more possible TAs</a:t>
-            </a:r>
-          </a:p>
-          <a:p>
-            <a:pPr>
-              <a:buFont typeface="Arial" pitchFamily="34" charset="0"/>
-              <a:buChar char="•"/>
-            </a:pPr>
-            <a:endParaRPr lang="en-US" sz="3600" dirty="0">
-              <a:latin typeface="Arial"/>
-              <a:cs typeface="Arial"/>
-            </a:endParaRPr>
-          </a:p>
-          <a:p>
-            <a:pPr>
-              <a:buFont typeface="Arial" pitchFamily="34" charset="0"/>
-              <a:buChar char="•"/>
-            </a:pPr>
-            <a:endParaRPr lang="en-US" sz="3600" dirty="0">
-              <a:latin typeface="Arial"/>
-              <a:cs typeface="Arial"/>
-            </a:endParaRPr>
-          </a:p>
-          <a:p>
-            <a:pPr>
-              <a:buFont typeface="Arial" pitchFamily="34" charset="0"/>
-              <a:buChar char="•"/>
-            </a:pPr>
-            <a:endParaRPr lang="en-US" sz="3600" dirty="0">
-              <a:latin typeface="Arial"/>
-              <a:cs typeface="Arial"/>
-            </a:endParaRPr>
-          </a:p>
-          <a:p>
-            <a:pPr>
-              <a:buFont typeface="Arial" pitchFamily="34" charset="0"/>
-              <a:buChar char="•"/>
-            </a:pPr>
-            <a:endParaRPr lang="en-US" sz="3600" dirty="0">
-              <a:latin typeface="Arial"/>
-              <a:cs typeface="Arial"/>
-            </a:endParaRPr>
-          </a:p>
-          <a:p>
-            <a:pPr>
-              <a:buFont typeface="Arial" pitchFamily="34" charset="0"/>
-              <a:buChar char="•"/>
-            </a:pPr>
-            <a:r>
-              <a:rPr lang="en-US" sz="3600" dirty="0">
-                <a:latin typeface="Arial"/>
-                <a:cs typeface="Arial"/>
-              </a:rPr>
-              <a:t>Easy selection of TAs for specific courses</a:t>
-            </a:r>
-          </a:p>
-          <a:p>
-            <a:pPr>
-              <a:buFont typeface="Arial" pitchFamily="34" charset="0"/>
-              <a:buChar char="•"/>
-            </a:pPr>
-            <a:endParaRPr lang="en-US" sz="3600" dirty="0">
-              <a:latin typeface="Arial"/>
-              <a:cs typeface="Arial"/>
-            </a:endParaRPr>
-          </a:p>
-          <a:p>
-            <a:pPr>
-              <a:buFont typeface="Arial" pitchFamily="34" charset="0"/>
-              <a:buChar char="•"/>
-            </a:pPr>
-            <a:endParaRPr lang="en-US" sz="3600" dirty="0">
-              <a:latin typeface="Arial"/>
-              <a:cs typeface="Arial"/>
-            </a:endParaRPr>
-          </a:p>
-          <a:p>
-            <a:pPr>
-              <a:buFont typeface="Arial" pitchFamily="34" charset="0"/>
-              <a:buChar char="•"/>
-            </a:pPr>
-            <a:endParaRPr lang="en-US" sz="3600" dirty="0">
-              <a:latin typeface="Arial"/>
-              <a:cs typeface="Arial"/>
-            </a:endParaRPr>
-          </a:p>
-          <a:p>
-            <a:pPr>
-              <a:buFont typeface="Arial" pitchFamily="34" charset="0"/>
-              <a:buChar char="•"/>
-            </a:pPr>
-            <a:endParaRPr lang="en-US" sz="3600" dirty="0">
-              <a:latin typeface="Arial"/>
-              <a:cs typeface="Arial"/>
-            </a:endParaRPr>
-          </a:p>
-          <a:p>
-            <a:pPr>
-              <a:buFont typeface="Arial" pitchFamily="34" charset="0"/>
-              <a:buChar char="•"/>
-            </a:pPr>
-            <a:endParaRPr lang="en-US" sz="3600" dirty="0">
-              <a:latin typeface="Arial"/>
-              <a:cs typeface="Arial"/>
-            </a:endParaRPr>
-          </a:p>
-          <a:p>
-            <a:pPr>
-              <a:buFont typeface="Arial" pitchFamily="34" charset="0"/>
-              <a:buChar char="•"/>
-            </a:pPr>
-            <a:endParaRPr lang="en-US" sz="3600" dirty="0">
-              <a:latin typeface="Arial"/>
-              <a:cs typeface="Arial"/>
-            </a:endParaRPr>
-          </a:p>
-          <a:p>
-            <a:pPr>
-              <a:buFont typeface="Arial" pitchFamily="34" charset="0"/>
-              <a:buChar char="•"/>
-            </a:pPr>
-            <a:r>
-              <a:rPr lang="en-US" sz="3600" dirty="0">
-                <a:latin typeface="Arial"/>
-                <a:cs typeface="Arial"/>
-              </a:rPr>
-              <a:t>Handbook outlines expectations of being a TA</a:t>
-            </a:r>
-          </a:p>
-          <a:p>
-            <a:pPr>
-              <a:buFont typeface="Arial" pitchFamily="34" charset="0"/>
-              <a:buChar char="•"/>
-            </a:pPr>
-            <a:r>
-              <a:rPr lang="en-US" sz="3600" dirty="0">
-                <a:latin typeface="Arial"/>
-                <a:cs typeface="Arial"/>
-              </a:rPr>
-              <a:t>Store course information</a:t>
-            </a:r>
-          </a:p>
-          <a:p>
-            <a:pPr>
-              <a:buFont typeface="Arial" pitchFamily="34" charset="0"/>
-              <a:buChar char="•"/>
-            </a:pPr>
-            <a:endParaRPr lang="en-US" sz="3600" dirty="0">
-              <a:latin typeface="Arial"/>
-              <a:cs typeface="Arial"/>
-            </a:endParaRPr>
-          </a:p>
-          <a:p>
-            <a:pPr>
-              <a:buFont typeface="Arial" pitchFamily="34" charset="0"/>
-              <a:buChar char="•"/>
-            </a:pPr>
-            <a:endParaRPr lang="en-US" sz="3600" dirty="0">
-              <a:latin typeface="Arial"/>
-              <a:cs typeface="Arial"/>
-            </a:endParaRPr>
-          </a:p>
-          <a:p>
-            <a:pPr>
-              <a:buFont typeface="Arial" pitchFamily="34" charset="0"/>
-              <a:buChar char="•"/>
-            </a:pPr>
-            <a:endParaRPr lang="en-US" sz="3600" dirty="0">
-              <a:latin typeface="Arial"/>
-              <a:cs typeface="Arial"/>
-            </a:endParaRPr>
-          </a:p>
-          <a:p>
-            <a:pPr>
-              <a:buFont typeface="Arial" pitchFamily="34" charset="0"/>
-              <a:buChar char="•"/>
-            </a:pPr>
-            <a:endParaRPr lang="en-US" sz="3600" dirty="0">
-              <a:latin typeface="Arial"/>
-              <a:cs typeface="Arial"/>
-            </a:endParaRPr>
-          </a:p>
-          <a:p>
-            <a:pPr>
-              <a:buFont typeface="Arial" pitchFamily="34" charset="0"/>
-              <a:buChar char="•"/>
-            </a:pPr>
-            <a:endParaRPr lang="en-US" sz="3600" dirty="0">
-              <a:latin typeface="Arial"/>
-              <a:cs typeface="Arial"/>
-            </a:endParaRPr>
-          </a:p>
-          <a:p>
-            <a:pPr>
-              <a:buFont typeface="Arial" pitchFamily="34" charset="0"/>
-              <a:buChar char="•"/>
-            </a:pPr>
-            <a:r>
-              <a:rPr lang="en-US" sz="3600" dirty="0">
-                <a:latin typeface="Arial"/>
-                <a:cs typeface="Arial"/>
-              </a:rPr>
-              <a:t>Supervising grading for consistency and reliability</a:t>
-            </a:r>
-          </a:p>
-          <a:p>
-            <a:pPr>
-              <a:buFont typeface="Arial" pitchFamily="34" charset="0"/>
-              <a:buChar char="•"/>
-            </a:pPr>
-            <a:r>
-              <a:rPr lang="en-US" sz="3600" dirty="0">
-                <a:latin typeface="Arial"/>
-                <a:cs typeface="Arial"/>
-              </a:rPr>
-              <a:t>Clear communication of assigned work</a:t>
-            </a:r>
-          </a:p>
-          <a:p>
-            <a:pPr>
-              <a:buFont typeface="Arial" pitchFamily="34" charset="0"/>
-              <a:buChar char="•"/>
-            </a:pPr>
-            <a:endParaRPr lang="en-US" sz="3600" dirty="0">
-              <a:latin typeface="Arial"/>
-              <a:cs typeface="Arial"/>
-            </a:endParaRPr>
-          </a:p>
-        </p:txBody>
-      </p:sp>
-      <p:pic>
-        <p:nvPicPr>
-          <p:cNvPr id="22" name="Picture 4" descr="https://cdn4.iconfinder.com/data/icons/dot/256/email_mail_post_letter_stamp.png"/>
-          <p:cNvPicPr>
-            <a:picLocks noChangeAspect="1" noChangeArrowheads="1"/>
-          </p:cNvPicPr>
-          <p:nvPr/>
-        </p:nvPicPr>
-        <p:blipFill>
-          <a:blip r:embed="rId10"/>
-          <a:srcRect/>
-          <a:stretch>
-            <a:fillRect/>
-          </a:stretch>
-        </p:blipFill>
-        <p:spPr bwMode="auto">
-          <a:xfrm>
-            <a:off x="8970464" y="13356241"/>
-            <a:ext cx="776455" cy="776455"/>
-          </a:xfrm>
-          <a:prstGeom prst="rect">
-            <a:avLst/>
-          </a:prstGeom>
-          <a:noFill/>
-        </p:spPr>
-      </p:pic>
-      <p:pic>
-        <p:nvPicPr>
-          <p:cNvPr id="25" name="Picture 4" descr="https://cdn4.iconfinder.com/data/icons/dot/256/email_mail_post_letter_stamp.png"/>
-          <p:cNvPicPr>
-            <a:picLocks noChangeAspect="1" noChangeArrowheads="1"/>
-          </p:cNvPicPr>
-          <p:nvPr/>
-        </p:nvPicPr>
-        <p:blipFill>
-          <a:blip r:embed="rId10"/>
-          <a:srcRect/>
-          <a:stretch>
-            <a:fillRect/>
-          </a:stretch>
-        </p:blipFill>
-        <p:spPr bwMode="auto">
-          <a:xfrm>
-            <a:off x="9841228" y="12403255"/>
-            <a:ext cx="776455" cy="776455"/>
-          </a:xfrm>
-          <a:prstGeom prst="rect">
-            <a:avLst/>
-          </a:prstGeom>
-          <a:noFill/>
-        </p:spPr>
-      </p:pic>
-      <p:sp>
-        <p:nvSpPr>
-          <p:cNvPr id="60" name="Bent Arrow 59"/>
-          <p:cNvSpPr/>
-          <p:nvPr/>
-        </p:nvSpPr>
-        <p:spPr>
-          <a:xfrm>
-            <a:off x="8036104" y="12111436"/>
-            <a:ext cx="2784852" cy="936702"/>
-          </a:xfrm>
-          <a:prstGeom prst="bentArrow">
+            <a:off x="27223282" y="8643999"/>
+            <a:ext cx="1357343" cy="1301307"/>
+          </a:xfrm>
+          <a:prstGeom prst="rightArrow">
             <a:avLst/>
           </a:prstGeom>
         </p:spPr>
@@ -2649,26 +1736,22 @@
           <a:lstStyle/>
           <a:p>
             <a:pPr algn="ctr"/>
-            <a:endParaRPr lang="en-US">
-              <a:solidFill>
-                <a:schemeClr val="tx1"/>
-              </a:solidFill>
-            </a:endParaRPr>
+            <a:endParaRPr lang="en-US"/>
           </a:p>
         </p:txBody>
       </p:sp>
       <p:sp>
         <p:nvSpPr>
-          <p:cNvPr id="62" name="Bent Arrow 61"/>
+          <p:cNvPr id="73" name="Right Arrow 72"/>
           <p:cNvSpPr/>
           <p:nvPr/>
         </p:nvSpPr>
         <p:spPr>
-          <a:xfrm rot="10800000">
-            <a:off x="8680230" y="13433902"/>
-            <a:ext cx="2832123" cy="936702"/>
-          </a:xfrm>
-          <a:prstGeom prst="bentArrow">
+          <a:xfrm>
+            <a:off x="27223281" y="13158821"/>
+            <a:ext cx="1357343" cy="1301307"/>
+          </a:xfrm>
+          <a:prstGeom prst="rightArrow">
             <a:avLst/>
           </a:prstGeom>
         </p:spPr>
@@ -2693,201 +1776,19 @@
           <a:lstStyle/>
           <a:p>
             <a:pPr algn="ctr"/>
-            <a:endParaRPr lang="en-US">
-              <a:solidFill>
-                <a:schemeClr val="tx1"/>
-              </a:solidFill>
-            </a:endParaRPr>
+            <a:endParaRPr lang="en-US"/>
           </a:p>
         </p:txBody>
       </p:sp>
-      <p:pic>
-        <p:nvPicPr>
-          <p:cNvPr id="2054" name="Picture 6" descr="https://bloximages.newyork1.vip.townnews.com/richmond.com/content/tncms/assets/v3/editorial/c/1a/c1aa3336-62e6-576e-8d1b-c2f309342b29/584b7ab80be21.image.png?resize=400%2C402"/>
-          <p:cNvPicPr>
-            <a:picLocks noChangeAspect="1" noChangeArrowheads="1"/>
-          </p:cNvPicPr>
-          <p:nvPr/>
-        </p:nvPicPr>
-        <p:blipFill>
-          <a:blip r:embed="rId11"/>
-          <a:srcRect/>
-          <a:stretch>
-            <a:fillRect/>
-          </a:stretch>
-        </p:blipFill>
-        <p:spPr bwMode="auto">
-          <a:xfrm>
-            <a:off x="7188556" y="12579787"/>
-            <a:ext cx="1781908" cy="1790818"/>
-          </a:xfrm>
-          <a:prstGeom prst="rect">
-            <a:avLst/>
-          </a:prstGeom>
-          <a:noFill/>
-        </p:spPr>
-      </p:pic>
-      <p:pic>
-        <p:nvPicPr>
-          <p:cNvPr id="2056" name="Picture 8" descr="http://www.henhunt.co.uk/wp-content/uploads/2014/10/Person-Logo-1.png"/>
-          <p:cNvPicPr>
-            <a:picLocks noChangeAspect="1" noChangeArrowheads="1"/>
-          </p:cNvPicPr>
-          <p:nvPr/>
-        </p:nvPicPr>
-        <p:blipFill>
-          <a:blip r:embed="rId12"/>
-          <a:srcRect/>
-          <a:stretch>
-            <a:fillRect/>
-          </a:stretch>
-        </p:blipFill>
-        <p:spPr bwMode="auto">
-          <a:xfrm>
-            <a:off x="10532198" y="12054934"/>
-            <a:ext cx="1790818" cy="1790818"/>
-          </a:xfrm>
-          <a:prstGeom prst="rect">
-            <a:avLst/>
-          </a:prstGeom>
-          <a:noFill/>
-        </p:spPr>
-      </p:pic>
-      <p:cxnSp>
-        <p:nvCxnSpPr>
-          <p:cNvPr id="69" name="Straight Connector 68">
-            <a:extLst>
-              <a:ext uri="{FF2B5EF4-FFF2-40B4-BE49-F238E27FC236}">
-                <a16:creationId xmlns:a16="http://schemas.microsoft.com/office/drawing/2014/main" id="{F07ABC8A-B74D-4D01-862B-7356E3713D24}"/>
-              </a:ext>
-            </a:extLst>
-          </p:cNvPr>
-          <p:cNvCxnSpPr/>
-          <p:nvPr/>
-        </p:nvCxnSpPr>
-        <p:spPr>
-          <a:xfrm>
-            <a:off x="2683553" y="14798842"/>
-            <a:ext cx="37609689" cy="0"/>
-          </a:xfrm>
-          <a:prstGeom prst="line">
-            <a:avLst/>
-          </a:prstGeom>
-          <a:ln>
-            <a:solidFill>
-              <a:srgbClr val="3C3C3B"/>
-            </a:solidFill>
-            <a:prstDash val="dot"/>
-          </a:ln>
-        </p:spPr>
-        <p:style>
-          <a:lnRef idx="2">
-            <a:schemeClr val="accent1"/>
-          </a:lnRef>
-          <a:fillRef idx="0">
-            <a:schemeClr val="accent1"/>
-          </a:fillRef>
-          <a:effectRef idx="1">
-            <a:schemeClr val="accent1"/>
-          </a:effectRef>
-          <a:fontRef idx="minor">
-            <a:schemeClr val="tx1"/>
-          </a:fontRef>
-        </p:style>
-      </p:cxnSp>
-      <p:cxnSp>
-        <p:nvCxnSpPr>
-          <p:cNvPr id="70" name="Straight Connector 69">
-            <a:extLst>
-              <a:ext uri="{FF2B5EF4-FFF2-40B4-BE49-F238E27FC236}">
-                <a16:creationId xmlns:a16="http://schemas.microsoft.com/office/drawing/2014/main" id="{F07ABC8A-B74D-4D01-862B-7356E3713D24}"/>
-              </a:ext>
-            </a:extLst>
-          </p:cNvPr>
-          <p:cNvCxnSpPr/>
-          <p:nvPr/>
-        </p:nvCxnSpPr>
-        <p:spPr>
-          <a:xfrm>
-            <a:off x="2683553" y="18600821"/>
-            <a:ext cx="37609689" cy="0"/>
-          </a:xfrm>
-          <a:prstGeom prst="line">
-            <a:avLst/>
-          </a:prstGeom>
-          <a:ln>
-            <a:solidFill>
-              <a:srgbClr val="3C3C3B"/>
-            </a:solidFill>
-            <a:prstDash val="dot"/>
-          </a:ln>
-        </p:spPr>
-        <p:style>
-          <a:lnRef idx="2">
-            <a:schemeClr val="accent1"/>
-          </a:lnRef>
-          <a:fillRef idx="0">
-            <a:schemeClr val="accent1"/>
-          </a:fillRef>
-          <a:effectRef idx="1">
-            <a:schemeClr val="accent1"/>
-          </a:effectRef>
-          <a:fontRef idx="minor">
-            <a:schemeClr val="tx1"/>
-          </a:fontRef>
-        </p:style>
-      </p:cxnSp>
-      <p:cxnSp>
-        <p:nvCxnSpPr>
-          <p:cNvPr id="71" name="Straight Connector 70">
-            <a:extLst>
-              <a:ext uri="{FF2B5EF4-FFF2-40B4-BE49-F238E27FC236}">
-                <a16:creationId xmlns:a16="http://schemas.microsoft.com/office/drawing/2014/main" id="{F07ABC8A-B74D-4D01-862B-7356E3713D24}"/>
-              </a:ext>
-            </a:extLst>
-          </p:cNvPr>
-          <p:cNvCxnSpPr/>
-          <p:nvPr/>
-        </p:nvCxnSpPr>
-        <p:spPr>
-          <a:xfrm>
-            <a:off x="2683553" y="22434170"/>
-            <a:ext cx="37609689" cy="0"/>
-          </a:xfrm>
-          <a:prstGeom prst="line">
-            <a:avLst/>
-          </a:prstGeom>
-          <a:ln>
-            <a:solidFill>
-              <a:srgbClr val="3C3C3B"/>
-            </a:solidFill>
-            <a:prstDash val="dot"/>
-          </a:ln>
-        </p:spPr>
-        <p:style>
-          <a:lnRef idx="2">
-            <a:schemeClr val="accent1"/>
-          </a:lnRef>
-          <a:fillRef idx="0">
-            <a:schemeClr val="accent1"/>
-          </a:fillRef>
-          <a:effectRef idx="1">
-            <a:schemeClr val="accent1"/>
-          </a:effectRef>
-          <a:fontRef idx="minor">
-            <a:schemeClr val="tx1"/>
-          </a:fontRef>
-        </p:style>
-      </p:cxnSp>
       <p:sp>
         <p:nvSpPr>
-          <p:cNvPr id="72" name="Right Arrow 71"/>
+          <p:cNvPr id="74" name="Right Arrow 73"/>
           <p:cNvSpPr/>
           <p:nvPr/>
         </p:nvSpPr>
         <p:spPr>
           <a:xfrm>
-            <a:off x="12299868" y="12397484"/>
+            <a:off x="27223282" y="17716348"/>
             <a:ext cx="1357343" cy="1301307"/>
           </a:xfrm>
           <a:prstGeom prst="rightArrow">
@@ -2921,13 +1822,13 @@
       </p:sp>
       <p:sp>
         <p:nvSpPr>
-          <p:cNvPr id="73" name="Right Arrow 72"/>
+          <p:cNvPr id="75" name="Right Arrow 74"/>
           <p:cNvSpPr/>
           <p:nvPr/>
         </p:nvSpPr>
         <p:spPr>
           <a:xfrm>
-            <a:off x="12323016" y="16099659"/>
+            <a:off x="27223280" y="22088514"/>
             <a:ext cx="1357343" cy="1301307"/>
           </a:xfrm>
           <a:prstGeom prst="rightArrow">
@@ -2959,246 +1860,1262 @@
           </a:p>
         </p:txBody>
       </p:sp>
-      <p:sp>
-        <p:nvSpPr>
-          <p:cNvPr id="74" name="Right Arrow 73"/>
-          <p:cNvSpPr/>
-          <p:nvPr/>
-        </p:nvSpPr>
-        <p:spPr>
-          <a:xfrm>
-            <a:off x="12323016" y="19853512"/>
-            <a:ext cx="1357343" cy="1301307"/>
-          </a:xfrm>
-          <a:prstGeom prst="rightArrow">
-            <a:avLst/>
-          </a:prstGeom>
+      <p:pic>
+        <p:nvPicPr>
+          <p:cNvPr id="5" name="Picture 4" descr="A close up of a sign&#10;&#10;Description automatically generated">
+            <a:extLst>
+              <a:ext uri="{FF2B5EF4-FFF2-40B4-BE49-F238E27FC236}">
+                <a16:creationId xmlns:a16="http://schemas.microsoft.com/office/drawing/2014/main" id="{6D4B043B-F62F-4CDA-B504-6A118F51BD60}"/>
+              </a:ext>
+            </a:extLst>
+          </p:cNvPr>
+          <p:cNvPicPr>
+            <a:picLocks noChangeAspect="1"/>
+          </p:cNvPicPr>
+          <p:nvPr/>
+        </p:nvPicPr>
+        <p:blipFill>
+          <a:blip r:embed="rId11"/>
+          <a:stretch>
+            <a:fillRect/>
+          </a:stretch>
+        </p:blipFill>
+        <p:spPr>
+          <a:xfrm>
+            <a:off x="34181741" y="26515366"/>
+            <a:ext cx="2099326" cy="2367661"/>
+          </a:xfrm>
+          <a:prstGeom prst="rect">
+            <a:avLst/>
+          </a:prstGeom>
+        </p:spPr>
+      </p:pic>
+      <p:pic>
+        <p:nvPicPr>
+          <p:cNvPr id="8" name="Picture 7" descr="A close up of a logo&#10;&#10;Description automatically generated">
+            <a:extLst>
+              <a:ext uri="{FF2B5EF4-FFF2-40B4-BE49-F238E27FC236}">
+                <a16:creationId xmlns:a16="http://schemas.microsoft.com/office/drawing/2014/main" id="{948ED924-700D-4EDD-A17E-444EB1A2FBCB}"/>
+              </a:ext>
+            </a:extLst>
+          </p:cNvPr>
+          <p:cNvPicPr>
+            <a:picLocks noChangeAspect="1"/>
+          </p:cNvPicPr>
+          <p:nvPr/>
+        </p:nvPicPr>
+        <p:blipFill>
+          <a:blip r:embed="rId12"/>
+          <a:stretch>
+            <a:fillRect/>
+          </a:stretch>
+        </p:blipFill>
+        <p:spPr>
+          <a:xfrm>
+            <a:off x="36592719" y="26424468"/>
+            <a:ext cx="2632403" cy="2632403"/>
+          </a:xfrm>
+          <a:prstGeom prst="rect">
+            <a:avLst/>
+          </a:prstGeom>
+        </p:spPr>
+      </p:pic>
+      <p:cxnSp>
+        <p:nvCxnSpPr>
+          <p:cNvPr id="45" name="Straight Connector 44">
+            <a:extLst>
+              <a:ext uri="{FF2B5EF4-FFF2-40B4-BE49-F238E27FC236}">
+                <a16:creationId xmlns:a16="http://schemas.microsoft.com/office/drawing/2014/main" id="{28F3A1C3-7DA2-46AD-B940-37895CD0E512}"/>
+              </a:ext>
+            </a:extLst>
+          </p:cNvPr>
+          <p:cNvCxnSpPr>
+            <a:cxnSpLocks/>
+          </p:cNvCxnSpPr>
+          <p:nvPr/>
+        </p:nvCxnSpPr>
+        <p:spPr>
+          <a:xfrm>
+            <a:off x="14153322" y="11592724"/>
+            <a:ext cx="27312730" cy="0"/>
+          </a:xfrm>
+          <a:prstGeom prst="line">
+            <a:avLst/>
+          </a:prstGeom>
+          <a:ln>
+            <a:solidFill>
+              <a:srgbClr val="3C3C3B"/>
+            </a:solidFill>
+            <a:prstDash val="dot"/>
+          </a:ln>
         </p:spPr>
         <p:style>
           <a:lnRef idx="2">
-            <a:schemeClr val="accent1">
-              <a:shade val="50000"/>
-            </a:schemeClr>
+            <a:schemeClr val="accent1"/>
           </a:lnRef>
-          <a:fillRef idx="1">
+          <a:fillRef idx="0">
             <a:schemeClr val="accent1"/>
           </a:fillRef>
-          <a:effectRef idx="0">
+          <a:effectRef idx="1">
             <a:schemeClr val="accent1"/>
           </a:effectRef>
           <a:fontRef idx="minor">
-            <a:schemeClr val="lt1"/>
+            <a:schemeClr val="tx1"/>
           </a:fontRef>
         </p:style>
+      </p:cxnSp>
+      <p:cxnSp>
+        <p:nvCxnSpPr>
+          <p:cNvPr id="46" name="Straight Connector 45">
+            <a:extLst>
+              <a:ext uri="{FF2B5EF4-FFF2-40B4-BE49-F238E27FC236}">
+                <a16:creationId xmlns:a16="http://schemas.microsoft.com/office/drawing/2014/main" id="{AA5CF751-B8BA-41E0-A271-EE173086B7E4}"/>
+              </a:ext>
+            </a:extLst>
+          </p:cNvPr>
+          <p:cNvCxnSpPr>
+            <a:cxnSpLocks/>
+          </p:cNvCxnSpPr>
+          <p:nvPr/>
+        </p:nvCxnSpPr>
+        <p:spPr>
+          <a:xfrm>
+            <a:off x="14153322" y="16003965"/>
+            <a:ext cx="27312730" cy="0"/>
+          </a:xfrm>
+          <a:prstGeom prst="line">
+            <a:avLst/>
+          </a:prstGeom>
+          <a:ln>
+            <a:solidFill>
+              <a:srgbClr val="3C3C3B"/>
+            </a:solidFill>
+            <a:prstDash val="dot"/>
+          </a:ln>
+        </p:spPr>
+        <p:style>
+          <a:lnRef idx="2">
+            <a:schemeClr val="accent1"/>
+          </a:lnRef>
+          <a:fillRef idx="0">
+            <a:schemeClr val="accent1"/>
+          </a:fillRef>
+          <a:effectRef idx="1">
+            <a:schemeClr val="accent1"/>
+          </a:effectRef>
+          <a:fontRef idx="minor">
+            <a:schemeClr val="tx1"/>
+          </a:fontRef>
+        </p:style>
+      </p:cxnSp>
+      <p:cxnSp>
+        <p:nvCxnSpPr>
+          <p:cNvPr id="47" name="Straight Connector 46">
+            <a:extLst>
+              <a:ext uri="{FF2B5EF4-FFF2-40B4-BE49-F238E27FC236}">
+                <a16:creationId xmlns:a16="http://schemas.microsoft.com/office/drawing/2014/main" id="{0190B3CC-7E2A-4817-B684-FAF5F5462BB3}"/>
+              </a:ext>
+            </a:extLst>
+          </p:cNvPr>
+          <p:cNvCxnSpPr>
+            <a:cxnSpLocks/>
+          </p:cNvCxnSpPr>
+          <p:nvPr/>
+        </p:nvCxnSpPr>
+        <p:spPr>
+          <a:xfrm>
+            <a:off x="14153322" y="20765943"/>
+            <a:ext cx="27312730" cy="0"/>
+          </a:xfrm>
+          <a:prstGeom prst="line">
+            <a:avLst/>
+          </a:prstGeom>
+          <a:ln>
+            <a:solidFill>
+              <a:srgbClr val="3C3C3B"/>
+            </a:solidFill>
+            <a:prstDash val="dot"/>
+          </a:ln>
+        </p:spPr>
+        <p:style>
+          <a:lnRef idx="2">
+            <a:schemeClr val="accent1"/>
+          </a:lnRef>
+          <a:fillRef idx="0">
+            <a:schemeClr val="accent1"/>
+          </a:fillRef>
+          <a:effectRef idx="1">
+            <a:schemeClr val="accent1"/>
+          </a:effectRef>
+          <a:fontRef idx="minor">
+            <a:schemeClr val="tx1"/>
+          </a:fontRef>
+        </p:style>
+      </p:cxnSp>
+      <p:sp>
+        <p:nvSpPr>
+          <p:cNvPr id="48" name="TextBox 47">
+            <a:extLst>
+              <a:ext uri="{FF2B5EF4-FFF2-40B4-BE49-F238E27FC236}">
+                <a16:creationId xmlns:a16="http://schemas.microsoft.com/office/drawing/2014/main" id="{A2CC4E16-4FDD-4FD1-8325-DE26A8049BA3}"/>
+              </a:ext>
+            </a:extLst>
+          </p:cNvPr>
+          <p:cNvSpPr txBox="1"/>
+          <p:nvPr/>
+        </p:nvSpPr>
+        <p:spPr>
+          <a:xfrm>
+            <a:off x="18549983" y="6091110"/>
+            <a:ext cx="4053213" cy="830997"/>
+          </a:xfrm>
+          <a:prstGeom prst="rect">
+            <a:avLst/>
+          </a:prstGeom>
+          <a:noFill/>
+        </p:spPr>
         <p:txBody>
-          <a:bodyPr rtlCol="0" anchor="ctr"/>
+          <a:bodyPr wrap="square" rtlCol="0">
+            <a:spAutoFit/>
+          </a:bodyPr>
           <a:lstStyle/>
           <a:p>
-            <a:pPr algn="ctr"/>
-            <a:endParaRPr lang="en-US"/>
+            <a:r>
+              <a:rPr lang="en-US" sz="4800" b="1" dirty="0">
+                <a:latin typeface="Arial"/>
+                <a:cs typeface="Arial"/>
+              </a:rPr>
+              <a:t>Old Process</a:t>
+            </a:r>
+            <a:endParaRPr lang="en-US" sz="3600" dirty="0">
+              <a:latin typeface="Arial"/>
+              <a:cs typeface="Arial"/>
+            </a:endParaRPr>
           </a:p>
         </p:txBody>
       </p:sp>
       <p:sp>
         <p:nvSpPr>
-          <p:cNvPr id="75" name="Right Arrow 74"/>
-          <p:cNvSpPr/>
+          <p:cNvPr id="49" name="TextBox 48">
+            <a:extLst>
+              <a:ext uri="{FF2B5EF4-FFF2-40B4-BE49-F238E27FC236}">
+                <a16:creationId xmlns:a16="http://schemas.microsoft.com/office/drawing/2014/main" id="{73E82C0A-23B0-4C85-8D6B-496DA57D09D6}"/>
+              </a:ext>
+            </a:extLst>
+          </p:cNvPr>
+          <p:cNvSpPr txBox="1"/>
           <p:nvPr/>
         </p:nvSpPr>
         <p:spPr>
           <a:xfrm>
-            <a:off x="12323016" y="23749388"/>
-            <a:ext cx="1357343" cy="1301307"/>
-          </a:xfrm>
-          <a:prstGeom prst="rightArrow">
-            <a:avLst/>
-          </a:prstGeom>
-        </p:spPr>
-        <p:style>
-          <a:lnRef idx="2">
-            <a:schemeClr val="accent1">
-              <a:shade val="50000"/>
-            </a:schemeClr>
-          </a:lnRef>
-          <a:fillRef idx="1">
-            <a:schemeClr val="accent1"/>
-          </a:fillRef>
-          <a:effectRef idx="0">
-            <a:schemeClr val="accent1"/>
-          </a:effectRef>
-          <a:fontRef idx="minor">
-            <a:schemeClr val="lt1"/>
-          </a:fontRef>
-        </p:style>
+            <a:off x="32227854" y="6027854"/>
+            <a:ext cx="4053213" cy="830997"/>
+          </a:xfrm>
+          <a:prstGeom prst="rect">
+            <a:avLst/>
+          </a:prstGeom>
+          <a:noFill/>
+        </p:spPr>
         <p:txBody>
-          <a:bodyPr rtlCol="0" anchor="ctr"/>
+          <a:bodyPr wrap="square" rtlCol="0">
+            <a:spAutoFit/>
+          </a:bodyPr>
           <a:lstStyle/>
           <a:p>
-            <a:pPr algn="ctr"/>
-            <a:endParaRPr lang="en-US"/>
+            <a:r>
+              <a:rPr lang="en-US" sz="4800" b="1" dirty="0">
+                <a:latin typeface="Arial"/>
+                <a:cs typeface="Arial"/>
+              </a:rPr>
+              <a:t>New Process</a:t>
+            </a:r>
+            <a:endParaRPr lang="en-US" sz="3600" dirty="0">
+              <a:latin typeface="Arial"/>
+              <a:cs typeface="Arial"/>
+            </a:endParaRPr>
           </a:p>
         </p:txBody>
       </p:sp>
       <p:sp>
         <p:nvSpPr>
-          <p:cNvPr id="76" name="Right Arrow 75"/>
-          <p:cNvSpPr/>
+          <p:cNvPr id="50" name="TextBox 49">
+            <a:extLst>
+              <a:ext uri="{FF2B5EF4-FFF2-40B4-BE49-F238E27FC236}">
+                <a16:creationId xmlns:a16="http://schemas.microsoft.com/office/drawing/2014/main" id="{8736FA24-2CD8-48AC-9E7C-5D4452FE6A59}"/>
+              </a:ext>
+            </a:extLst>
+          </p:cNvPr>
+          <p:cNvSpPr txBox="1"/>
           <p:nvPr/>
         </p:nvSpPr>
         <p:spPr>
           <a:xfrm>
-            <a:off x="25578591" y="12403255"/>
-            <a:ext cx="1357343" cy="1301307"/>
-          </a:xfrm>
-          <a:prstGeom prst="rightArrow">
-            <a:avLst/>
-          </a:prstGeom>
-        </p:spPr>
-        <p:style>
-          <a:lnRef idx="2">
-            <a:schemeClr val="accent1">
-              <a:shade val="50000"/>
-            </a:schemeClr>
-          </a:lnRef>
-          <a:fillRef idx="1">
-            <a:schemeClr val="accent1"/>
-          </a:fillRef>
-          <a:effectRef idx="0">
-            <a:schemeClr val="accent1"/>
-          </a:effectRef>
-          <a:fontRef idx="minor">
-            <a:schemeClr val="lt1"/>
-          </a:fontRef>
-        </p:style>
+            <a:off x="14150044" y="7484302"/>
+            <a:ext cx="4824899" cy="707886"/>
+          </a:xfrm>
+          <a:prstGeom prst="rect">
+            <a:avLst/>
+          </a:prstGeom>
+          <a:noFill/>
+        </p:spPr>
         <p:txBody>
-          <a:bodyPr rtlCol="0" anchor="ctr"/>
+          <a:bodyPr wrap="square" rtlCol="0">
+            <a:spAutoFit/>
+          </a:bodyPr>
           <a:lstStyle/>
           <a:p>
-            <a:pPr algn="ctr"/>
-            <a:endParaRPr lang="en-US"/>
+            <a:r>
+              <a:rPr lang="en-US" sz="4000" b="1" dirty="0">
+                <a:latin typeface="Arial"/>
+                <a:cs typeface="Arial"/>
+              </a:rPr>
+              <a:t>TA Recruitment</a:t>
+            </a:r>
+            <a:endParaRPr lang="en-US" sz="4000" dirty="0">
+              <a:latin typeface="Arial"/>
+              <a:cs typeface="Arial"/>
+            </a:endParaRPr>
           </a:p>
         </p:txBody>
       </p:sp>
       <p:sp>
         <p:nvSpPr>
-          <p:cNvPr id="77" name="Right Arrow 76"/>
-          <p:cNvSpPr/>
+          <p:cNvPr id="51" name="TextBox 50">
+            <a:extLst>
+              <a:ext uri="{FF2B5EF4-FFF2-40B4-BE49-F238E27FC236}">
+                <a16:creationId xmlns:a16="http://schemas.microsoft.com/office/drawing/2014/main" id="{4AB98D0F-01DB-443C-9902-394E5DFCE6D7}"/>
+              </a:ext>
+            </a:extLst>
+          </p:cNvPr>
+          <p:cNvSpPr txBox="1"/>
           <p:nvPr/>
         </p:nvSpPr>
         <p:spPr>
           <a:xfrm>
-            <a:off x="25578591" y="15973858"/>
-            <a:ext cx="1357343" cy="1301307"/>
-          </a:xfrm>
-          <a:prstGeom prst="rightArrow">
-            <a:avLst/>
-          </a:prstGeom>
-        </p:spPr>
-        <p:style>
-          <a:lnRef idx="2">
-            <a:schemeClr val="accent1">
-              <a:shade val="50000"/>
-            </a:schemeClr>
-          </a:lnRef>
-          <a:fillRef idx="1">
-            <a:schemeClr val="accent1"/>
-          </a:fillRef>
-          <a:effectRef idx="0">
-            <a:schemeClr val="accent1"/>
-          </a:effectRef>
-          <a:fontRef idx="minor">
-            <a:schemeClr val="lt1"/>
-          </a:fontRef>
-        </p:style>
+            <a:off x="14153322" y="11970163"/>
+            <a:ext cx="8439679" cy="707886"/>
+          </a:xfrm>
+          <a:prstGeom prst="rect">
+            <a:avLst/>
+          </a:prstGeom>
+          <a:noFill/>
+        </p:spPr>
         <p:txBody>
-          <a:bodyPr rtlCol="0" anchor="ctr"/>
+          <a:bodyPr wrap="square" rtlCol="0">
+            <a:spAutoFit/>
+          </a:bodyPr>
           <a:lstStyle/>
           <a:p>
-            <a:pPr algn="ctr"/>
-            <a:endParaRPr lang="en-US"/>
+            <a:r>
+              <a:rPr lang="en-US" sz="4000" b="1" dirty="0">
+                <a:latin typeface="Arial"/>
+                <a:cs typeface="Arial"/>
+              </a:rPr>
+              <a:t>Training and Information Sharing</a:t>
+            </a:r>
+            <a:endParaRPr lang="en-US" sz="4000" dirty="0">
+              <a:latin typeface="Arial"/>
+              <a:cs typeface="Arial"/>
+            </a:endParaRPr>
           </a:p>
         </p:txBody>
       </p:sp>
       <p:sp>
         <p:nvSpPr>
-          <p:cNvPr id="78" name="Right Arrow 77"/>
-          <p:cNvSpPr/>
+          <p:cNvPr id="52" name="TextBox 51">
+            <a:extLst>
+              <a:ext uri="{FF2B5EF4-FFF2-40B4-BE49-F238E27FC236}">
+                <a16:creationId xmlns:a16="http://schemas.microsoft.com/office/drawing/2014/main" id="{3E9D21C8-B287-443C-A0E4-F953E5855EB5}"/>
+              </a:ext>
+            </a:extLst>
+          </p:cNvPr>
+          <p:cNvSpPr txBox="1"/>
           <p:nvPr/>
         </p:nvSpPr>
         <p:spPr>
           <a:xfrm>
-            <a:off x="25578591" y="19727711"/>
-            <a:ext cx="1357343" cy="1301307"/>
-          </a:xfrm>
-          <a:prstGeom prst="rightArrow">
-            <a:avLst/>
-          </a:prstGeom>
-        </p:spPr>
-        <p:style>
-          <a:lnRef idx="2">
-            <a:schemeClr val="accent1">
-              <a:shade val="50000"/>
-            </a:schemeClr>
-          </a:lnRef>
-          <a:fillRef idx="1">
-            <a:schemeClr val="accent1"/>
-          </a:fillRef>
-          <a:effectRef idx="0">
-            <a:schemeClr val="accent1"/>
-          </a:effectRef>
-          <a:fontRef idx="minor">
-            <a:schemeClr val="lt1"/>
-          </a:fontRef>
-        </p:style>
+            <a:off x="14153322" y="16281924"/>
+            <a:ext cx="6534432" cy="707886"/>
+          </a:xfrm>
+          <a:prstGeom prst="rect">
+            <a:avLst/>
+          </a:prstGeom>
+          <a:noFill/>
+        </p:spPr>
         <p:txBody>
-          <a:bodyPr rtlCol="0" anchor="ctr"/>
+          <a:bodyPr wrap="square" rtlCol="0">
+            <a:spAutoFit/>
+          </a:bodyPr>
           <a:lstStyle/>
           <a:p>
-            <a:pPr algn="ctr"/>
-            <a:endParaRPr lang="en-US"/>
+            <a:r>
+              <a:rPr lang="en-US" sz="4000" b="1" dirty="0">
+                <a:latin typeface="Arial"/>
+                <a:cs typeface="Arial"/>
+              </a:rPr>
+              <a:t>TA – Class Matching</a:t>
+            </a:r>
+            <a:endParaRPr lang="en-US" sz="4000" dirty="0">
+              <a:latin typeface="Arial"/>
+              <a:cs typeface="Arial"/>
+            </a:endParaRPr>
           </a:p>
         </p:txBody>
       </p:sp>
       <p:sp>
         <p:nvSpPr>
-          <p:cNvPr id="79" name="Right Arrow 78"/>
-          <p:cNvSpPr/>
+          <p:cNvPr id="53" name="TextBox 52">
+            <a:extLst>
+              <a:ext uri="{FF2B5EF4-FFF2-40B4-BE49-F238E27FC236}">
+                <a16:creationId xmlns:a16="http://schemas.microsoft.com/office/drawing/2014/main" id="{C99A137E-4508-405A-BCA9-B96BB8BE2952}"/>
+              </a:ext>
+            </a:extLst>
+          </p:cNvPr>
+          <p:cNvSpPr txBox="1"/>
           <p:nvPr/>
         </p:nvSpPr>
         <p:spPr>
           <a:xfrm>
-            <a:off x="25578591" y="23623587"/>
-            <a:ext cx="1357343" cy="1301307"/>
-          </a:xfrm>
-          <a:prstGeom prst="rightArrow">
-            <a:avLst/>
-          </a:prstGeom>
-        </p:spPr>
-        <p:style>
-          <a:lnRef idx="2">
-            <a:schemeClr val="accent1">
-              <a:shade val="50000"/>
-            </a:schemeClr>
-          </a:lnRef>
-          <a:fillRef idx="1">
-            <a:schemeClr val="accent1"/>
-          </a:fillRef>
-          <a:effectRef idx="0">
-            <a:schemeClr val="accent1"/>
-          </a:effectRef>
-          <a:fontRef idx="minor">
-            <a:schemeClr val="lt1"/>
-          </a:fontRef>
-        </p:style>
+            <a:off x="14150044" y="21043901"/>
+            <a:ext cx="7795555" cy="707886"/>
+          </a:xfrm>
+          <a:prstGeom prst="rect">
+            <a:avLst/>
+          </a:prstGeom>
+          <a:noFill/>
+        </p:spPr>
         <p:txBody>
-          <a:bodyPr rtlCol="0" anchor="ctr"/>
+          <a:bodyPr wrap="square" rtlCol="0">
+            <a:spAutoFit/>
+          </a:bodyPr>
           <a:lstStyle/>
           <a:p>
-            <a:pPr algn="ctr"/>
-            <a:endParaRPr lang="en-US"/>
+            <a:r>
+              <a:rPr lang="en-US" sz="4000" b="1" dirty="0">
+                <a:latin typeface="Arial"/>
+                <a:cs typeface="Arial"/>
+              </a:rPr>
+              <a:t>TA Grading Supervision</a:t>
+            </a:r>
+            <a:endParaRPr lang="en-US" sz="4000" dirty="0">
+              <a:latin typeface="Arial"/>
+              <a:cs typeface="Arial"/>
+            </a:endParaRPr>
           </a:p>
         </p:txBody>
       </p:sp>
+      <p:pic>
+        <p:nvPicPr>
+          <p:cNvPr id="26" name="Picture 25">
+            <a:extLst>
+              <a:ext uri="{FF2B5EF4-FFF2-40B4-BE49-F238E27FC236}">
+                <a16:creationId xmlns:a16="http://schemas.microsoft.com/office/drawing/2014/main" id="{E3BF2E1B-D32A-465D-A254-1FCC32B82F03}"/>
+              </a:ext>
+            </a:extLst>
+          </p:cNvPr>
+          <p:cNvPicPr>
+            <a:picLocks noChangeAspect="1"/>
+          </p:cNvPicPr>
+          <p:nvPr/>
+        </p:nvPicPr>
+        <p:blipFill>
+          <a:blip r:embed="rId13"/>
+          <a:stretch>
+            <a:fillRect/>
+          </a:stretch>
+        </p:blipFill>
+        <p:spPr>
+          <a:xfrm>
+            <a:off x="21753554" y="7741399"/>
+            <a:ext cx="4910925" cy="3326473"/>
+          </a:xfrm>
+          <a:prstGeom prst="rect">
+            <a:avLst/>
+          </a:prstGeom>
+        </p:spPr>
+      </p:pic>
+      <p:sp>
+        <p:nvSpPr>
+          <p:cNvPr id="58" name="TextBox 57">
+            <a:extLst>
+              <a:ext uri="{FF2B5EF4-FFF2-40B4-BE49-F238E27FC236}">
+                <a16:creationId xmlns:a16="http://schemas.microsoft.com/office/drawing/2014/main" id="{76B46351-1D5C-49F7-9DD3-8A7F1D4795F7}"/>
+              </a:ext>
+            </a:extLst>
+          </p:cNvPr>
+          <p:cNvSpPr txBox="1"/>
+          <p:nvPr/>
+        </p:nvSpPr>
+        <p:spPr>
+          <a:xfrm>
+            <a:off x="14150044" y="8305965"/>
+            <a:ext cx="7044708" cy="2862322"/>
+          </a:xfrm>
+          <a:prstGeom prst="rect">
+            <a:avLst/>
+          </a:prstGeom>
+          <a:noFill/>
+        </p:spPr>
+        <p:txBody>
+          <a:bodyPr wrap="square" rtlCol="0">
+            <a:spAutoFit/>
+          </a:bodyPr>
+          <a:lstStyle/>
+          <a:p>
+            <a:pPr marL="571500" indent="-571500">
+              <a:buFont typeface="Arial" panose="020B0604020202020204" pitchFamily="34" charset="0"/>
+              <a:buChar char="•"/>
+            </a:pPr>
+            <a:r>
+              <a:rPr lang="en-US" sz="3600" dirty="0">
+                <a:latin typeface="Arial"/>
+                <a:cs typeface="Arial"/>
+              </a:rPr>
+              <a:t>Recruitment by word of mouth</a:t>
+            </a:r>
+          </a:p>
+          <a:p>
+            <a:pPr marL="571500" indent="-571500">
+              <a:buFont typeface="Arial" panose="020B0604020202020204" pitchFamily="34" charset="0"/>
+              <a:buChar char="•"/>
+            </a:pPr>
+            <a:r>
+              <a:rPr lang="en-US" sz="3600" dirty="0">
+                <a:latin typeface="Arial"/>
+                <a:cs typeface="Arial"/>
+              </a:rPr>
+              <a:t>Students do not know how to apply</a:t>
+            </a:r>
+          </a:p>
+          <a:p>
+            <a:pPr marL="571500" indent="-571500">
+              <a:buFont typeface="Arial" panose="020B0604020202020204" pitchFamily="34" charset="0"/>
+              <a:buChar char="•"/>
+            </a:pPr>
+            <a:r>
+              <a:rPr lang="en-US" sz="3600" dirty="0">
+                <a:latin typeface="Arial"/>
+                <a:cs typeface="Arial"/>
+              </a:rPr>
+              <a:t>Applicant information obtained through conversation</a:t>
+            </a:r>
+          </a:p>
+        </p:txBody>
+      </p:sp>
+      <p:sp>
+        <p:nvSpPr>
+          <p:cNvPr id="61" name="TextBox 60">
+            <a:extLst>
+              <a:ext uri="{FF2B5EF4-FFF2-40B4-BE49-F238E27FC236}">
+                <a16:creationId xmlns:a16="http://schemas.microsoft.com/office/drawing/2014/main" id="{73AA1AA5-D2CB-438B-8A55-14D1805B530C}"/>
+              </a:ext>
+            </a:extLst>
+          </p:cNvPr>
+          <p:cNvSpPr txBox="1"/>
+          <p:nvPr/>
+        </p:nvSpPr>
+        <p:spPr>
+          <a:xfrm>
+            <a:off x="14213355" y="17089289"/>
+            <a:ext cx="6811800" cy="3416320"/>
+          </a:xfrm>
+          <a:prstGeom prst="rect">
+            <a:avLst/>
+          </a:prstGeom>
+          <a:noFill/>
+        </p:spPr>
+        <p:txBody>
+          <a:bodyPr wrap="square" rtlCol="0">
+            <a:spAutoFit/>
+          </a:bodyPr>
+          <a:lstStyle/>
+          <a:p>
+            <a:pPr marL="571500" indent="-571500">
+              <a:buFont typeface="Arial" panose="020B0604020202020204" pitchFamily="34" charset="0"/>
+              <a:buChar char="•"/>
+            </a:pPr>
+            <a:r>
+              <a:rPr lang="en-US" sz="3600" dirty="0">
+                <a:latin typeface="Arial"/>
+                <a:cs typeface="Arial"/>
+              </a:rPr>
+              <a:t>Manual emails required to check TA availability</a:t>
+            </a:r>
+          </a:p>
+          <a:p>
+            <a:pPr marL="571500" indent="-571500">
+              <a:buFont typeface="Arial" panose="020B0604020202020204" pitchFamily="34" charset="0"/>
+              <a:buChar char="•"/>
+            </a:pPr>
+            <a:r>
+              <a:rPr lang="en-US" sz="3600" dirty="0">
+                <a:latin typeface="Arial"/>
+                <a:cs typeface="Arial"/>
+              </a:rPr>
+              <a:t>No long-term record of TA experience or qualifications</a:t>
+            </a:r>
+          </a:p>
+          <a:p>
+            <a:pPr marL="571500" indent="-571500">
+              <a:buFont typeface="Arial" panose="020B0604020202020204" pitchFamily="34" charset="0"/>
+              <a:buChar char="•"/>
+            </a:pPr>
+            <a:r>
+              <a:rPr lang="en-US" sz="3600" dirty="0">
+                <a:latin typeface="Arial"/>
+                <a:cs typeface="Arial"/>
+              </a:rPr>
+              <a:t>No consistent method to update TA qualifications</a:t>
+            </a:r>
+          </a:p>
+        </p:txBody>
+      </p:sp>
+      <p:sp>
+        <p:nvSpPr>
+          <p:cNvPr id="63" name="TextBox 62">
+            <a:extLst>
+              <a:ext uri="{FF2B5EF4-FFF2-40B4-BE49-F238E27FC236}">
+                <a16:creationId xmlns:a16="http://schemas.microsoft.com/office/drawing/2014/main" id="{94E7948D-2D97-42E6-8341-1E5AFAB6473F}"/>
+              </a:ext>
+            </a:extLst>
+          </p:cNvPr>
+          <p:cNvSpPr txBox="1"/>
+          <p:nvPr/>
+        </p:nvSpPr>
+        <p:spPr>
+          <a:xfrm>
+            <a:off x="14213355" y="21806059"/>
+            <a:ext cx="8274861" cy="3970318"/>
+          </a:xfrm>
+          <a:prstGeom prst="rect">
+            <a:avLst/>
+          </a:prstGeom>
+          <a:noFill/>
+        </p:spPr>
+        <p:txBody>
+          <a:bodyPr wrap="square" rtlCol="0">
+            <a:spAutoFit/>
+          </a:bodyPr>
+          <a:lstStyle/>
+          <a:p>
+            <a:pPr marL="571500" indent="-571500">
+              <a:buFont typeface="Arial" panose="020B0604020202020204" pitchFamily="34" charset="0"/>
+              <a:buChar char="•"/>
+            </a:pPr>
+            <a:r>
+              <a:rPr lang="en-US" sz="3600" dirty="0">
+                <a:latin typeface="Arial"/>
+                <a:cs typeface="Arial"/>
+              </a:rPr>
+              <a:t>Professors may assign grading to a TA, but it is difficult to record progress</a:t>
+            </a:r>
+          </a:p>
+          <a:p>
+            <a:pPr marL="571500" indent="-571500">
+              <a:buFont typeface="Arial" panose="020B0604020202020204" pitchFamily="34" charset="0"/>
+              <a:buChar char="•"/>
+            </a:pPr>
+            <a:r>
+              <a:rPr lang="en-US" sz="3600" dirty="0">
+                <a:latin typeface="Arial"/>
+                <a:cs typeface="Arial"/>
+              </a:rPr>
+              <a:t>TAs often find it difficult to know specific directions for grading</a:t>
+            </a:r>
+          </a:p>
+          <a:p>
+            <a:pPr marL="571500" indent="-571500">
+              <a:buFont typeface="Arial" panose="020B0604020202020204" pitchFamily="34" charset="0"/>
+              <a:buChar char="•"/>
+            </a:pPr>
+            <a:r>
+              <a:rPr lang="en-US" sz="3600" dirty="0">
+                <a:latin typeface="Arial"/>
+                <a:cs typeface="Arial"/>
+              </a:rPr>
+              <a:t>Multiple graders causes inconsistency</a:t>
+            </a:r>
+          </a:p>
+        </p:txBody>
+      </p:sp>
+      <p:sp>
+        <p:nvSpPr>
+          <p:cNvPr id="64" name="TextBox 63">
+            <a:extLst>
+              <a:ext uri="{FF2B5EF4-FFF2-40B4-BE49-F238E27FC236}">
+                <a16:creationId xmlns:a16="http://schemas.microsoft.com/office/drawing/2014/main" id="{F7C984AF-D67A-4E5D-8AE5-2085C10196B4}"/>
+              </a:ext>
+            </a:extLst>
+          </p:cNvPr>
+          <p:cNvSpPr txBox="1"/>
+          <p:nvPr/>
+        </p:nvSpPr>
+        <p:spPr>
+          <a:xfrm>
+            <a:off x="35122196" y="7677176"/>
+            <a:ext cx="7705638" cy="3416320"/>
+          </a:xfrm>
+          <a:prstGeom prst="rect">
+            <a:avLst/>
+          </a:prstGeom>
+          <a:noFill/>
+        </p:spPr>
+        <p:txBody>
+          <a:bodyPr wrap="square" rtlCol="0">
+            <a:spAutoFit/>
+          </a:bodyPr>
+          <a:lstStyle/>
+          <a:p>
+            <a:pPr marL="571500" indent="-571500">
+              <a:buFont typeface="Arial" panose="020B0604020202020204" pitchFamily="34" charset="0"/>
+              <a:buChar char="•"/>
+            </a:pPr>
+            <a:r>
+              <a:rPr lang="en-US" sz="3600" dirty="0">
+                <a:latin typeface="Arial"/>
+                <a:cs typeface="Arial"/>
+              </a:rPr>
+              <a:t>Application available through web portal</a:t>
+            </a:r>
+          </a:p>
+          <a:p>
+            <a:pPr marL="571500" indent="-571500">
+              <a:buFont typeface="Arial" panose="020B0604020202020204" pitchFamily="34" charset="0"/>
+              <a:buChar char="•"/>
+            </a:pPr>
+            <a:r>
+              <a:rPr lang="en-US" sz="3600" dirty="0">
+                <a:latin typeface="Arial"/>
+                <a:cs typeface="Arial"/>
+              </a:rPr>
+              <a:t>Qualifications gathered and stored</a:t>
+            </a:r>
+          </a:p>
+          <a:p>
+            <a:pPr marL="571500" indent="-571500">
+              <a:buFont typeface="Arial" panose="020B0604020202020204" pitchFamily="34" charset="0"/>
+              <a:buChar char="•"/>
+            </a:pPr>
+            <a:r>
+              <a:rPr lang="en-US" sz="3600" dirty="0">
+                <a:latin typeface="Arial"/>
+                <a:cs typeface="Arial"/>
+              </a:rPr>
+              <a:t>Enables easy evaluation by VCU administrator</a:t>
+            </a:r>
+          </a:p>
+        </p:txBody>
+      </p:sp>
+      <p:sp>
+        <p:nvSpPr>
+          <p:cNvPr id="80" name="TextBox 79">
+            <a:extLst>
+              <a:ext uri="{FF2B5EF4-FFF2-40B4-BE49-F238E27FC236}">
+                <a16:creationId xmlns:a16="http://schemas.microsoft.com/office/drawing/2014/main" id="{C02EE726-67FB-4B16-BD77-92ECDFFB3A2F}"/>
+              </a:ext>
+            </a:extLst>
+          </p:cNvPr>
+          <p:cNvSpPr txBox="1"/>
+          <p:nvPr/>
+        </p:nvSpPr>
+        <p:spPr>
+          <a:xfrm>
+            <a:off x="35122196" y="12039304"/>
+            <a:ext cx="7705638" cy="3970318"/>
+          </a:xfrm>
+          <a:prstGeom prst="rect">
+            <a:avLst/>
+          </a:prstGeom>
+          <a:noFill/>
+        </p:spPr>
+        <p:txBody>
+          <a:bodyPr wrap="square" rtlCol="0">
+            <a:spAutoFit/>
+          </a:bodyPr>
+          <a:lstStyle/>
+          <a:p>
+            <a:pPr marL="571500" indent="-571500">
+              <a:buFont typeface="Arial" panose="020B0604020202020204" pitchFamily="34" charset="0"/>
+              <a:buChar char="•"/>
+            </a:pPr>
+            <a:r>
+              <a:rPr lang="en-US" sz="3600" dirty="0">
+                <a:latin typeface="Arial"/>
+                <a:cs typeface="Arial"/>
+              </a:rPr>
+              <a:t>TA Handbook available in web application</a:t>
+            </a:r>
+          </a:p>
+          <a:p>
+            <a:pPr marL="571500" indent="-571500">
+              <a:buFont typeface="Arial" panose="020B0604020202020204" pitchFamily="34" charset="0"/>
+              <a:buChar char="•"/>
+            </a:pPr>
+            <a:r>
+              <a:rPr lang="en-US" sz="3600" dirty="0">
+                <a:latin typeface="Arial"/>
+                <a:cs typeface="Arial"/>
+              </a:rPr>
+              <a:t>Acts as a contract of TA responsibilities and expectations</a:t>
+            </a:r>
+          </a:p>
+          <a:p>
+            <a:pPr marL="571500" indent="-571500">
+              <a:buFont typeface="Arial" panose="020B0604020202020204" pitchFamily="34" charset="0"/>
+              <a:buChar char="•"/>
+            </a:pPr>
+            <a:r>
+              <a:rPr lang="en-US" sz="3600" dirty="0">
+                <a:latin typeface="Arial"/>
+                <a:cs typeface="Arial"/>
+              </a:rPr>
+              <a:t>TA onboarding and training information available in a centralized location</a:t>
+            </a:r>
+          </a:p>
+        </p:txBody>
+      </p:sp>
+      <p:sp>
+        <p:nvSpPr>
+          <p:cNvPr id="81" name="TextBox 80">
+            <a:extLst>
+              <a:ext uri="{FF2B5EF4-FFF2-40B4-BE49-F238E27FC236}">
+                <a16:creationId xmlns:a16="http://schemas.microsoft.com/office/drawing/2014/main" id="{D7ABFE1F-C31A-45B3-815B-4DEC4AFAB2DC}"/>
+              </a:ext>
+            </a:extLst>
+          </p:cNvPr>
+          <p:cNvSpPr txBox="1"/>
+          <p:nvPr/>
+        </p:nvSpPr>
+        <p:spPr>
+          <a:xfrm>
+            <a:off x="35122196" y="16528296"/>
+            <a:ext cx="7705639" cy="3416320"/>
+          </a:xfrm>
+          <a:prstGeom prst="rect">
+            <a:avLst/>
+          </a:prstGeom>
+          <a:noFill/>
+        </p:spPr>
+        <p:txBody>
+          <a:bodyPr wrap="square" rtlCol="0">
+            <a:spAutoFit/>
+          </a:bodyPr>
+          <a:lstStyle/>
+          <a:p>
+            <a:pPr marL="571500" indent="-571500">
+              <a:buFont typeface="Arial" panose="020B0604020202020204" pitchFamily="34" charset="0"/>
+              <a:buChar char="•"/>
+            </a:pPr>
+            <a:r>
+              <a:rPr lang="en-US" sz="3600" dirty="0">
+                <a:latin typeface="Arial"/>
+                <a:cs typeface="Arial"/>
+              </a:rPr>
+              <a:t>TAs prompted each semester for updates</a:t>
+            </a:r>
+          </a:p>
+          <a:p>
+            <a:pPr marL="571500" indent="-571500">
+              <a:buFont typeface="Arial" panose="020B0604020202020204" pitchFamily="34" charset="0"/>
+              <a:buChar char="•"/>
+            </a:pPr>
+            <a:r>
+              <a:rPr lang="en-US" sz="3600" dirty="0">
+                <a:latin typeface="Arial"/>
+                <a:cs typeface="Arial"/>
+              </a:rPr>
+              <a:t>Professors can assign qualified TAs to their course within the app</a:t>
+            </a:r>
+          </a:p>
+          <a:p>
+            <a:pPr marL="571500" indent="-571500">
+              <a:buFont typeface="Arial" panose="020B0604020202020204" pitchFamily="34" charset="0"/>
+              <a:buChar char="•"/>
+            </a:pPr>
+            <a:r>
+              <a:rPr lang="en-US" sz="3600" dirty="0">
+                <a:latin typeface="Arial"/>
+                <a:cs typeface="Arial"/>
+              </a:rPr>
+              <a:t>TAs are notified by email when selected</a:t>
+            </a:r>
+          </a:p>
+        </p:txBody>
+      </p:sp>
+      <p:sp>
+        <p:nvSpPr>
+          <p:cNvPr id="82" name="TextBox 81">
+            <a:extLst>
+              <a:ext uri="{FF2B5EF4-FFF2-40B4-BE49-F238E27FC236}">
+                <a16:creationId xmlns:a16="http://schemas.microsoft.com/office/drawing/2014/main" id="{B1AE5993-4889-4828-B2E5-AF18E4839FDA}"/>
+              </a:ext>
+            </a:extLst>
+          </p:cNvPr>
+          <p:cNvSpPr txBox="1"/>
+          <p:nvPr/>
+        </p:nvSpPr>
+        <p:spPr>
+          <a:xfrm>
+            <a:off x="35122196" y="21184482"/>
+            <a:ext cx="8274861" cy="3970318"/>
+          </a:xfrm>
+          <a:prstGeom prst="rect">
+            <a:avLst/>
+          </a:prstGeom>
+          <a:noFill/>
+        </p:spPr>
+        <p:txBody>
+          <a:bodyPr wrap="square" rtlCol="0">
+            <a:spAutoFit/>
+          </a:bodyPr>
+          <a:lstStyle/>
+          <a:p>
+            <a:pPr marL="571500" indent="-571500">
+              <a:buFont typeface="Arial" panose="020B0604020202020204" pitchFamily="34" charset="0"/>
+              <a:buChar char="•"/>
+            </a:pPr>
+            <a:r>
+              <a:rPr lang="en-US" sz="3600" dirty="0">
+                <a:latin typeface="Arial"/>
+                <a:cs typeface="Arial"/>
+              </a:rPr>
+              <a:t>Grading can be assigned in the web application and progress is recorded</a:t>
+            </a:r>
+          </a:p>
+          <a:p>
+            <a:pPr marL="571500" indent="-571500">
+              <a:buFont typeface="Arial" panose="020B0604020202020204" pitchFamily="34" charset="0"/>
+              <a:buChar char="•"/>
+            </a:pPr>
+            <a:r>
+              <a:rPr lang="en-US" sz="3600" dirty="0">
+                <a:latin typeface="Arial"/>
+                <a:cs typeface="Arial"/>
+              </a:rPr>
+              <a:t>TAs are notified when assigned grading and given a link to </a:t>
+            </a:r>
+            <a:r>
+              <a:rPr lang="en-US" sz="3600" i="1" dirty="0" err="1">
+                <a:latin typeface="Arial"/>
+                <a:cs typeface="Arial"/>
+              </a:rPr>
+              <a:t>Gradescope</a:t>
+            </a:r>
+            <a:endParaRPr lang="en-US" sz="3600" i="1" dirty="0">
+              <a:latin typeface="Arial"/>
+              <a:cs typeface="Arial"/>
+            </a:endParaRPr>
+          </a:p>
+          <a:p>
+            <a:pPr marL="571500" indent="-571500">
+              <a:buFont typeface="Arial" panose="020B0604020202020204" pitchFamily="34" charset="0"/>
+              <a:buChar char="•"/>
+            </a:pPr>
+            <a:r>
+              <a:rPr lang="en-US" sz="3600" dirty="0">
+                <a:latin typeface="Arial"/>
+                <a:cs typeface="Arial"/>
+              </a:rPr>
+              <a:t>Grading directions and rubric notes can be added to assignments</a:t>
+            </a:r>
+          </a:p>
+        </p:txBody>
+      </p:sp>
+      <p:pic>
+        <p:nvPicPr>
+          <p:cNvPr id="37" name="Picture 36">
+            <a:extLst>
+              <a:ext uri="{FF2B5EF4-FFF2-40B4-BE49-F238E27FC236}">
+                <a16:creationId xmlns:a16="http://schemas.microsoft.com/office/drawing/2014/main" id="{E3CC8EB9-8135-4B4A-A704-DA81AFF18B14}"/>
+              </a:ext>
+            </a:extLst>
+          </p:cNvPr>
+          <p:cNvPicPr>
+            <a:picLocks noChangeAspect="1"/>
+          </p:cNvPicPr>
+          <p:nvPr/>
+        </p:nvPicPr>
+        <p:blipFill>
+          <a:blip r:embed="rId14"/>
+          <a:stretch>
+            <a:fillRect/>
+          </a:stretch>
+        </p:blipFill>
+        <p:spPr>
+          <a:xfrm>
+            <a:off x="-8302892" y="11435416"/>
+            <a:ext cx="3389457" cy="3389457"/>
+          </a:xfrm>
+          <a:prstGeom prst="rect">
+            <a:avLst/>
+          </a:prstGeom>
+        </p:spPr>
+      </p:pic>
+      <p:pic>
+        <p:nvPicPr>
+          <p:cNvPr id="39" name="Picture 38">
+            <a:extLst>
+              <a:ext uri="{FF2B5EF4-FFF2-40B4-BE49-F238E27FC236}">
+                <a16:creationId xmlns:a16="http://schemas.microsoft.com/office/drawing/2014/main" id="{286303FF-CCC6-43BF-A94E-F23FFA8117A0}"/>
+              </a:ext>
+            </a:extLst>
+          </p:cNvPr>
+          <p:cNvPicPr>
+            <a:picLocks noChangeAspect="1"/>
+          </p:cNvPicPr>
+          <p:nvPr/>
+        </p:nvPicPr>
+        <p:blipFill>
+          <a:blip r:embed="rId15"/>
+          <a:stretch>
+            <a:fillRect/>
+          </a:stretch>
+        </p:blipFill>
+        <p:spPr>
+          <a:xfrm>
+            <a:off x="21652807" y="16360303"/>
+            <a:ext cx="4681440" cy="3976046"/>
+          </a:xfrm>
+          <a:prstGeom prst="rect">
+            <a:avLst/>
+          </a:prstGeom>
+        </p:spPr>
+      </p:pic>
+      <p:pic>
+        <p:nvPicPr>
+          <p:cNvPr id="41" name="Picture 40" descr="A close up of a logo&#10;&#10;Description automatically generated">
+            <a:extLst>
+              <a:ext uri="{FF2B5EF4-FFF2-40B4-BE49-F238E27FC236}">
+                <a16:creationId xmlns:a16="http://schemas.microsoft.com/office/drawing/2014/main" id="{70F39D0C-1913-42A7-B920-A0EE01B93B69}"/>
+              </a:ext>
+            </a:extLst>
+          </p:cNvPr>
+          <p:cNvPicPr>
+            <a:picLocks noChangeAspect="1"/>
+          </p:cNvPicPr>
+          <p:nvPr/>
+        </p:nvPicPr>
+        <p:blipFill>
+          <a:blip r:embed="rId16"/>
+          <a:stretch>
+            <a:fillRect/>
+          </a:stretch>
+        </p:blipFill>
+        <p:spPr>
+          <a:xfrm>
+            <a:off x="22673249" y="21263761"/>
+            <a:ext cx="3609975" cy="3124200"/>
+          </a:xfrm>
+          <a:prstGeom prst="rect">
+            <a:avLst/>
+          </a:prstGeom>
+        </p:spPr>
+      </p:pic>
+      <p:pic>
+        <p:nvPicPr>
+          <p:cNvPr id="43" name="Picture 42">
+            <a:extLst>
+              <a:ext uri="{FF2B5EF4-FFF2-40B4-BE49-F238E27FC236}">
+                <a16:creationId xmlns:a16="http://schemas.microsoft.com/office/drawing/2014/main" id="{3E1A12BD-5369-47E6-B242-AE5F27FF6B87}"/>
+              </a:ext>
+            </a:extLst>
+          </p:cNvPr>
+          <p:cNvPicPr>
+            <a:picLocks noChangeAspect="1"/>
+          </p:cNvPicPr>
+          <p:nvPr/>
+        </p:nvPicPr>
+        <p:blipFill>
+          <a:blip r:embed="rId17"/>
+          <a:stretch>
+            <a:fillRect/>
+          </a:stretch>
+        </p:blipFill>
+        <p:spPr>
+          <a:xfrm>
+            <a:off x="28926030" y="12084354"/>
+            <a:ext cx="5287710" cy="3641653"/>
+          </a:xfrm>
+          <a:prstGeom prst="rect">
+            <a:avLst/>
+          </a:prstGeom>
+        </p:spPr>
+      </p:pic>
+      <p:pic>
+        <p:nvPicPr>
+          <p:cNvPr id="54" name="Picture 53" descr="A picture containing object&#10;&#10;Description automatically generated">
+            <a:extLst>
+              <a:ext uri="{FF2B5EF4-FFF2-40B4-BE49-F238E27FC236}">
+                <a16:creationId xmlns:a16="http://schemas.microsoft.com/office/drawing/2014/main" id="{8CAAF468-2E3F-4B8A-BF5D-240C6A4D781A}"/>
+              </a:ext>
+            </a:extLst>
+          </p:cNvPr>
+          <p:cNvPicPr>
+            <a:picLocks noChangeAspect="1"/>
+          </p:cNvPicPr>
+          <p:nvPr/>
+        </p:nvPicPr>
+        <p:blipFill>
+          <a:blip r:embed="rId18"/>
+          <a:stretch>
+            <a:fillRect/>
+          </a:stretch>
+        </p:blipFill>
+        <p:spPr>
+          <a:xfrm>
+            <a:off x="29029789" y="21263761"/>
+            <a:ext cx="5359180" cy="3582340"/>
+          </a:xfrm>
+          <a:prstGeom prst="rect">
+            <a:avLst/>
+          </a:prstGeom>
+        </p:spPr>
+      </p:pic>
+      <p:pic>
+        <p:nvPicPr>
+          <p:cNvPr id="56" name="Picture 55">
+            <a:extLst>
+              <a:ext uri="{FF2B5EF4-FFF2-40B4-BE49-F238E27FC236}">
+                <a16:creationId xmlns:a16="http://schemas.microsoft.com/office/drawing/2014/main" id="{37AE2D15-430F-43D8-A837-3E272F4F1569}"/>
+              </a:ext>
+            </a:extLst>
+          </p:cNvPr>
+          <p:cNvPicPr>
+            <a:picLocks noChangeAspect="1"/>
+          </p:cNvPicPr>
+          <p:nvPr/>
+        </p:nvPicPr>
+        <p:blipFill>
+          <a:blip r:embed="rId19"/>
+          <a:stretch>
+            <a:fillRect/>
+          </a:stretch>
+        </p:blipFill>
+        <p:spPr>
+          <a:xfrm>
+            <a:off x="29228541" y="16297553"/>
+            <a:ext cx="4682688" cy="4243430"/>
+          </a:xfrm>
+          <a:prstGeom prst="rect">
+            <a:avLst/>
+          </a:prstGeom>
+        </p:spPr>
+      </p:pic>
+      <p:sp>
+        <p:nvSpPr>
+          <p:cNvPr id="84" name="TextBox 83">
+            <a:extLst>
+              <a:ext uri="{FF2B5EF4-FFF2-40B4-BE49-F238E27FC236}">
+                <a16:creationId xmlns:a16="http://schemas.microsoft.com/office/drawing/2014/main" id="{2C630BA2-5C1A-4852-B513-9845A49E365A}"/>
+              </a:ext>
+            </a:extLst>
+          </p:cNvPr>
+          <p:cNvSpPr txBox="1"/>
+          <p:nvPr/>
+        </p:nvSpPr>
+        <p:spPr>
+          <a:xfrm>
+            <a:off x="14153322" y="12712124"/>
+            <a:ext cx="5933478" cy="2862322"/>
+          </a:xfrm>
+          <a:prstGeom prst="rect">
+            <a:avLst/>
+          </a:prstGeom>
+          <a:noFill/>
+        </p:spPr>
+        <p:txBody>
+          <a:bodyPr wrap="square" rtlCol="0">
+            <a:spAutoFit/>
+          </a:bodyPr>
+          <a:lstStyle/>
+          <a:p>
+            <a:pPr marL="571500" indent="-571500">
+              <a:buFont typeface="Arial" panose="020B0604020202020204" pitchFamily="34" charset="0"/>
+              <a:buChar char="•"/>
+            </a:pPr>
+            <a:r>
+              <a:rPr lang="en-US" sz="3600" dirty="0">
+                <a:latin typeface="Arial"/>
+                <a:cs typeface="Arial"/>
+              </a:rPr>
+              <a:t>TAs trained individually without a centralized standard</a:t>
+            </a:r>
+          </a:p>
+          <a:p>
+            <a:pPr marL="571500" indent="-571500">
+              <a:buFont typeface="Arial" panose="020B0604020202020204" pitchFamily="34" charset="0"/>
+              <a:buChar char="•"/>
+            </a:pPr>
+            <a:r>
+              <a:rPr lang="en-US" sz="3600" dirty="0">
+                <a:latin typeface="Arial"/>
+                <a:cs typeface="Arial"/>
+              </a:rPr>
+              <a:t>TAs often are unsure of their duties</a:t>
+            </a:r>
+          </a:p>
+        </p:txBody>
+      </p:sp>
+      <p:pic>
+        <p:nvPicPr>
+          <p:cNvPr id="65" name="Picture 64" descr="A close up of a logo&#10;&#10;Description automatically generated">
+            <a:extLst>
+              <a:ext uri="{FF2B5EF4-FFF2-40B4-BE49-F238E27FC236}">
+                <a16:creationId xmlns:a16="http://schemas.microsoft.com/office/drawing/2014/main" id="{911BBA66-BD15-4D00-96B4-DCD7A4F8E1D5}"/>
+              </a:ext>
+            </a:extLst>
+          </p:cNvPr>
+          <p:cNvPicPr>
+            <a:picLocks noChangeAspect="1"/>
+          </p:cNvPicPr>
+          <p:nvPr/>
+        </p:nvPicPr>
+        <p:blipFill>
+          <a:blip r:embed="rId20"/>
+          <a:stretch>
+            <a:fillRect/>
+          </a:stretch>
+        </p:blipFill>
+        <p:spPr>
+          <a:xfrm>
+            <a:off x="28623521" y="7604378"/>
+            <a:ext cx="6394975" cy="3645344"/>
+          </a:xfrm>
+          <a:prstGeom prst="rect">
+            <a:avLst/>
+          </a:prstGeom>
+        </p:spPr>
+      </p:pic>
+      <p:pic>
+        <p:nvPicPr>
+          <p:cNvPr id="83" name="Picture 82" descr="A screen shot of a computer&#10;&#10;Description automatically generated">
+            <a:extLst>
+              <a:ext uri="{FF2B5EF4-FFF2-40B4-BE49-F238E27FC236}">
+                <a16:creationId xmlns:a16="http://schemas.microsoft.com/office/drawing/2014/main" id="{6E0766DF-560B-4305-A4BF-D0E24AE17FD2}"/>
+              </a:ext>
+            </a:extLst>
+          </p:cNvPr>
+          <p:cNvPicPr>
+            <a:picLocks noChangeAspect="1"/>
+          </p:cNvPicPr>
+          <p:nvPr/>
+        </p:nvPicPr>
+        <p:blipFill>
+          <a:blip r:embed="rId21"/>
+          <a:stretch>
+            <a:fillRect/>
+          </a:stretch>
+        </p:blipFill>
+        <p:spPr>
+          <a:xfrm>
+            <a:off x="-9751152" y="16210779"/>
+            <a:ext cx="8662848" cy="5391484"/>
+          </a:xfrm>
+          <a:prstGeom prst="rect">
+            <a:avLst/>
+          </a:prstGeom>
+        </p:spPr>
+      </p:pic>
     </p:spTree>
     <p:extLst>
       <p:ext uri="{BB962C8B-B14F-4D97-AF65-F5344CB8AC3E}">

--- a/Documentation/ProjectDescription/Poster/CS-313TAMS-PosterDraft.pptx
+++ b/Documentation/ProjectDescription/Poster/CS-313TAMS-PosterDraft.pptx
@@ -209,7 +209,7 @@
             <a:fld id="{B68B959A-7C95-4BA3-9E85-416554B5BF05}" type="datetimeFigureOut">
               <a:rPr lang="en-US" smtClean="0"/>
               <a:pPr/>
-              <a:t>3/20/2019</a:t>
+              <a:t>3/21/2019</a:t>
             </a:fld>
             <a:endParaRPr lang="en-US"/>
           </a:p>
@@ -937,107 +937,6 @@
       </p:grpSpPr>
       <p:sp>
         <p:nvSpPr>
-          <p:cNvPr id="7" name="TextBox 6"/>
-          <p:cNvSpPr txBox="1"/>
-          <p:nvPr/>
-        </p:nvSpPr>
-        <p:spPr>
-          <a:xfrm>
-            <a:off x="1419594" y="12377243"/>
-            <a:ext cx="11946213" cy="3600986"/>
-          </a:xfrm>
-          <a:prstGeom prst="rect">
-            <a:avLst/>
-          </a:prstGeom>
-          <a:noFill/>
-        </p:spPr>
-        <p:txBody>
-          <a:bodyPr wrap="square" rtlCol="0">
-            <a:spAutoFit/>
-          </a:bodyPr>
-          <a:lstStyle/>
-          <a:p>
-            <a:r>
-              <a:rPr lang="en-US" sz="4800" b="1" dirty="0">
-                <a:latin typeface="Arial"/>
-                <a:cs typeface="Arial"/>
-              </a:rPr>
-              <a:t>Solution Outline</a:t>
-            </a:r>
-            <a:endParaRPr lang="en-US" sz="3600" dirty="0">
-              <a:latin typeface="Arial"/>
-              <a:cs typeface="Arial"/>
-            </a:endParaRPr>
-          </a:p>
-          <a:p>
-            <a:pPr>
-              <a:buFont typeface="Arial" pitchFamily="34" charset="0"/>
-              <a:buChar char="•"/>
-            </a:pPr>
-            <a:r>
-              <a:rPr lang="en-US" sz="3600" dirty="0">
-                <a:latin typeface="Arial"/>
-                <a:cs typeface="Arial"/>
-              </a:rPr>
-              <a:t>Data storage system</a:t>
-            </a:r>
-          </a:p>
-          <a:p>
-            <a:pPr>
-              <a:buFont typeface="Arial" pitchFamily="34" charset="0"/>
-              <a:buChar char="•"/>
-            </a:pPr>
-            <a:r>
-              <a:rPr lang="en-US" sz="3600" dirty="0">
-                <a:latin typeface="Arial"/>
-                <a:cs typeface="Arial"/>
-              </a:rPr>
-              <a:t>Current/past/potential TAs</a:t>
-            </a:r>
-          </a:p>
-          <a:p>
-            <a:pPr>
-              <a:buFont typeface="Arial" pitchFamily="34" charset="0"/>
-              <a:buChar char="•"/>
-            </a:pPr>
-            <a:r>
-              <a:rPr lang="en-US" sz="3600" dirty="0">
-                <a:latin typeface="Arial"/>
-                <a:cs typeface="Arial"/>
-              </a:rPr>
-              <a:t>Courses and sections</a:t>
-            </a:r>
-          </a:p>
-          <a:p>
-            <a:pPr>
-              <a:buFont typeface="Arial" pitchFamily="34" charset="0"/>
-              <a:buChar char="•"/>
-            </a:pPr>
-            <a:r>
-              <a:rPr lang="en-US" sz="3600" dirty="0">
-                <a:latin typeface="Arial"/>
-                <a:cs typeface="Arial"/>
-              </a:rPr>
-              <a:t>TA Application</a:t>
-            </a:r>
-          </a:p>
-          <a:p>
-            <a:pPr>
-              <a:buFont typeface="Arial" pitchFamily="34" charset="0"/>
-              <a:buChar char="•"/>
-            </a:pPr>
-            <a:r>
-              <a:rPr lang="en-US" sz="3600" dirty="0">
-                <a:latin typeface="Arial"/>
-                <a:cs typeface="Arial"/>
-              </a:rPr>
-              <a:t>TA Handbook</a:t>
-            </a:r>
-          </a:p>
-        </p:txBody>
-      </p:sp>
-      <p:sp>
-        <p:nvSpPr>
           <p:cNvPr id="13" name="TextBox 12"/>
           <p:cNvSpPr txBox="1"/>
           <p:nvPr/>
@@ -1336,50 +1235,6 @@
           </a:prstGeom>
         </p:spPr>
       </p:pic>
-      <p:cxnSp>
-        <p:nvCxnSpPr>
-          <p:cNvPr id="23" name="Straight Connector 22">
-            <a:extLst>
-              <a:ext uri="{FF2B5EF4-FFF2-40B4-BE49-F238E27FC236}">
-                <a16:creationId xmlns:a16="http://schemas.microsoft.com/office/drawing/2014/main" id="{F07ABC8A-B74D-4D01-862B-7356E3713D24}"/>
-              </a:ext>
-            </a:extLst>
-          </p:cNvPr>
-          <p:cNvCxnSpPr>
-            <a:cxnSpLocks/>
-          </p:cNvCxnSpPr>
-          <p:nvPr/>
-        </p:nvCxnSpPr>
-        <p:spPr>
-          <a:xfrm>
-            <a:off x="14153322" y="7106863"/>
-            <a:ext cx="27312730" cy="0"/>
-          </a:xfrm>
-          <a:prstGeom prst="line">
-            <a:avLst/>
-          </a:prstGeom>
-          <a:ln>
-            <a:solidFill>
-              <a:srgbClr val="3C3C3B"/>
-            </a:solidFill>
-            <a:prstDash val="dot"/>
-          </a:ln>
-        </p:spPr>
-        <p:style>
-          <a:lnRef idx="2">
-            <a:schemeClr val="accent1"/>
-          </a:lnRef>
-          <a:fillRef idx="0">
-            <a:schemeClr val="accent1"/>
-          </a:fillRef>
-          <a:effectRef idx="1">
-            <a:schemeClr val="accent1"/>
-          </a:effectRef>
-          <a:fontRef idx="minor">
-            <a:schemeClr val="tx1"/>
-          </a:fontRef>
-        </p:style>
-      </p:cxnSp>
       <p:sp>
         <p:nvSpPr>
           <p:cNvPr id="24" name="TextBox 23">
@@ -1394,7 +1249,7 @@
         </p:nvSpPr>
         <p:spPr>
           <a:xfrm>
-            <a:off x="1419594" y="7106863"/>
+            <a:off x="1352470" y="6942240"/>
             <a:ext cx="11946214" cy="3600986"/>
           </a:xfrm>
           <a:prstGeom prst="rect">
@@ -1415,75 +1270,19 @@
               </a:rPr>
               <a:t>Problem Statement</a:t>
             </a:r>
+          </a:p>
+          <a:p>
+            <a:r>
+              <a:rPr lang="en-US" sz="3600" dirty="0">
+                <a:latin typeface="Arial" panose="020B0604020202020204" pitchFamily="34" charset="0"/>
+                <a:cs typeface="Arial" panose="020B0604020202020204" pitchFamily="34" charset="0"/>
+              </a:rPr>
+              <a:t>Undergraduate teaching assistants (TAs) are a major resource in courses, but TA management is currently handled manually and is not scalable. A management system is needed to most effectively utilize TAs and allow courses to function smoothly. </a:t>
+            </a:r>
             <a:endParaRPr lang="en-US" sz="3600" dirty="0">
               <a:latin typeface="Arial"/>
               <a:cs typeface="Arial"/>
             </a:endParaRPr>
-          </a:p>
-          <a:p>
-            <a:pPr>
-              <a:buFont typeface="Arial" pitchFamily="34" charset="0"/>
-              <a:buChar char="•"/>
-            </a:pPr>
-            <a:r>
-              <a:rPr lang="en-US" sz="3600" dirty="0">
-                <a:latin typeface="Arial"/>
-                <a:cs typeface="Arial"/>
-              </a:rPr>
-              <a:t>Utilize the resources provided by the Department</a:t>
-            </a:r>
-          </a:p>
-          <a:p>
-            <a:pPr>
-              <a:buFont typeface="Arial" pitchFamily="34" charset="0"/>
-              <a:buChar char="•"/>
-            </a:pPr>
-            <a:r>
-              <a:rPr lang="en-US" sz="3600" dirty="0">
-                <a:latin typeface="Arial"/>
-                <a:cs typeface="Arial"/>
-              </a:rPr>
-              <a:t>Emphasis on TA recruitment and evaluation</a:t>
-            </a:r>
-          </a:p>
-          <a:p>
-            <a:pPr>
-              <a:buFont typeface="Arial" pitchFamily="34" charset="0"/>
-              <a:buChar char="•"/>
-            </a:pPr>
-            <a:r>
-              <a:rPr lang="en-US" sz="3600" dirty="0">
-                <a:latin typeface="Arial"/>
-                <a:cs typeface="Arial"/>
-              </a:rPr>
-              <a:t>TA training: guidelines and expectations</a:t>
-            </a:r>
-          </a:p>
-          <a:p>
-            <a:pPr>
-              <a:buFont typeface="Arial" pitchFamily="34" charset="0"/>
-              <a:buChar char="•"/>
-            </a:pPr>
-            <a:r>
-              <a:rPr lang="en-US" sz="3600" dirty="0">
-                <a:latin typeface="Arial"/>
-                <a:cs typeface="Arial"/>
-              </a:rPr>
-              <a:t>Course management</a:t>
-            </a:r>
-          </a:p>
-          <a:p>
-            <a:pPr>
-              <a:buFont typeface="Arial" pitchFamily="34" charset="0"/>
-              <a:buChar char="•"/>
-            </a:pPr>
-            <a:r>
-              <a:rPr lang="en-US" sz="3600" dirty="0">
-                <a:latin typeface="Arial"/>
-                <a:cs typeface="Arial"/>
-              </a:rPr>
-              <a:t>Communication between faculty and TAs</a:t>
-            </a:r>
           </a:p>
         </p:txBody>
       </p:sp>
@@ -1920,138 +1719,6 @@
           </a:prstGeom>
         </p:spPr>
       </p:pic>
-      <p:cxnSp>
-        <p:nvCxnSpPr>
-          <p:cNvPr id="45" name="Straight Connector 44">
-            <a:extLst>
-              <a:ext uri="{FF2B5EF4-FFF2-40B4-BE49-F238E27FC236}">
-                <a16:creationId xmlns:a16="http://schemas.microsoft.com/office/drawing/2014/main" id="{28F3A1C3-7DA2-46AD-B940-37895CD0E512}"/>
-              </a:ext>
-            </a:extLst>
-          </p:cNvPr>
-          <p:cNvCxnSpPr>
-            <a:cxnSpLocks/>
-          </p:cNvCxnSpPr>
-          <p:nvPr/>
-        </p:nvCxnSpPr>
-        <p:spPr>
-          <a:xfrm>
-            <a:off x="14153322" y="11592724"/>
-            <a:ext cx="27312730" cy="0"/>
-          </a:xfrm>
-          <a:prstGeom prst="line">
-            <a:avLst/>
-          </a:prstGeom>
-          <a:ln>
-            <a:solidFill>
-              <a:srgbClr val="3C3C3B"/>
-            </a:solidFill>
-            <a:prstDash val="dot"/>
-          </a:ln>
-        </p:spPr>
-        <p:style>
-          <a:lnRef idx="2">
-            <a:schemeClr val="accent1"/>
-          </a:lnRef>
-          <a:fillRef idx="0">
-            <a:schemeClr val="accent1"/>
-          </a:fillRef>
-          <a:effectRef idx="1">
-            <a:schemeClr val="accent1"/>
-          </a:effectRef>
-          <a:fontRef idx="minor">
-            <a:schemeClr val="tx1"/>
-          </a:fontRef>
-        </p:style>
-      </p:cxnSp>
-      <p:cxnSp>
-        <p:nvCxnSpPr>
-          <p:cNvPr id="46" name="Straight Connector 45">
-            <a:extLst>
-              <a:ext uri="{FF2B5EF4-FFF2-40B4-BE49-F238E27FC236}">
-                <a16:creationId xmlns:a16="http://schemas.microsoft.com/office/drawing/2014/main" id="{AA5CF751-B8BA-41E0-A271-EE173086B7E4}"/>
-              </a:ext>
-            </a:extLst>
-          </p:cNvPr>
-          <p:cNvCxnSpPr>
-            <a:cxnSpLocks/>
-          </p:cNvCxnSpPr>
-          <p:nvPr/>
-        </p:nvCxnSpPr>
-        <p:spPr>
-          <a:xfrm>
-            <a:off x="14153322" y="16003965"/>
-            <a:ext cx="27312730" cy="0"/>
-          </a:xfrm>
-          <a:prstGeom prst="line">
-            <a:avLst/>
-          </a:prstGeom>
-          <a:ln>
-            <a:solidFill>
-              <a:srgbClr val="3C3C3B"/>
-            </a:solidFill>
-            <a:prstDash val="dot"/>
-          </a:ln>
-        </p:spPr>
-        <p:style>
-          <a:lnRef idx="2">
-            <a:schemeClr val="accent1"/>
-          </a:lnRef>
-          <a:fillRef idx="0">
-            <a:schemeClr val="accent1"/>
-          </a:fillRef>
-          <a:effectRef idx="1">
-            <a:schemeClr val="accent1"/>
-          </a:effectRef>
-          <a:fontRef idx="minor">
-            <a:schemeClr val="tx1"/>
-          </a:fontRef>
-        </p:style>
-      </p:cxnSp>
-      <p:cxnSp>
-        <p:nvCxnSpPr>
-          <p:cNvPr id="47" name="Straight Connector 46">
-            <a:extLst>
-              <a:ext uri="{FF2B5EF4-FFF2-40B4-BE49-F238E27FC236}">
-                <a16:creationId xmlns:a16="http://schemas.microsoft.com/office/drawing/2014/main" id="{0190B3CC-7E2A-4817-B684-FAF5F5462BB3}"/>
-              </a:ext>
-            </a:extLst>
-          </p:cNvPr>
-          <p:cNvCxnSpPr>
-            <a:cxnSpLocks/>
-          </p:cNvCxnSpPr>
-          <p:nvPr/>
-        </p:nvCxnSpPr>
-        <p:spPr>
-          <a:xfrm>
-            <a:off x="14153322" y="20765943"/>
-            <a:ext cx="27312730" cy="0"/>
-          </a:xfrm>
-          <a:prstGeom prst="line">
-            <a:avLst/>
-          </a:prstGeom>
-          <a:ln>
-            <a:solidFill>
-              <a:srgbClr val="3C3C3B"/>
-            </a:solidFill>
-            <a:prstDash val="dot"/>
-          </a:ln>
-        </p:spPr>
-        <p:style>
-          <a:lnRef idx="2">
-            <a:schemeClr val="accent1"/>
-          </a:lnRef>
-          <a:fillRef idx="0">
-            <a:schemeClr val="accent1"/>
-          </a:fillRef>
-          <a:effectRef idx="1">
-            <a:schemeClr val="accent1"/>
-          </a:effectRef>
-          <a:fontRef idx="minor">
-            <a:schemeClr val="tx1"/>
-          </a:fontRef>
-        </p:style>
-      </p:cxnSp>
       <p:sp>
         <p:nvSpPr>
           <p:cNvPr id="48" name="TextBox 47">
@@ -2823,36 +2490,6 @@
       </p:sp>
       <p:pic>
         <p:nvPicPr>
-          <p:cNvPr id="37" name="Picture 36">
-            <a:extLst>
-              <a:ext uri="{FF2B5EF4-FFF2-40B4-BE49-F238E27FC236}">
-                <a16:creationId xmlns:a16="http://schemas.microsoft.com/office/drawing/2014/main" id="{E3CC8EB9-8135-4B4A-A704-DA81AFF18B14}"/>
-              </a:ext>
-            </a:extLst>
-          </p:cNvPr>
-          <p:cNvPicPr>
-            <a:picLocks noChangeAspect="1"/>
-          </p:cNvPicPr>
-          <p:nvPr/>
-        </p:nvPicPr>
-        <p:blipFill>
-          <a:blip r:embed="rId14"/>
-          <a:stretch>
-            <a:fillRect/>
-          </a:stretch>
-        </p:blipFill>
-        <p:spPr>
-          <a:xfrm>
-            <a:off x="-8302892" y="11435416"/>
-            <a:ext cx="3389457" cy="3389457"/>
-          </a:xfrm>
-          <a:prstGeom prst="rect">
-            <a:avLst/>
-          </a:prstGeom>
-        </p:spPr>
-      </p:pic>
-      <p:pic>
-        <p:nvPicPr>
           <p:cNvPr id="39" name="Picture 38">
             <a:extLst>
               <a:ext uri="{FF2B5EF4-FFF2-40B4-BE49-F238E27FC236}">
@@ -2866,7 +2503,7 @@
           <p:nvPr/>
         </p:nvPicPr>
         <p:blipFill>
-          <a:blip r:embed="rId15"/>
+          <a:blip r:embed="rId14"/>
           <a:stretch>
             <a:fillRect/>
           </a:stretch>
@@ -2896,7 +2533,7 @@
           <p:nvPr/>
         </p:nvPicPr>
         <p:blipFill>
-          <a:blip r:embed="rId16"/>
+          <a:blip r:embed="rId15"/>
           <a:stretch>
             <a:fillRect/>
           </a:stretch>
@@ -2926,7 +2563,7 @@
           <p:nvPr/>
         </p:nvPicPr>
         <p:blipFill>
-          <a:blip r:embed="rId17"/>
+          <a:blip r:embed="rId16"/>
           <a:stretch>
             <a:fillRect/>
           </a:stretch>
@@ -2956,7 +2593,7 @@
           <p:nvPr/>
         </p:nvPicPr>
         <p:blipFill>
-          <a:blip r:embed="rId18"/>
+          <a:blip r:embed="rId17"/>
           <a:stretch>
             <a:fillRect/>
           </a:stretch>
@@ -2986,7 +2623,7 @@
           <p:nvPr/>
         </p:nvPicPr>
         <p:blipFill>
-          <a:blip r:embed="rId19"/>
+          <a:blip r:embed="rId18"/>
           <a:stretch>
             <a:fillRect/>
           </a:stretch>
@@ -3071,7 +2708,7 @@
           <p:nvPr/>
         </p:nvPicPr>
         <p:blipFill>
-          <a:blip r:embed="rId20"/>
+          <a:blip r:embed="rId19"/>
           <a:stretch>
             <a:fillRect/>
           </a:stretch>
@@ -3086,36 +2723,527 @@
           </a:prstGeom>
         </p:spPr>
       </p:pic>
-      <p:pic>
-        <p:nvPicPr>
-          <p:cNvPr id="83" name="Picture 82" descr="A screen shot of a computer&#10;&#10;Description automatically generated">
+      <p:sp>
+        <p:nvSpPr>
+          <p:cNvPr id="55" name="TextBox 54">
             <a:extLst>
               <a:ext uri="{FF2B5EF4-FFF2-40B4-BE49-F238E27FC236}">
-                <a16:creationId xmlns:a16="http://schemas.microsoft.com/office/drawing/2014/main" id="{6E0766DF-560B-4305-A4BF-D0E24AE17FD2}"/>
+                <a16:creationId xmlns:a16="http://schemas.microsoft.com/office/drawing/2014/main" id="{D87CEC40-E302-41A3-AED4-57B16F00FEE9}"/>
               </a:ext>
             </a:extLst>
           </p:cNvPr>
-          <p:cNvPicPr>
-            <a:picLocks noChangeAspect="1"/>
-          </p:cNvPicPr>
-          <p:nvPr/>
-        </p:nvPicPr>
-        <p:blipFill>
-          <a:blip r:embed="rId21"/>
-          <a:stretch>
-            <a:fillRect/>
-          </a:stretch>
-        </p:blipFill>
-        <p:spPr>
-          <a:xfrm>
-            <a:off x="-9751152" y="16210779"/>
-            <a:ext cx="8662848" cy="5391484"/>
+          <p:cNvSpPr txBox="1"/>
+          <p:nvPr/>
+        </p:nvSpPr>
+        <p:spPr>
+          <a:xfrm>
+            <a:off x="1304322" y="11245058"/>
+            <a:ext cx="11946213" cy="3046988"/>
           </a:xfrm>
           <a:prstGeom prst="rect">
             <a:avLst/>
           </a:prstGeom>
-        </p:spPr>
-      </p:pic>
+          <a:noFill/>
+        </p:spPr>
+        <p:txBody>
+          <a:bodyPr wrap="square" rtlCol="0">
+            <a:spAutoFit/>
+          </a:bodyPr>
+          <a:lstStyle/>
+          <a:p>
+            <a:r>
+              <a:rPr lang="en-US" sz="4800" b="1" dirty="0">
+                <a:latin typeface="Arial"/>
+                <a:cs typeface="Arial"/>
+              </a:rPr>
+              <a:t>Objectives</a:t>
+            </a:r>
+          </a:p>
+          <a:p>
+            <a:pPr marL="571500" indent="-571500">
+              <a:buFont typeface="Arial" panose="020B0604020202020204" pitchFamily="34" charset="0"/>
+              <a:buChar char="•"/>
+            </a:pPr>
+            <a:r>
+              <a:rPr lang="en-US" sz="3600" dirty="0">
+                <a:latin typeface="Arial" panose="020B0604020202020204" pitchFamily="34" charset="0"/>
+                <a:cs typeface="Arial" panose="020B0604020202020204" pitchFamily="34" charset="0"/>
+              </a:rPr>
+              <a:t>Automate the manual processes for TA recruitment, scheduling, and overseeing grading</a:t>
+            </a:r>
+          </a:p>
+          <a:p>
+            <a:pPr marL="571500" indent="-571500">
+              <a:buFont typeface="Arial" panose="020B0604020202020204" pitchFamily="34" charset="0"/>
+              <a:buChar char="•"/>
+            </a:pPr>
+            <a:r>
+              <a:rPr lang="en-US" sz="3600" dirty="0">
+                <a:latin typeface="Arial" panose="020B0604020202020204" pitchFamily="34" charset="0"/>
+                <a:cs typeface="Arial" panose="020B0604020202020204" pitchFamily="34" charset="0"/>
+              </a:rPr>
+              <a:t>Enable communication between TAs and Professors</a:t>
+            </a:r>
+          </a:p>
+          <a:p>
+            <a:pPr marL="571500" indent="-571500">
+              <a:buFont typeface="Arial" panose="020B0604020202020204" pitchFamily="34" charset="0"/>
+              <a:buChar char="•"/>
+            </a:pPr>
+            <a:r>
+              <a:rPr lang="en-US" sz="3600" dirty="0">
+                <a:latin typeface="Arial" panose="020B0604020202020204" pitchFamily="34" charset="0"/>
+                <a:cs typeface="Arial" panose="020B0604020202020204" pitchFamily="34" charset="0"/>
+              </a:rPr>
+              <a:t>Improve the scalability and quality of CS education</a:t>
+            </a:r>
+          </a:p>
+        </p:txBody>
+      </p:sp>
+      <p:cxnSp>
+        <p:nvCxnSpPr>
+          <p:cNvPr id="6" name="Straight Connector 5">
+            <a:extLst>
+              <a:ext uri="{FF2B5EF4-FFF2-40B4-BE49-F238E27FC236}">
+                <a16:creationId xmlns:a16="http://schemas.microsoft.com/office/drawing/2014/main" id="{A58EBF6C-27BA-4DAB-9587-8CE6E50BA36A}"/>
+              </a:ext>
+            </a:extLst>
+          </p:cNvPr>
+          <p:cNvCxnSpPr/>
+          <p:nvPr/>
+        </p:nvCxnSpPr>
+        <p:spPr>
+          <a:xfrm flipV="1">
+            <a:off x="14363864" y="20675665"/>
+            <a:ext cx="27718416" cy="90898"/>
+          </a:xfrm>
+          <a:prstGeom prst="line">
+            <a:avLst/>
+          </a:prstGeom>
+        </p:spPr>
+        <p:style>
+          <a:lnRef idx="1">
+            <a:schemeClr val="dk1"/>
+          </a:lnRef>
+          <a:fillRef idx="0">
+            <a:schemeClr val="dk1"/>
+          </a:fillRef>
+          <a:effectRef idx="0">
+            <a:schemeClr val="dk1"/>
+          </a:effectRef>
+          <a:fontRef idx="minor">
+            <a:schemeClr val="tx1"/>
+          </a:fontRef>
+        </p:style>
+      </p:cxnSp>
+      <p:cxnSp>
+        <p:nvCxnSpPr>
+          <p:cNvPr id="68" name="Straight Connector 67">
+            <a:extLst>
+              <a:ext uri="{FF2B5EF4-FFF2-40B4-BE49-F238E27FC236}">
+                <a16:creationId xmlns:a16="http://schemas.microsoft.com/office/drawing/2014/main" id="{74891BB9-C691-41B5-A976-218FC3E440A6}"/>
+              </a:ext>
+            </a:extLst>
+          </p:cNvPr>
+          <p:cNvCxnSpPr/>
+          <p:nvPr/>
+        </p:nvCxnSpPr>
+        <p:spPr>
+          <a:xfrm flipV="1">
+            <a:off x="14475817" y="15994603"/>
+            <a:ext cx="27718416" cy="90898"/>
+          </a:xfrm>
+          <a:prstGeom prst="line">
+            <a:avLst/>
+          </a:prstGeom>
+        </p:spPr>
+        <p:style>
+          <a:lnRef idx="1">
+            <a:schemeClr val="dk1"/>
+          </a:lnRef>
+          <a:fillRef idx="0">
+            <a:schemeClr val="dk1"/>
+          </a:fillRef>
+          <a:effectRef idx="0">
+            <a:schemeClr val="dk1"/>
+          </a:effectRef>
+          <a:fontRef idx="minor">
+            <a:schemeClr val="tx1"/>
+          </a:fontRef>
+        </p:style>
+      </p:cxnSp>
+      <p:cxnSp>
+        <p:nvCxnSpPr>
+          <p:cNvPr id="69" name="Straight Connector 68">
+            <a:extLst>
+              <a:ext uri="{FF2B5EF4-FFF2-40B4-BE49-F238E27FC236}">
+                <a16:creationId xmlns:a16="http://schemas.microsoft.com/office/drawing/2014/main" id="{C598E734-40EC-4B11-AF19-0F8F08F90995}"/>
+              </a:ext>
+            </a:extLst>
+          </p:cNvPr>
+          <p:cNvCxnSpPr/>
+          <p:nvPr/>
+        </p:nvCxnSpPr>
+        <p:spPr>
+          <a:xfrm flipV="1">
+            <a:off x="14363864" y="11489082"/>
+            <a:ext cx="27718416" cy="90898"/>
+          </a:xfrm>
+          <a:prstGeom prst="line">
+            <a:avLst/>
+          </a:prstGeom>
+        </p:spPr>
+        <p:style>
+          <a:lnRef idx="1">
+            <a:schemeClr val="dk1"/>
+          </a:lnRef>
+          <a:fillRef idx="0">
+            <a:schemeClr val="dk1"/>
+          </a:fillRef>
+          <a:effectRef idx="0">
+            <a:schemeClr val="dk1"/>
+          </a:effectRef>
+          <a:fontRef idx="minor">
+            <a:schemeClr val="tx1"/>
+          </a:fontRef>
+        </p:style>
+      </p:cxnSp>
+      <p:cxnSp>
+        <p:nvCxnSpPr>
+          <p:cNvPr id="70" name="Straight Connector 69">
+            <a:extLst>
+              <a:ext uri="{FF2B5EF4-FFF2-40B4-BE49-F238E27FC236}">
+                <a16:creationId xmlns:a16="http://schemas.microsoft.com/office/drawing/2014/main" id="{69B4DE95-04A7-46F5-AEAF-F60CFACD3709}"/>
+              </a:ext>
+            </a:extLst>
+          </p:cNvPr>
+          <p:cNvCxnSpPr/>
+          <p:nvPr/>
+        </p:nvCxnSpPr>
+        <p:spPr>
+          <a:xfrm flipV="1">
+            <a:off x="14363864" y="6851342"/>
+            <a:ext cx="27718416" cy="90898"/>
+          </a:xfrm>
+          <a:prstGeom prst="line">
+            <a:avLst/>
+          </a:prstGeom>
+        </p:spPr>
+        <p:style>
+          <a:lnRef idx="1">
+            <a:schemeClr val="dk1"/>
+          </a:lnRef>
+          <a:fillRef idx="0">
+            <a:schemeClr val="dk1"/>
+          </a:fillRef>
+          <a:effectRef idx="0">
+            <a:schemeClr val="dk1"/>
+          </a:effectRef>
+          <a:fontRef idx="minor">
+            <a:schemeClr val="tx1"/>
+          </a:fontRef>
+        </p:style>
+      </p:cxnSp>
+      <p:grpSp>
+        <p:nvGrpSpPr>
+          <p:cNvPr id="10" name="Group 9">
+            <a:extLst>
+              <a:ext uri="{FF2B5EF4-FFF2-40B4-BE49-F238E27FC236}">
+                <a16:creationId xmlns:a16="http://schemas.microsoft.com/office/drawing/2014/main" id="{E21ED89A-AB86-460E-AE1F-23B5CA83D603}"/>
+              </a:ext>
+            </a:extLst>
+          </p:cNvPr>
+          <p:cNvGrpSpPr/>
+          <p:nvPr/>
+        </p:nvGrpSpPr>
+        <p:grpSpPr>
+          <a:xfrm>
+            <a:off x="1278371" y="14859586"/>
+            <a:ext cx="12238072" cy="10377571"/>
+            <a:chOff x="1080883" y="15123127"/>
+            <a:chExt cx="12238072" cy="10377571"/>
+          </a:xfrm>
+        </p:grpSpPr>
+        <p:sp>
+          <p:nvSpPr>
+            <p:cNvPr id="7" name="TextBox 6"/>
+            <p:cNvSpPr txBox="1"/>
+            <p:nvPr/>
+          </p:nvSpPr>
+          <p:spPr>
+            <a:xfrm>
+              <a:off x="1080883" y="15123127"/>
+              <a:ext cx="11946213" cy="830997"/>
+            </a:xfrm>
+            <a:prstGeom prst="rect">
+              <a:avLst/>
+            </a:prstGeom>
+            <a:noFill/>
+          </p:spPr>
+          <p:txBody>
+            <a:bodyPr wrap="square" rtlCol="0">
+              <a:spAutoFit/>
+            </a:bodyPr>
+            <a:lstStyle/>
+            <a:p>
+              <a:r>
+                <a:rPr lang="en-US" sz="4800" b="1" dirty="0">
+                  <a:latin typeface="Arial"/>
+                  <a:cs typeface="Arial"/>
+                </a:rPr>
+                <a:t>Solution Outline</a:t>
+              </a:r>
+              <a:endParaRPr lang="en-US" sz="3600" dirty="0">
+                <a:latin typeface="Arial" panose="020B0604020202020204" pitchFamily="34" charset="0"/>
+                <a:cs typeface="Arial" panose="020B0604020202020204" pitchFamily="34" charset="0"/>
+              </a:endParaRPr>
+            </a:p>
+          </p:txBody>
+        </p:sp>
+        <p:grpSp>
+          <p:nvGrpSpPr>
+            <p:cNvPr id="9" name="Group 8">
+              <a:extLst>
+                <a:ext uri="{FF2B5EF4-FFF2-40B4-BE49-F238E27FC236}">
+                  <a16:creationId xmlns:a16="http://schemas.microsoft.com/office/drawing/2014/main" id="{ED5D1F4B-ADDF-4B93-8EE4-F5E6D11E5FCA}"/>
+                </a:ext>
+              </a:extLst>
+            </p:cNvPr>
+            <p:cNvGrpSpPr/>
+            <p:nvPr/>
+          </p:nvGrpSpPr>
+          <p:grpSpPr>
+            <a:xfrm>
+              <a:off x="1151939" y="16279303"/>
+              <a:ext cx="12167016" cy="9221395"/>
+              <a:chOff x="1313112" y="15777402"/>
+              <a:chExt cx="12167016" cy="9221395"/>
+            </a:xfrm>
+          </p:grpSpPr>
+          <p:pic>
+            <p:nvPicPr>
+              <p:cNvPr id="83" name="Picture 82" descr="A screen shot of a computer&#10;&#10;Description automatically generated">
+                <a:extLst>
+                  <a:ext uri="{FF2B5EF4-FFF2-40B4-BE49-F238E27FC236}">
+                    <a16:creationId xmlns:a16="http://schemas.microsoft.com/office/drawing/2014/main" id="{6E0766DF-560B-4305-A4BF-D0E24AE17FD2}"/>
+                  </a:ext>
+                </a:extLst>
+              </p:cNvPr>
+              <p:cNvPicPr>
+                <a:picLocks noChangeAspect="1"/>
+              </p:cNvPicPr>
+              <p:nvPr/>
+            </p:nvPicPr>
+            <p:blipFill>
+              <a:blip r:embed="rId20"/>
+              <a:stretch>
+                <a:fillRect/>
+              </a:stretch>
+            </p:blipFill>
+            <p:spPr>
+              <a:xfrm>
+                <a:off x="1313112" y="17776900"/>
+                <a:ext cx="11689276" cy="5391484"/>
+              </a:xfrm>
+              <a:prstGeom prst="rect">
+                <a:avLst/>
+              </a:prstGeom>
+            </p:spPr>
+          </p:pic>
+          <p:sp>
+            <p:nvSpPr>
+              <p:cNvPr id="59" name="TextBox 58">
+                <a:extLst>
+                  <a:ext uri="{FF2B5EF4-FFF2-40B4-BE49-F238E27FC236}">
+                    <a16:creationId xmlns:a16="http://schemas.microsoft.com/office/drawing/2014/main" id="{2DF08D74-23C0-4C08-A42F-CA782D33711B}"/>
+                  </a:ext>
+                </a:extLst>
+              </p:cNvPr>
+              <p:cNvSpPr txBox="1"/>
+              <p:nvPr/>
+            </p:nvSpPr>
+            <p:spPr>
+              <a:xfrm>
+                <a:off x="7443362" y="15777402"/>
+                <a:ext cx="5744907" cy="1754326"/>
+              </a:xfrm>
+              <a:prstGeom prst="rect">
+                <a:avLst/>
+              </a:prstGeom>
+              <a:noFill/>
+            </p:spPr>
+            <p:txBody>
+              <a:bodyPr wrap="square" rtlCol="0">
+                <a:spAutoFit/>
+              </a:bodyPr>
+              <a:lstStyle/>
+              <a:p>
+                <a:r>
+                  <a:rPr lang="en-US" sz="3600" b="1" dirty="0">
+                    <a:latin typeface="Arial" panose="020B0604020202020204" pitchFamily="34" charset="0"/>
+                    <a:cs typeface="Arial" panose="020B0604020202020204" pitchFamily="34" charset="0"/>
+                  </a:rPr>
+                  <a:t>TA Handbook</a:t>
+                </a:r>
+                <a:r>
+                  <a:rPr lang="en-US" sz="3600" dirty="0">
+                    <a:latin typeface="Arial" panose="020B0604020202020204" pitchFamily="34" charset="0"/>
+                    <a:cs typeface="Arial" panose="020B0604020202020204" pitchFamily="34" charset="0"/>
+                  </a:rPr>
+                  <a:t>: information and policy for the duties and expectations of TAs</a:t>
+                </a:r>
+                <a:endParaRPr lang="en-US" sz="3600" dirty="0">
+                  <a:latin typeface="Arial"/>
+                  <a:cs typeface="Arial"/>
+                </a:endParaRPr>
+              </a:p>
+            </p:txBody>
+          </p:sp>
+          <p:sp>
+            <p:nvSpPr>
+              <p:cNvPr id="66" name="TextBox 65">
+                <a:extLst>
+                  <a:ext uri="{FF2B5EF4-FFF2-40B4-BE49-F238E27FC236}">
+                    <a16:creationId xmlns:a16="http://schemas.microsoft.com/office/drawing/2014/main" id="{0F2E4756-A6D2-47BA-92C3-B3961A159B54}"/>
+                  </a:ext>
+                </a:extLst>
+              </p:cNvPr>
+              <p:cNvSpPr txBox="1"/>
+              <p:nvPr/>
+            </p:nvSpPr>
+            <p:spPr>
+              <a:xfrm>
+                <a:off x="1316155" y="23244471"/>
+                <a:ext cx="4942777" cy="1754326"/>
+              </a:xfrm>
+              <a:prstGeom prst="rect">
+                <a:avLst/>
+              </a:prstGeom>
+              <a:noFill/>
+            </p:spPr>
+            <p:txBody>
+              <a:bodyPr wrap="square" rtlCol="0">
+                <a:spAutoFit/>
+              </a:bodyPr>
+              <a:lstStyle/>
+              <a:p>
+                <a:r>
+                  <a:rPr lang="en-US" sz="3600" b="1" dirty="0">
+                    <a:latin typeface="Arial" panose="020B0604020202020204" pitchFamily="34" charset="0"/>
+                    <a:cs typeface="Arial" panose="020B0604020202020204" pitchFamily="34" charset="0"/>
+                  </a:rPr>
+                  <a:t>Storage system</a:t>
+                </a:r>
+                <a:r>
+                  <a:rPr lang="en-US" sz="3600" dirty="0">
+                    <a:latin typeface="Arial" panose="020B0604020202020204" pitchFamily="34" charset="0"/>
+                    <a:cs typeface="Arial" panose="020B0604020202020204" pitchFamily="34" charset="0"/>
+                  </a:rPr>
+                  <a:t>: stores long term TA and course information</a:t>
+                </a:r>
+                <a:endParaRPr lang="en-US" sz="3600" dirty="0">
+                  <a:latin typeface="Arial"/>
+                  <a:cs typeface="Arial"/>
+                </a:endParaRPr>
+              </a:p>
+            </p:txBody>
+          </p:sp>
+          <p:sp>
+            <p:nvSpPr>
+              <p:cNvPr id="67" name="TextBox 66">
+                <a:extLst>
+                  <a:ext uri="{FF2B5EF4-FFF2-40B4-BE49-F238E27FC236}">
+                    <a16:creationId xmlns:a16="http://schemas.microsoft.com/office/drawing/2014/main" id="{8A0826FC-EBC2-444C-B3DC-61F9F9665783}"/>
+                  </a:ext>
+                </a:extLst>
+              </p:cNvPr>
+              <p:cNvSpPr txBox="1"/>
+              <p:nvPr/>
+            </p:nvSpPr>
+            <p:spPr>
+              <a:xfrm>
+                <a:off x="1313112" y="15777402"/>
+                <a:ext cx="6121423" cy="1754326"/>
+              </a:xfrm>
+              <a:prstGeom prst="rect">
+                <a:avLst/>
+              </a:prstGeom>
+              <a:noFill/>
+            </p:spPr>
+            <p:txBody>
+              <a:bodyPr wrap="square" rtlCol="0">
+                <a:spAutoFit/>
+              </a:bodyPr>
+              <a:lstStyle/>
+              <a:p>
+                <a:r>
+                  <a:rPr lang="en-US" sz="3600" b="1" dirty="0">
+                    <a:latin typeface="Arial" panose="020B0604020202020204" pitchFamily="34" charset="0"/>
+                    <a:cs typeface="Arial" panose="020B0604020202020204" pitchFamily="34" charset="0"/>
+                  </a:rPr>
+                  <a:t>Web interface</a:t>
+                </a:r>
+                <a:r>
+                  <a:rPr lang="en-US" sz="3600" dirty="0">
+                    <a:latin typeface="Arial" panose="020B0604020202020204" pitchFamily="34" charset="0"/>
+                    <a:cs typeface="Arial" panose="020B0604020202020204" pitchFamily="34" charset="0"/>
+                  </a:rPr>
+                  <a:t>: a centralized portal for TAs, professors, and administrators</a:t>
+                </a:r>
+              </a:p>
+            </p:txBody>
+          </p:sp>
+          <p:sp>
+            <p:nvSpPr>
+              <p:cNvPr id="71" name="TextBox 70">
+                <a:extLst>
+                  <a:ext uri="{FF2B5EF4-FFF2-40B4-BE49-F238E27FC236}">
+                    <a16:creationId xmlns:a16="http://schemas.microsoft.com/office/drawing/2014/main" id="{8742C0DF-345D-408A-9BF3-EB7BF8E7D47F}"/>
+                  </a:ext>
+                </a:extLst>
+              </p:cNvPr>
+              <p:cNvSpPr txBox="1"/>
+              <p:nvPr/>
+            </p:nvSpPr>
+            <p:spPr>
+              <a:xfrm>
+                <a:off x="7532002" y="23233799"/>
+                <a:ext cx="5948126" cy="1754326"/>
+              </a:xfrm>
+              <a:prstGeom prst="rect">
+                <a:avLst/>
+              </a:prstGeom>
+              <a:noFill/>
+            </p:spPr>
+            <p:txBody>
+              <a:bodyPr wrap="square" rtlCol="0">
+                <a:spAutoFit/>
+              </a:bodyPr>
+              <a:lstStyle/>
+              <a:p>
+                <a:r>
+                  <a:rPr lang="en-US" sz="3600" b="1" dirty="0">
+                    <a:latin typeface="Arial" panose="020B0604020202020204" pitchFamily="34" charset="0"/>
+                    <a:cs typeface="Arial" panose="020B0604020202020204" pitchFamily="34" charset="0"/>
+                  </a:rPr>
+                  <a:t>Automated Notifications</a:t>
+                </a:r>
+                <a:r>
+                  <a:rPr lang="en-US" sz="3600" dirty="0">
+                    <a:latin typeface="Arial" panose="020B0604020202020204" pitchFamily="34" charset="0"/>
+                    <a:cs typeface="Arial" panose="020B0604020202020204" pitchFamily="34" charset="0"/>
+                  </a:rPr>
+                  <a:t>: notifies and requests information updates</a:t>
+                </a:r>
+                <a:endParaRPr lang="en-US" sz="3600" dirty="0">
+                  <a:latin typeface="Arial"/>
+                  <a:cs typeface="Arial"/>
+                </a:endParaRPr>
+              </a:p>
+            </p:txBody>
+          </p:sp>
+        </p:grpSp>
+      </p:grpSp>
     </p:spTree>
     <p:extLst>
       <p:ext uri="{BB962C8B-B14F-4D97-AF65-F5344CB8AC3E}">
